--- a/report/PicSource.pptx
+++ b/report/PicSource.pptx
@@ -2,18 +2,19 @@
 <file path=ppt/presentation.xml><?xml version="1.0" encoding="utf-8"?>
 <p:presentation xmlns:a="http://schemas.openxmlformats.org/drawingml/2006/main" xmlns:r="http://schemas.openxmlformats.org/officeDocument/2006/relationships" xmlns:p="http://schemas.openxmlformats.org/presentationml/2006/main" saveSubsetFonts="1">
   <p:sldMasterIdLst>
-    <p:sldMasterId id="2147483672" r:id="rId1"/>
+    <p:sldMasterId id="2147483648" r:id="rId1"/>
   </p:sldMasterIdLst>
   <p:sldIdLst>
     <p:sldId id="256" r:id="rId2"/>
+    <p:sldId id="257" r:id="rId3"/>
   </p:sldIdLst>
-  <p:sldSz cx="8229600" cy="12192000"/>
+  <p:sldSz cx="12192000" cy="6858000"/>
   <p:notesSz cx="6858000" cy="9144000"/>
   <p:defaultTextStyle>
     <a:defPPr>
       <a:defRPr lang="en-US"/>
     </a:defPPr>
-    <a:lvl1pPr marL="0" algn="l" defTabSz="457200" rtl="0" eaLnBrk="1" latinLnBrk="0" hangingPunct="1">
+    <a:lvl1pPr marL="0" algn="l" defTabSz="914400" rtl="0" eaLnBrk="1" latinLnBrk="0" hangingPunct="1">
       <a:defRPr sz="1800" kern="1200">
         <a:solidFill>
           <a:schemeClr val="tx1"/>
@@ -23,7 +24,7 @@
         <a:cs typeface="+mn-cs"/>
       </a:defRPr>
     </a:lvl1pPr>
-    <a:lvl2pPr marL="457200" algn="l" defTabSz="457200" rtl="0" eaLnBrk="1" latinLnBrk="0" hangingPunct="1">
+    <a:lvl2pPr marL="457200" algn="l" defTabSz="914400" rtl="0" eaLnBrk="1" latinLnBrk="0" hangingPunct="1">
       <a:defRPr sz="1800" kern="1200">
         <a:solidFill>
           <a:schemeClr val="tx1"/>
@@ -33,7 +34,7 @@
         <a:cs typeface="+mn-cs"/>
       </a:defRPr>
     </a:lvl2pPr>
-    <a:lvl3pPr marL="914400" algn="l" defTabSz="457200" rtl="0" eaLnBrk="1" latinLnBrk="0" hangingPunct="1">
+    <a:lvl3pPr marL="914400" algn="l" defTabSz="914400" rtl="0" eaLnBrk="1" latinLnBrk="0" hangingPunct="1">
       <a:defRPr sz="1800" kern="1200">
         <a:solidFill>
           <a:schemeClr val="tx1"/>
@@ -43,7 +44,7 @@
         <a:cs typeface="+mn-cs"/>
       </a:defRPr>
     </a:lvl3pPr>
-    <a:lvl4pPr marL="1371600" algn="l" defTabSz="457200" rtl="0" eaLnBrk="1" latinLnBrk="0" hangingPunct="1">
+    <a:lvl4pPr marL="1371600" algn="l" defTabSz="914400" rtl="0" eaLnBrk="1" latinLnBrk="0" hangingPunct="1">
       <a:defRPr sz="1800" kern="1200">
         <a:solidFill>
           <a:schemeClr val="tx1"/>
@@ -53,7 +54,7 @@
         <a:cs typeface="+mn-cs"/>
       </a:defRPr>
     </a:lvl4pPr>
-    <a:lvl5pPr marL="1828800" algn="l" defTabSz="457200" rtl="0" eaLnBrk="1" latinLnBrk="0" hangingPunct="1">
+    <a:lvl5pPr marL="1828800" algn="l" defTabSz="914400" rtl="0" eaLnBrk="1" latinLnBrk="0" hangingPunct="1">
       <a:defRPr sz="1800" kern="1200">
         <a:solidFill>
           <a:schemeClr val="tx1"/>
@@ -63,7 +64,7 @@
         <a:cs typeface="+mn-cs"/>
       </a:defRPr>
     </a:lvl5pPr>
-    <a:lvl6pPr marL="2286000" algn="l" defTabSz="457200" rtl="0" eaLnBrk="1" latinLnBrk="0" hangingPunct="1">
+    <a:lvl6pPr marL="2286000" algn="l" defTabSz="914400" rtl="0" eaLnBrk="1" latinLnBrk="0" hangingPunct="1">
       <a:defRPr sz="1800" kern="1200">
         <a:solidFill>
           <a:schemeClr val="tx1"/>
@@ -73,7 +74,7 @@
         <a:cs typeface="+mn-cs"/>
       </a:defRPr>
     </a:lvl6pPr>
-    <a:lvl7pPr marL="2743200" algn="l" defTabSz="457200" rtl="0" eaLnBrk="1" latinLnBrk="0" hangingPunct="1">
+    <a:lvl7pPr marL="2743200" algn="l" defTabSz="914400" rtl="0" eaLnBrk="1" latinLnBrk="0" hangingPunct="1">
       <a:defRPr sz="1800" kern="1200">
         <a:solidFill>
           <a:schemeClr val="tx1"/>
@@ -83,7 +84,7 @@
         <a:cs typeface="+mn-cs"/>
       </a:defRPr>
     </a:lvl7pPr>
-    <a:lvl8pPr marL="3200400" algn="l" defTabSz="457200" rtl="0" eaLnBrk="1" latinLnBrk="0" hangingPunct="1">
+    <a:lvl8pPr marL="3200400" algn="l" defTabSz="914400" rtl="0" eaLnBrk="1" latinLnBrk="0" hangingPunct="1">
       <a:defRPr sz="1800" kern="1200">
         <a:solidFill>
           <a:schemeClr val="tx1"/>
@@ -93,7 +94,7 @@
         <a:cs typeface="+mn-cs"/>
       </a:defRPr>
     </a:lvl8pPr>
-    <a:lvl9pPr marL="3657600" algn="l" defTabSz="457200" rtl="0" eaLnBrk="1" latinLnBrk="0" hangingPunct="1">
+    <a:lvl9pPr marL="3657600" algn="l" defTabSz="914400" rtl="0" eaLnBrk="1" latinLnBrk="0" hangingPunct="1">
       <a:defRPr sz="1800" kern="1200">
         <a:solidFill>
           <a:schemeClr val="tx1"/>
@@ -104,11 +105,6 @@
       </a:defRPr>
     </a:lvl9pPr>
   </p:defaultTextStyle>
-  <p:extLst>
-    <p:ext uri="{EFAFB233-063F-42B5-8137-9DF3F51BA10A}">
-      <p15:sldGuideLst xmlns:p15="http://schemas.microsoft.com/office/powerpoint/2012/main"/>
-    </p:ext>
-  </p:extLst>
 </p:presentation>
 </file>
 
@@ -141,23 +137,23 @@
         </p:nvSpPr>
         <p:spPr>
           <a:xfrm>
-            <a:off x="617220" y="1995312"/>
-            <a:ext cx="6995160" cy="4244622"/>
+            <a:off x="1524000" y="1122363"/>
+            <a:ext cx="9144000" cy="2387600"/>
           </a:xfrm>
         </p:spPr>
         <p:txBody>
           <a:bodyPr anchor="b"/>
           <a:lstStyle>
             <a:lvl1pPr algn="ctr">
-              <a:defRPr sz="5400"/>
+              <a:defRPr sz="6000"/>
             </a:lvl1pPr>
           </a:lstStyle>
           <a:p>
             <a:r>
-              <a:rPr lang="en-US"/>
+              <a:rPr lang="en-US" smtClean="0"/>
               <a:t>Click to edit Master title style</a:t>
             </a:r>
-            <a:endParaRPr lang="en-US" dirty="0"/>
+            <a:endParaRPr lang="en-US"/>
           </a:p>
         </p:txBody>
       </p:sp>
@@ -173,8 +169,8 @@
         </p:nvSpPr>
         <p:spPr>
           <a:xfrm>
-            <a:off x="1028700" y="6403623"/>
-            <a:ext cx="6172200" cy="2943577"/>
+            <a:off x="1524000" y="3602038"/>
+            <a:ext cx="9144000" cy="1655762"/>
           </a:xfrm>
         </p:spPr>
         <p:txBody>
@@ -182,47 +178,47 @@
           <a:lstStyle>
             <a:lvl1pPr marL="0" indent="0" algn="ctr">
               <a:buNone/>
-              <a:defRPr sz="2160"/>
+              <a:defRPr sz="2400"/>
             </a:lvl1pPr>
-            <a:lvl2pPr marL="411480" indent="0" algn="ctr">
+            <a:lvl2pPr marL="457200" indent="0" algn="ctr">
+              <a:buNone/>
+              <a:defRPr sz="2000"/>
+            </a:lvl2pPr>
+            <a:lvl3pPr marL="914400" indent="0" algn="ctr">
               <a:buNone/>
               <a:defRPr sz="1800"/>
-            </a:lvl2pPr>
-            <a:lvl3pPr marL="822960" indent="0" algn="ctr">
-              <a:buNone/>
-              <a:defRPr sz="1620"/>
             </a:lvl3pPr>
-            <a:lvl4pPr marL="1234440" indent="0" algn="ctr">
-              <a:buNone/>
-              <a:defRPr sz="1440"/>
+            <a:lvl4pPr marL="1371600" indent="0" algn="ctr">
+              <a:buNone/>
+              <a:defRPr sz="1600"/>
             </a:lvl4pPr>
-            <a:lvl5pPr marL="1645920" indent="0" algn="ctr">
-              <a:buNone/>
-              <a:defRPr sz="1440"/>
+            <a:lvl5pPr marL="1828800" indent="0" algn="ctr">
+              <a:buNone/>
+              <a:defRPr sz="1600"/>
             </a:lvl5pPr>
-            <a:lvl6pPr marL="2057400" indent="0" algn="ctr">
-              <a:buNone/>
-              <a:defRPr sz="1440"/>
+            <a:lvl6pPr marL="2286000" indent="0" algn="ctr">
+              <a:buNone/>
+              <a:defRPr sz="1600"/>
             </a:lvl6pPr>
-            <a:lvl7pPr marL="2468880" indent="0" algn="ctr">
-              <a:buNone/>
-              <a:defRPr sz="1440"/>
+            <a:lvl7pPr marL="2743200" indent="0" algn="ctr">
+              <a:buNone/>
+              <a:defRPr sz="1600"/>
             </a:lvl7pPr>
-            <a:lvl8pPr marL="2880360" indent="0" algn="ctr">
-              <a:buNone/>
-              <a:defRPr sz="1440"/>
+            <a:lvl8pPr marL="3200400" indent="0" algn="ctr">
+              <a:buNone/>
+              <a:defRPr sz="1600"/>
             </a:lvl8pPr>
-            <a:lvl9pPr marL="3291840" indent="0" algn="ctr">
-              <a:buNone/>
-              <a:defRPr sz="1440"/>
+            <a:lvl9pPr marL="3657600" indent="0" algn="ctr">
+              <a:buNone/>
+              <a:defRPr sz="1600"/>
             </a:lvl9pPr>
           </a:lstStyle>
           <a:p>
             <a:r>
-              <a:rPr lang="en-US"/>
+              <a:rPr lang="en-US" smtClean="0"/>
               <a:t>Click to edit Master subtitle style</a:t>
             </a:r>
-            <a:endParaRPr lang="en-US" dirty="0"/>
+            <a:endParaRPr lang="en-US"/>
           </a:p>
         </p:txBody>
       </p:sp>
@@ -241,9 +237,9 @@
           <a:bodyPr/>
           <a:lstStyle/>
           <a:p>
-            <a:fld id="{1BFDAACF-0C81-4135-9ABD-88DF827D9974}" type="datetimeFigureOut">
-              <a:rPr lang="en-US" smtClean="0"/>
-              <a:t>11/6/2019</a:t>
+            <a:fld id="{326AAFFF-3983-4D95-A34D-288088DDF367}" type="datetimeFigureOut">
+              <a:rPr lang="en-US" smtClean="0"/>
+              <a:t>11/7/2019</a:t>
             </a:fld>
             <a:endParaRPr lang="en-US"/>
           </a:p>
@@ -283,7 +279,7 @@
           <a:bodyPr/>
           <a:lstStyle/>
           <a:p>
-            <a:fld id="{37328F85-C09C-4024-8732-D7ADF869C134}" type="slidenum">
+            <a:fld id="{F09CE603-9EA3-47C0-9172-B1C2A95BDCB9}" type="slidenum">
               <a:rPr lang="en-US" smtClean="0"/>
               <a:t>‹#›</a:t>
             </a:fld>
@@ -294,7 +290,7 @@
     </p:spTree>
     <p:extLst>
       <p:ext uri="{BB962C8B-B14F-4D97-AF65-F5344CB8AC3E}">
-        <p14:creationId xmlns:p14="http://schemas.microsoft.com/office/powerpoint/2010/main" val="1803977406"/>
+        <p14:creationId xmlns:p14="http://schemas.microsoft.com/office/powerpoint/2010/main" val="435705625"/>
       </p:ext>
     </p:extLst>
   </p:cSld>
@@ -337,10 +333,10 @@
           <a:lstStyle/>
           <a:p>
             <a:r>
-              <a:rPr lang="en-US"/>
+              <a:rPr lang="en-US" smtClean="0"/>
               <a:t>Click to edit Master title style</a:t>
             </a:r>
-            <a:endParaRPr lang="en-US" dirty="0"/>
+            <a:endParaRPr lang="en-US"/>
           </a:p>
         </p:txBody>
       </p:sp>
@@ -361,38 +357,38 @@
           <a:p>
             <a:pPr lvl="0"/>
             <a:r>
-              <a:rPr lang="en-US"/>
-              <a:t>Click to edit Master text styles</a:t>
+              <a:rPr lang="en-US" smtClean="0"/>
+              <a:t>Edit Master text styles</a:t>
             </a:r>
           </a:p>
           <a:p>
             <a:pPr lvl="1"/>
             <a:r>
-              <a:rPr lang="en-US"/>
+              <a:rPr lang="en-US" smtClean="0"/>
               <a:t>Second level</a:t>
             </a:r>
           </a:p>
           <a:p>
             <a:pPr lvl="2"/>
             <a:r>
-              <a:rPr lang="en-US"/>
+              <a:rPr lang="en-US" smtClean="0"/>
               <a:t>Third level</a:t>
             </a:r>
           </a:p>
           <a:p>
             <a:pPr lvl="3"/>
             <a:r>
-              <a:rPr lang="en-US"/>
+              <a:rPr lang="en-US" smtClean="0"/>
               <a:t>Fourth level</a:t>
             </a:r>
           </a:p>
           <a:p>
             <a:pPr lvl="4"/>
             <a:r>
-              <a:rPr lang="en-US"/>
+              <a:rPr lang="en-US" smtClean="0"/>
               <a:t>Fifth level</a:t>
             </a:r>
-            <a:endParaRPr lang="en-US" dirty="0"/>
+            <a:endParaRPr lang="en-US"/>
           </a:p>
         </p:txBody>
       </p:sp>
@@ -411,9 +407,9 @@
           <a:bodyPr/>
           <a:lstStyle/>
           <a:p>
-            <a:fld id="{1BFDAACF-0C81-4135-9ABD-88DF827D9974}" type="datetimeFigureOut">
-              <a:rPr lang="en-US" smtClean="0"/>
-              <a:t>11/6/2019</a:t>
+            <a:fld id="{326AAFFF-3983-4D95-A34D-288088DDF367}" type="datetimeFigureOut">
+              <a:rPr lang="en-US" smtClean="0"/>
+              <a:t>11/7/2019</a:t>
             </a:fld>
             <a:endParaRPr lang="en-US"/>
           </a:p>
@@ -453,7 +449,7 @@
           <a:bodyPr/>
           <a:lstStyle/>
           <a:p>
-            <a:fld id="{37328F85-C09C-4024-8732-D7ADF869C134}" type="slidenum">
+            <a:fld id="{F09CE603-9EA3-47C0-9172-B1C2A95BDCB9}" type="slidenum">
               <a:rPr lang="en-US" smtClean="0"/>
               <a:t>‹#›</a:t>
             </a:fld>
@@ -464,7 +460,7 @@
     </p:spTree>
     <p:extLst>
       <p:ext uri="{BB962C8B-B14F-4D97-AF65-F5344CB8AC3E}">
-        <p14:creationId xmlns:p14="http://schemas.microsoft.com/office/powerpoint/2010/main" val="2671403917"/>
+        <p14:creationId xmlns:p14="http://schemas.microsoft.com/office/powerpoint/2010/main" val="311954618"/>
       </p:ext>
     </p:extLst>
   </p:cSld>
@@ -503,8 +499,8 @@
         </p:nvSpPr>
         <p:spPr>
           <a:xfrm>
-            <a:off x="5889308" y="649111"/>
-            <a:ext cx="1774508" cy="10332156"/>
+            <a:off x="8724900" y="365125"/>
+            <a:ext cx="2628900" cy="5811838"/>
           </a:xfrm>
         </p:spPr>
         <p:txBody>
@@ -512,10 +508,10 @@
           <a:lstStyle/>
           <a:p>
             <a:r>
-              <a:rPr lang="en-US"/>
+              <a:rPr lang="en-US" smtClean="0"/>
               <a:t>Click to edit Master title style</a:t>
             </a:r>
-            <a:endParaRPr lang="en-US" dirty="0"/>
+            <a:endParaRPr lang="en-US"/>
           </a:p>
         </p:txBody>
       </p:sp>
@@ -531,8 +527,8 @@
         </p:nvSpPr>
         <p:spPr>
           <a:xfrm>
-            <a:off x="565785" y="649111"/>
-            <a:ext cx="5220653" cy="10332156"/>
+            <a:off x="838200" y="365125"/>
+            <a:ext cx="7734300" cy="5811838"/>
           </a:xfrm>
         </p:spPr>
         <p:txBody>
@@ -541,38 +537,38 @@
           <a:p>
             <a:pPr lvl="0"/>
             <a:r>
-              <a:rPr lang="en-US"/>
-              <a:t>Click to edit Master text styles</a:t>
+              <a:rPr lang="en-US" smtClean="0"/>
+              <a:t>Edit Master text styles</a:t>
             </a:r>
           </a:p>
           <a:p>
             <a:pPr lvl="1"/>
             <a:r>
-              <a:rPr lang="en-US"/>
+              <a:rPr lang="en-US" smtClean="0"/>
               <a:t>Second level</a:t>
             </a:r>
           </a:p>
           <a:p>
             <a:pPr lvl="2"/>
             <a:r>
-              <a:rPr lang="en-US"/>
+              <a:rPr lang="en-US" smtClean="0"/>
               <a:t>Third level</a:t>
             </a:r>
           </a:p>
           <a:p>
             <a:pPr lvl="3"/>
             <a:r>
-              <a:rPr lang="en-US"/>
+              <a:rPr lang="en-US" smtClean="0"/>
               <a:t>Fourth level</a:t>
             </a:r>
           </a:p>
           <a:p>
             <a:pPr lvl="4"/>
             <a:r>
-              <a:rPr lang="en-US"/>
+              <a:rPr lang="en-US" smtClean="0"/>
               <a:t>Fifth level</a:t>
             </a:r>
-            <a:endParaRPr lang="en-US" dirty="0"/>
+            <a:endParaRPr lang="en-US"/>
           </a:p>
         </p:txBody>
       </p:sp>
@@ -591,9 +587,9 @@
           <a:bodyPr/>
           <a:lstStyle/>
           <a:p>
-            <a:fld id="{1BFDAACF-0C81-4135-9ABD-88DF827D9974}" type="datetimeFigureOut">
-              <a:rPr lang="en-US" smtClean="0"/>
-              <a:t>11/6/2019</a:t>
+            <a:fld id="{326AAFFF-3983-4D95-A34D-288088DDF367}" type="datetimeFigureOut">
+              <a:rPr lang="en-US" smtClean="0"/>
+              <a:t>11/7/2019</a:t>
             </a:fld>
             <a:endParaRPr lang="en-US"/>
           </a:p>
@@ -633,7 +629,7 @@
           <a:bodyPr/>
           <a:lstStyle/>
           <a:p>
-            <a:fld id="{37328F85-C09C-4024-8732-D7ADF869C134}" type="slidenum">
+            <a:fld id="{F09CE603-9EA3-47C0-9172-B1C2A95BDCB9}" type="slidenum">
               <a:rPr lang="en-US" smtClean="0"/>
               <a:t>‹#›</a:t>
             </a:fld>
@@ -644,7 +640,7 @@
     </p:spTree>
     <p:extLst>
       <p:ext uri="{BB962C8B-B14F-4D97-AF65-F5344CB8AC3E}">
-        <p14:creationId xmlns:p14="http://schemas.microsoft.com/office/powerpoint/2010/main" val="4291765164"/>
+        <p14:creationId xmlns:p14="http://schemas.microsoft.com/office/powerpoint/2010/main" val="1290703835"/>
       </p:ext>
     </p:extLst>
   </p:cSld>
@@ -687,10 +683,10 @@
           <a:lstStyle/>
           <a:p>
             <a:r>
-              <a:rPr lang="en-US"/>
+              <a:rPr lang="en-US" smtClean="0"/>
               <a:t>Click to edit Master title style</a:t>
             </a:r>
-            <a:endParaRPr lang="en-US" dirty="0"/>
+            <a:endParaRPr lang="en-US"/>
           </a:p>
         </p:txBody>
       </p:sp>
@@ -711,38 +707,38 @@
           <a:p>
             <a:pPr lvl="0"/>
             <a:r>
-              <a:rPr lang="en-US"/>
-              <a:t>Click to edit Master text styles</a:t>
+              <a:rPr lang="en-US" smtClean="0"/>
+              <a:t>Edit Master text styles</a:t>
             </a:r>
           </a:p>
           <a:p>
             <a:pPr lvl="1"/>
             <a:r>
-              <a:rPr lang="en-US"/>
+              <a:rPr lang="en-US" smtClean="0"/>
               <a:t>Second level</a:t>
             </a:r>
           </a:p>
           <a:p>
             <a:pPr lvl="2"/>
             <a:r>
-              <a:rPr lang="en-US"/>
+              <a:rPr lang="en-US" smtClean="0"/>
               <a:t>Third level</a:t>
             </a:r>
           </a:p>
           <a:p>
             <a:pPr lvl="3"/>
             <a:r>
-              <a:rPr lang="en-US"/>
+              <a:rPr lang="en-US" smtClean="0"/>
               <a:t>Fourth level</a:t>
             </a:r>
           </a:p>
           <a:p>
             <a:pPr lvl="4"/>
             <a:r>
-              <a:rPr lang="en-US"/>
+              <a:rPr lang="en-US" smtClean="0"/>
               <a:t>Fifth level</a:t>
             </a:r>
-            <a:endParaRPr lang="en-US" dirty="0"/>
+            <a:endParaRPr lang="en-US"/>
           </a:p>
         </p:txBody>
       </p:sp>
@@ -761,9 +757,9 @@
           <a:bodyPr/>
           <a:lstStyle/>
           <a:p>
-            <a:fld id="{1BFDAACF-0C81-4135-9ABD-88DF827D9974}" type="datetimeFigureOut">
-              <a:rPr lang="en-US" smtClean="0"/>
-              <a:t>11/6/2019</a:t>
+            <a:fld id="{326AAFFF-3983-4D95-A34D-288088DDF367}" type="datetimeFigureOut">
+              <a:rPr lang="en-US" smtClean="0"/>
+              <a:t>11/7/2019</a:t>
             </a:fld>
             <a:endParaRPr lang="en-US"/>
           </a:p>
@@ -803,7 +799,7 @@
           <a:bodyPr/>
           <a:lstStyle/>
           <a:p>
-            <a:fld id="{37328F85-C09C-4024-8732-D7ADF869C134}" type="slidenum">
+            <a:fld id="{F09CE603-9EA3-47C0-9172-B1C2A95BDCB9}" type="slidenum">
               <a:rPr lang="en-US" smtClean="0"/>
               <a:t>‹#›</a:t>
             </a:fld>
@@ -814,7 +810,7 @@
     </p:spTree>
     <p:extLst>
       <p:ext uri="{BB962C8B-B14F-4D97-AF65-F5344CB8AC3E}">
-        <p14:creationId xmlns:p14="http://schemas.microsoft.com/office/powerpoint/2010/main" val="1648515545"/>
+        <p14:creationId xmlns:p14="http://schemas.microsoft.com/office/powerpoint/2010/main" val="2388238993"/>
       </p:ext>
     </p:extLst>
   </p:cSld>
@@ -853,23 +849,23 @@
         </p:nvSpPr>
         <p:spPr>
           <a:xfrm>
-            <a:off x="561499" y="3039537"/>
-            <a:ext cx="7098030" cy="5071532"/>
+            <a:off x="831850" y="1709738"/>
+            <a:ext cx="10515600" cy="2852737"/>
           </a:xfrm>
         </p:spPr>
         <p:txBody>
           <a:bodyPr anchor="b"/>
           <a:lstStyle>
             <a:lvl1pPr>
-              <a:defRPr sz="5400"/>
+              <a:defRPr sz="6000"/>
             </a:lvl1pPr>
           </a:lstStyle>
           <a:p>
             <a:r>
-              <a:rPr lang="en-US"/>
+              <a:rPr lang="en-US" smtClean="0"/>
               <a:t>Click to edit Master title style</a:t>
             </a:r>
-            <a:endParaRPr lang="en-US" dirty="0"/>
+            <a:endParaRPr lang="en-US"/>
           </a:p>
         </p:txBody>
       </p:sp>
@@ -885,8 +881,8 @@
         </p:nvSpPr>
         <p:spPr>
           <a:xfrm>
-            <a:off x="561499" y="8159048"/>
-            <a:ext cx="7098030" cy="2666999"/>
+            <a:off x="831850" y="4589463"/>
+            <a:ext cx="10515600" cy="1500187"/>
           </a:xfrm>
         </p:spPr>
         <p:txBody>
@@ -894,13 +890,25 @@
           <a:lstStyle>
             <a:lvl1pPr marL="0" indent="0">
               <a:buNone/>
-              <a:defRPr sz="2160">
+              <a:defRPr sz="2400">
                 <a:solidFill>
-                  <a:schemeClr val="tx1"/>
+                  <a:schemeClr val="tx1">
+                    <a:tint val="75000"/>
+                  </a:schemeClr>
                 </a:solidFill>
               </a:defRPr>
             </a:lvl1pPr>
-            <a:lvl2pPr marL="411480" indent="0">
+            <a:lvl2pPr marL="457200" indent="0">
+              <a:buNone/>
+              <a:defRPr sz="2000">
+                <a:solidFill>
+                  <a:schemeClr val="tx1">
+                    <a:tint val="75000"/>
+                  </a:schemeClr>
+                </a:solidFill>
+              </a:defRPr>
+            </a:lvl2pPr>
+            <a:lvl3pPr marL="914400" indent="0">
               <a:buNone/>
               <a:defRPr sz="1800">
                 <a:solidFill>
@@ -909,20 +917,10 @@
                   </a:schemeClr>
                 </a:solidFill>
               </a:defRPr>
-            </a:lvl2pPr>
-            <a:lvl3pPr marL="822960" indent="0">
-              <a:buNone/>
-              <a:defRPr sz="1620">
-                <a:solidFill>
-                  <a:schemeClr val="tx1">
-                    <a:tint val="75000"/>
-                  </a:schemeClr>
-                </a:solidFill>
-              </a:defRPr>
             </a:lvl3pPr>
-            <a:lvl4pPr marL="1234440" indent="0">
-              <a:buNone/>
-              <a:defRPr sz="1440">
+            <a:lvl4pPr marL="1371600" indent="0">
+              <a:buNone/>
+              <a:defRPr sz="1600">
                 <a:solidFill>
                   <a:schemeClr val="tx1">
                     <a:tint val="75000"/>
@@ -930,9 +928,9 @@
                 </a:solidFill>
               </a:defRPr>
             </a:lvl4pPr>
-            <a:lvl5pPr marL="1645920" indent="0">
-              <a:buNone/>
-              <a:defRPr sz="1440">
+            <a:lvl5pPr marL="1828800" indent="0">
+              <a:buNone/>
+              <a:defRPr sz="1600">
                 <a:solidFill>
                   <a:schemeClr val="tx1">
                     <a:tint val="75000"/>
@@ -940,9 +938,9 @@
                 </a:solidFill>
               </a:defRPr>
             </a:lvl5pPr>
-            <a:lvl6pPr marL="2057400" indent="0">
-              <a:buNone/>
-              <a:defRPr sz="1440">
+            <a:lvl6pPr marL="2286000" indent="0">
+              <a:buNone/>
+              <a:defRPr sz="1600">
                 <a:solidFill>
                   <a:schemeClr val="tx1">
                     <a:tint val="75000"/>
@@ -950,9 +948,9 @@
                 </a:solidFill>
               </a:defRPr>
             </a:lvl6pPr>
-            <a:lvl7pPr marL="2468880" indent="0">
-              <a:buNone/>
-              <a:defRPr sz="1440">
+            <a:lvl7pPr marL="2743200" indent="0">
+              <a:buNone/>
+              <a:defRPr sz="1600">
                 <a:solidFill>
                   <a:schemeClr val="tx1">
                     <a:tint val="75000"/>
@@ -960,9 +958,9 @@
                 </a:solidFill>
               </a:defRPr>
             </a:lvl7pPr>
-            <a:lvl8pPr marL="2880360" indent="0">
-              <a:buNone/>
-              <a:defRPr sz="1440">
+            <a:lvl8pPr marL="3200400" indent="0">
+              <a:buNone/>
+              <a:defRPr sz="1600">
                 <a:solidFill>
                   <a:schemeClr val="tx1">
                     <a:tint val="75000"/>
@@ -970,9 +968,9 @@
                 </a:solidFill>
               </a:defRPr>
             </a:lvl8pPr>
-            <a:lvl9pPr marL="3291840" indent="0">
-              <a:buNone/>
-              <a:defRPr sz="1440">
+            <a:lvl9pPr marL="3657600" indent="0">
+              <a:buNone/>
+              <a:defRPr sz="1600">
                 <a:solidFill>
                   <a:schemeClr val="tx1">
                     <a:tint val="75000"/>
@@ -984,8 +982,8 @@
           <a:p>
             <a:pPr lvl="0"/>
             <a:r>
-              <a:rPr lang="en-US"/>
-              <a:t>Click to edit Master text styles</a:t>
+              <a:rPr lang="en-US" smtClean="0"/>
+              <a:t>Edit Master text styles</a:t>
             </a:r>
           </a:p>
         </p:txBody>
@@ -1005,9 +1003,9 @@
           <a:bodyPr/>
           <a:lstStyle/>
           <a:p>
-            <a:fld id="{1BFDAACF-0C81-4135-9ABD-88DF827D9974}" type="datetimeFigureOut">
-              <a:rPr lang="en-US" smtClean="0"/>
-              <a:t>11/6/2019</a:t>
+            <a:fld id="{326AAFFF-3983-4D95-A34D-288088DDF367}" type="datetimeFigureOut">
+              <a:rPr lang="en-US" smtClean="0"/>
+              <a:t>11/7/2019</a:t>
             </a:fld>
             <a:endParaRPr lang="en-US"/>
           </a:p>
@@ -1047,7 +1045,7 @@
           <a:bodyPr/>
           <a:lstStyle/>
           <a:p>
-            <a:fld id="{37328F85-C09C-4024-8732-D7ADF869C134}" type="slidenum">
+            <a:fld id="{F09CE603-9EA3-47C0-9172-B1C2A95BDCB9}" type="slidenum">
               <a:rPr lang="en-US" smtClean="0"/>
               <a:t>‹#›</a:t>
             </a:fld>
@@ -1058,7 +1056,7 @@
     </p:spTree>
     <p:extLst>
       <p:ext uri="{BB962C8B-B14F-4D97-AF65-F5344CB8AC3E}">
-        <p14:creationId xmlns:p14="http://schemas.microsoft.com/office/powerpoint/2010/main" val="837612101"/>
+        <p14:creationId xmlns:p14="http://schemas.microsoft.com/office/powerpoint/2010/main" val="2493114769"/>
       </p:ext>
     </p:extLst>
   </p:cSld>
@@ -1101,10 +1099,10 @@
           <a:lstStyle/>
           <a:p>
             <a:r>
-              <a:rPr lang="en-US"/>
+              <a:rPr lang="en-US" smtClean="0"/>
               <a:t>Click to edit Master title style</a:t>
             </a:r>
-            <a:endParaRPr lang="en-US" dirty="0"/>
+            <a:endParaRPr lang="en-US"/>
           </a:p>
         </p:txBody>
       </p:sp>
@@ -1120,8 +1118,8 @@
         </p:nvSpPr>
         <p:spPr>
           <a:xfrm>
-            <a:off x="565785" y="3245556"/>
-            <a:ext cx="3497580" cy="7735712"/>
+            <a:off x="838200" y="1825625"/>
+            <a:ext cx="5181600" cy="4351338"/>
           </a:xfrm>
         </p:spPr>
         <p:txBody>
@@ -1130,38 +1128,38 @@
           <a:p>
             <a:pPr lvl="0"/>
             <a:r>
-              <a:rPr lang="en-US"/>
-              <a:t>Click to edit Master text styles</a:t>
+              <a:rPr lang="en-US" smtClean="0"/>
+              <a:t>Edit Master text styles</a:t>
             </a:r>
           </a:p>
           <a:p>
             <a:pPr lvl="1"/>
             <a:r>
-              <a:rPr lang="en-US"/>
+              <a:rPr lang="en-US" smtClean="0"/>
               <a:t>Second level</a:t>
             </a:r>
           </a:p>
           <a:p>
             <a:pPr lvl="2"/>
             <a:r>
-              <a:rPr lang="en-US"/>
+              <a:rPr lang="en-US" smtClean="0"/>
               <a:t>Third level</a:t>
             </a:r>
           </a:p>
           <a:p>
             <a:pPr lvl="3"/>
             <a:r>
-              <a:rPr lang="en-US"/>
+              <a:rPr lang="en-US" smtClean="0"/>
               <a:t>Fourth level</a:t>
             </a:r>
           </a:p>
           <a:p>
             <a:pPr lvl="4"/>
             <a:r>
-              <a:rPr lang="en-US"/>
+              <a:rPr lang="en-US" smtClean="0"/>
               <a:t>Fifth level</a:t>
             </a:r>
-            <a:endParaRPr lang="en-US" dirty="0"/>
+            <a:endParaRPr lang="en-US"/>
           </a:p>
         </p:txBody>
       </p:sp>
@@ -1177,8 +1175,8 @@
         </p:nvSpPr>
         <p:spPr>
           <a:xfrm>
-            <a:off x="4166235" y="3245556"/>
-            <a:ext cx="3497580" cy="7735712"/>
+            <a:off x="6172200" y="1825625"/>
+            <a:ext cx="5181600" cy="4351338"/>
           </a:xfrm>
         </p:spPr>
         <p:txBody>
@@ -1187,38 +1185,38 @@
           <a:p>
             <a:pPr lvl="0"/>
             <a:r>
-              <a:rPr lang="en-US"/>
-              <a:t>Click to edit Master text styles</a:t>
+              <a:rPr lang="en-US" smtClean="0"/>
+              <a:t>Edit Master text styles</a:t>
             </a:r>
           </a:p>
           <a:p>
             <a:pPr lvl="1"/>
             <a:r>
-              <a:rPr lang="en-US"/>
+              <a:rPr lang="en-US" smtClean="0"/>
               <a:t>Second level</a:t>
             </a:r>
           </a:p>
           <a:p>
             <a:pPr lvl="2"/>
             <a:r>
-              <a:rPr lang="en-US"/>
+              <a:rPr lang="en-US" smtClean="0"/>
               <a:t>Third level</a:t>
             </a:r>
           </a:p>
           <a:p>
             <a:pPr lvl="3"/>
             <a:r>
-              <a:rPr lang="en-US"/>
+              <a:rPr lang="en-US" smtClean="0"/>
               <a:t>Fourth level</a:t>
             </a:r>
           </a:p>
           <a:p>
             <a:pPr lvl="4"/>
             <a:r>
-              <a:rPr lang="en-US"/>
+              <a:rPr lang="en-US" smtClean="0"/>
               <a:t>Fifth level</a:t>
             </a:r>
-            <a:endParaRPr lang="en-US" dirty="0"/>
+            <a:endParaRPr lang="en-US"/>
           </a:p>
         </p:txBody>
       </p:sp>
@@ -1237,9 +1235,9 @@
           <a:bodyPr/>
           <a:lstStyle/>
           <a:p>
-            <a:fld id="{1BFDAACF-0C81-4135-9ABD-88DF827D9974}" type="datetimeFigureOut">
-              <a:rPr lang="en-US" smtClean="0"/>
-              <a:t>11/6/2019</a:t>
+            <a:fld id="{326AAFFF-3983-4D95-A34D-288088DDF367}" type="datetimeFigureOut">
+              <a:rPr lang="en-US" smtClean="0"/>
+              <a:t>11/7/2019</a:t>
             </a:fld>
             <a:endParaRPr lang="en-US"/>
           </a:p>
@@ -1279,7 +1277,7 @@
           <a:bodyPr/>
           <a:lstStyle/>
           <a:p>
-            <a:fld id="{37328F85-C09C-4024-8732-D7ADF869C134}" type="slidenum">
+            <a:fld id="{F09CE603-9EA3-47C0-9172-B1C2A95BDCB9}" type="slidenum">
               <a:rPr lang="en-US" smtClean="0"/>
               <a:t>‹#›</a:t>
             </a:fld>
@@ -1290,7 +1288,7 @@
     </p:spTree>
     <p:extLst>
       <p:ext uri="{BB962C8B-B14F-4D97-AF65-F5344CB8AC3E}">
-        <p14:creationId xmlns:p14="http://schemas.microsoft.com/office/powerpoint/2010/main" val="69418834"/>
+        <p14:creationId xmlns:p14="http://schemas.microsoft.com/office/powerpoint/2010/main" val="3736043138"/>
       </p:ext>
     </p:extLst>
   </p:cSld>
@@ -1329,8 +1327,8 @@
         </p:nvSpPr>
         <p:spPr>
           <a:xfrm>
-            <a:off x="566857" y="649114"/>
-            <a:ext cx="7098030" cy="2356556"/>
+            <a:off x="839788" y="365125"/>
+            <a:ext cx="10515600" cy="1325563"/>
           </a:xfrm>
         </p:spPr>
         <p:txBody>
@@ -1338,10 +1336,10 @@
           <a:lstStyle/>
           <a:p>
             <a:r>
-              <a:rPr lang="en-US"/>
+              <a:rPr lang="en-US" smtClean="0"/>
               <a:t>Click to edit Master title style</a:t>
             </a:r>
-            <a:endParaRPr lang="en-US" dirty="0"/>
+            <a:endParaRPr lang="en-US"/>
           </a:p>
         </p:txBody>
       </p:sp>
@@ -1357,8 +1355,8 @@
         </p:nvSpPr>
         <p:spPr>
           <a:xfrm>
-            <a:off x="566858" y="2988734"/>
-            <a:ext cx="3481506" cy="1464732"/>
+            <a:off x="839788" y="1681163"/>
+            <a:ext cx="5157787" cy="823912"/>
           </a:xfrm>
         </p:spPr>
         <p:txBody>
@@ -1366,46 +1364,46 @@
           <a:lstStyle>
             <a:lvl1pPr marL="0" indent="0">
               <a:buNone/>
-              <a:defRPr sz="2160" b="1"/>
+              <a:defRPr sz="2400" b="1"/>
             </a:lvl1pPr>
-            <a:lvl2pPr marL="411480" indent="0">
+            <a:lvl2pPr marL="457200" indent="0">
+              <a:buNone/>
+              <a:defRPr sz="2000" b="1"/>
+            </a:lvl2pPr>
+            <a:lvl3pPr marL="914400" indent="0">
               <a:buNone/>
               <a:defRPr sz="1800" b="1"/>
-            </a:lvl2pPr>
-            <a:lvl3pPr marL="822960" indent="0">
-              <a:buNone/>
-              <a:defRPr sz="1620" b="1"/>
             </a:lvl3pPr>
-            <a:lvl4pPr marL="1234440" indent="0">
-              <a:buNone/>
-              <a:defRPr sz="1440" b="1"/>
+            <a:lvl4pPr marL="1371600" indent="0">
+              <a:buNone/>
+              <a:defRPr sz="1600" b="1"/>
             </a:lvl4pPr>
-            <a:lvl5pPr marL="1645920" indent="0">
-              <a:buNone/>
-              <a:defRPr sz="1440" b="1"/>
+            <a:lvl5pPr marL="1828800" indent="0">
+              <a:buNone/>
+              <a:defRPr sz="1600" b="1"/>
             </a:lvl5pPr>
-            <a:lvl6pPr marL="2057400" indent="0">
-              <a:buNone/>
-              <a:defRPr sz="1440" b="1"/>
+            <a:lvl6pPr marL="2286000" indent="0">
+              <a:buNone/>
+              <a:defRPr sz="1600" b="1"/>
             </a:lvl6pPr>
-            <a:lvl7pPr marL="2468880" indent="0">
-              <a:buNone/>
-              <a:defRPr sz="1440" b="1"/>
+            <a:lvl7pPr marL="2743200" indent="0">
+              <a:buNone/>
+              <a:defRPr sz="1600" b="1"/>
             </a:lvl7pPr>
-            <a:lvl8pPr marL="2880360" indent="0">
-              <a:buNone/>
-              <a:defRPr sz="1440" b="1"/>
+            <a:lvl8pPr marL="3200400" indent="0">
+              <a:buNone/>
+              <a:defRPr sz="1600" b="1"/>
             </a:lvl8pPr>
-            <a:lvl9pPr marL="3291840" indent="0">
-              <a:buNone/>
-              <a:defRPr sz="1440" b="1"/>
+            <a:lvl9pPr marL="3657600" indent="0">
+              <a:buNone/>
+              <a:defRPr sz="1600" b="1"/>
             </a:lvl9pPr>
           </a:lstStyle>
           <a:p>
             <a:pPr lvl="0"/>
             <a:r>
-              <a:rPr lang="en-US"/>
-              <a:t>Click to edit Master text styles</a:t>
+              <a:rPr lang="en-US" smtClean="0"/>
+              <a:t>Edit Master text styles</a:t>
             </a:r>
           </a:p>
         </p:txBody>
@@ -1422,8 +1420,8 @@
         </p:nvSpPr>
         <p:spPr>
           <a:xfrm>
-            <a:off x="566858" y="4453467"/>
-            <a:ext cx="3481506" cy="6550379"/>
+            <a:off x="839788" y="2505075"/>
+            <a:ext cx="5157787" cy="3684588"/>
           </a:xfrm>
         </p:spPr>
         <p:txBody>
@@ -1432,38 +1430,38 @@
           <a:p>
             <a:pPr lvl="0"/>
             <a:r>
-              <a:rPr lang="en-US"/>
-              <a:t>Click to edit Master text styles</a:t>
+              <a:rPr lang="en-US" smtClean="0"/>
+              <a:t>Edit Master text styles</a:t>
             </a:r>
           </a:p>
           <a:p>
             <a:pPr lvl="1"/>
             <a:r>
-              <a:rPr lang="en-US"/>
+              <a:rPr lang="en-US" smtClean="0"/>
               <a:t>Second level</a:t>
             </a:r>
           </a:p>
           <a:p>
             <a:pPr lvl="2"/>
             <a:r>
-              <a:rPr lang="en-US"/>
+              <a:rPr lang="en-US" smtClean="0"/>
               <a:t>Third level</a:t>
             </a:r>
           </a:p>
           <a:p>
             <a:pPr lvl="3"/>
             <a:r>
-              <a:rPr lang="en-US"/>
+              <a:rPr lang="en-US" smtClean="0"/>
               <a:t>Fourth level</a:t>
             </a:r>
           </a:p>
           <a:p>
             <a:pPr lvl="4"/>
             <a:r>
-              <a:rPr lang="en-US"/>
+              <a:rPr lang="en-US" smtClean="0"/>
               <a:t>Fifth level</a:t>
             </a:r>
-            <a:endParaRPr lang="en-US" dirty="0"/>
+            <a:endParaRPr lang="en-US"/>
           </a:p>
         </p:txBody>
       </p:sp>
@@ -1479,8 +1477,8 @@
         </p:nvSpPr>
         <p:spPr>
           <a:xfrm>
-            <a:off x="4166235" y="2988734"/>
-            <a:ext cx="3498652" cy="1464732"/>
+            <a:off x="6172200" y="1681163"/>
+            <a:ext cx="5183188" cy="823912"/>
           </a:xfrm>
         </p:spPr>
         <p:txBody>
@@ -1488,46 +1486,46 @@
           <a:lstStyle>
             <a:lvl1pPr marL="0" indent="0">
               <a:buNone/>
-              <a:defRPr sz="2160" b="1"/>
+              <a:defRPr sz="2400" b="1"/>
             </a:lvl1pPr>
-            <a:lvl2pPr marL="411480" indent="0">
+            <a:lvl2pPr marL="457200" indent="0">
+              <a:buNone/>
+              <a:defRPr sz="2000" b="1"/>
+            </a:lvl2pPr>
+            <a:lvl3pPr marL="914400" indent="0">
               <a:buNone/>
               <a:defRPr sz="1800" b="1"/>
-            </a:lvl2pPr>
-            <a:lvl3pPr marL="822960" indent="0">
-              <a:buNone/>
-              <a:defRPr sz="1620" b="1"/>
             </a:lvl3pPr>
-            <a:lvl4pPr marL="1234440" indent="0">
-              <a:buNone/>
-              <a:defRPr sz="1440" b="1"/>
+            <a:lvl4pPr marL="1371600" indent="0">
+              <a:buNone/>
+              <a:defRPr sz="1600" b="1"/>
             </a:lvl4pPr>
-            <a:lvl5pPr marL="1645920" indent="0">
-              <a:buNone/>
-              <a:defRPr sz="1440" b="1"/>
+            <a:lvl5pPr marL="1828800" indent="0">
+              <a:buNone/>
+              <a:defRPr sz="1600" b="1"/>
             </a:lvl5pPr>
-            <a:lvl6pPr marL="2057400" indent="0">
-              <a:buNone/>
-              <a:defRPr sz="1440" b="1"/>
+            <a:lvl6pPr marL="2286000" indent="0">
+              <a:buNone/>
+              <a:defRPr sz="1600" b="1"/>
             </a:lvl6pPr>
-            <a:lvl7pPr marL="2468880" indent="0">
-              <a:buNone/>
-              <a:defRPr sz="1440" b="1"/>
+            <a:lvl7pPr marL="2743200" indent="0">
+              <a:buNone/>
+              <a:defRPr sz="1600" b="1"/>
             </a:lvl7pPr>
-            <a:lvl8pPr marL="2880360" indent="0">
-              <a:buNone/>
-              <a:defRPr sz="1440" b="1"/>
+            <a:lvl8pPr marL="3200400" indent="0">
+              <a:buNone/>
+              <a:defRPr sz="1600" b="1"/>
             </a:lvl8pPr>
-            <a:lvl9pPr marL="3291840" indent="0">
-              <a:buNone/>
-              <a:defRPr sz="1440" b="1"/>
+            <a:lvl9pPr marL="3657600" indent="0">
+              <a:buNone/>
+              <a:defRPr sz="1600" b="1"/>
             </a:lvl9pPr>
           </a:lstStyle>
           <a:p>
             <a:pPr lvl="0"/>
             <a:r>
-              <a:rPr lang="en-US"/>
-              <a:t>Click to edit Master text styles</a:t>
+              <a:rPr lang="en-US" smtClean="0"/>
+              <a:t>Edit Master text styles</a:t>
             </a:r>
           </a:p>
         </p:txBody>
@@ -1544,8 +1542,8 @@
         </p:nvSpPr>
         <p:spPr>
           <a:xfrm>
-            <a:off x="4166235" y="4453467"/>
-            <a:ext cx="3498652" cy="6550379"/>
+            <a:off x="6172200" y="2505075"/>
+            <a:ext cx="5183188" cy="3684588"/>
           </a:xfrm>
         </p:spPr>
         <p:txBody>
@@ -1554,38 +1552,38 @@
           <a:p>
             <a:pPr lvl="0"/>
             <a:r>
-              <a:rPr lang="en-US"/>
-              <a:t>Click to edit Master text styles</a:t>
+              <a:rPr lang="en-US" smtClean="0"/>
+              <a:t>Edit Master text styles</a:t>
             </a:r>
           </a:p>
           <a:p>
             <a:pPr lvl="1"/>
             <a:r>
-              <a:rPr lang="en-US"/>
+              <a:rPr lang="en-US" smtClean="0"/>
               <a:t>Second level</a:t>
             </a:r>
           </a:p>
           <a:p>
             <a:pPr lvl="2"/>
             <a:r>
-              <a:rPr lang="en-US"/>
+              <a:rPr lang="en-US" smtClean="0"/>
               <a:t>Third level</a:t>
             </a:r>
           </a:p>
           <a:p>
             <a:pPr lvl="3"/>
             <a:r>
-              <a:rPr lang="en-US"/>
+              <a:rPr lang="en-US" smtClean="0"/>
               <a:t>Fourth level</a:t>
             </a:r>
           </a:p>
           <a:p>
             <a:pPr lvl="4"/>
             <a:r>
-              <a:rPr lang="en-US"/>
+              <a:rPr lang="en-US" smtClean="0"/>
               <a:t>Fifth level</a:t>
             </a:r>
-            <a:endParaRPr lang="en-US" dirty="0"/>
+            <a:endParaRPr lang="en-US"/>
           </a:p>
         </p:txBody>
       </p:sp>
@@ -1604,9 +1602,9 @@
           <a:bodyPr/>
           <a:lstStyle/>
           <a:p>
-            <a:fld id="{1BFDAACF-0C81-4135-9ABD-88DF827D9974}" type="datetimeFigureOut">
-              <a:rPr lang="en-US" smtClean="0"/>
-              <a:t>11/6/2019</a:t>
+            <a:fld id="{326AAFFF-3983-4D95-A34D-288088DDF367}" type="datetimeFigureOut">
+              <a:rPr lang="en-US" smtClean="0"/>
+              <a:t>11/7/2019</a:t>
             </a:fld>
             <a:endParaRPr lang="en-US"/>
           </a:p>
@@ -1646,7 +1644,7 @@
           <a:bodyPr/>
           <a:lstStyle/>
           <a:p>
-            <a:fld id="{37328F85-C09C-4024-8732-D7ADF869C134}" type="slidenum">
+            <a:fld id="{F09CE603-9EA3-47C0-9172-B1C2A95BDCB9}" type="slidenum">
               <a:rPr lang="en-US" smtClean="0"/>
               <a:t>‹#›</a:t>
             </a:fld>
@@ -1657,7 +1655,7 @@
     </p:spTree>
     <p:extLst>
       <p:ext uri="{BB962C8B-B14F-4D97-AF65-F5344CB8AC3E}">
-        <p14:creationId xmlns:p14="http://schemas.microsoft.com/office/powerpoint/2010/main" val="668008228"/>
+        <p14:creationId xmlns:p14="http://schemas.microsoft.com/office/powerpoint/2010/main" val="772292655"/>
       </p:ext>
     </p:extLst>
   </p:cSld>
@@ -1700,10 +1698,10 @@
           <a:lstStyle/>
           <a:p>
             <a:r>
-              <a:rPr lang="en-US"/>
+              <a:rPr lang="en-US" smtClean="0"/>
               <a:t>Click to edit Master title style</a:t>
             </a:r>
-            <a:endParaRPr lang="en-US" dirty="0"/>
+            <a:endParaRPr lang="en-US"/>
           </a:p>
         </p:txBody>
       </p:sp>
@@ -1722,9 +1720,9 @@
           <a:bodyPr/>
           <a:lstStyle/>
           <a:p>
-            <a:fld id="{1BFDAACF-0C81-4135-9ABD-88DF827D9974}" type="datetimeFigureOut">
-              <a:rPr lang="en-US" smtClean="0"/>
-              <a:t>11/6/2019</a:t>
+            <a:fld id="{326AAFFF-3983-4D95-A34D-288088DDF367}" type="datetimeFigureOut">
+              <a:rPr lang="en-US" smtClean="0"/>
+              <a:t>11/7/2019</a:t>
             </a:fld>
             <a:endParaRPr lang="en-US"/>
           </a:p>
@@ -1764,7 +1762,7 @@
           <a:bodyPr/>
           <a:lstStyle/>
           <a:p>
-            <a:fld id="{37328F85-C09C-4024-8732-D7ADF869C134}" type="slidenum">
+            <a:fld id="{F09CE603-9EA3-47C0-9172-B1C2A95BDCB9}" type="slidenum">
               <a:rPr lang="en-US" smtClean="0"/>
               <a:t>‹#›</a:t>
             </a:fld>
@@ -1775,7 +1773,7 @@
     </p:spTree>
     <p:extLst>
       <p:ext uri="{BB962C8B-B14F-4D97-AF65-F5344CB8AC3E}">
-        <p14:creationId xmlns:p14="http://schemas.microsoft.com/office/powerpoint/2010/main" val="1874120665"/>
+        <p14:creationId xmlns:p14="http://schemas.microsoft.com/office/powerpoint/2010/main" val="3777668703"/>
       </p:ext>
     </p:extLst>
   </p:cSld>
@@ -1817,9 +1815,9 @@
           <a:bodyPr/>
           <a:lstStyle/>
           <a:p>
-            <a:fld id="{1BFDAACF-0C81-4135-9ABD-88DF827D9974}" type="datetimeFigureOut">
-              <a:rPr lang="en-US" smtClean="0"/>
-              <a:t>11/6/2019</a:t>
+            <a:fld id="{326AAFFF-3983-4D95-A34D-288088DDF367}" type="datetimeFigureOut">
+              <a:rPr lang="en-US" smtClean="0"/>
+              <a:t>11/7/2019</a:t>
             </a:fld>
             <a:endParaRPr lang="en-US"/>
           </a:p>
@@ -1859,7 +1857,7 @@
           <a:bodyPr/>
           <a:lstStyle/>
           <a:p>
-            <a:fld id="{37328F85-C09C-4024-8732-D7ADF869C134}" type="slidenum">
+            <a:fld id="{F09CE603-9EA3-47C0-9172-B1C2A95BDCB9}" type="slidenum">
               <a:rPr lang="en-US" smtClean="0"/>
               <a:t>‹#›</a:t>
             </a:fld>
@@ -1870,7 +1868,7 @@
     </p:spTree>
     <p:extLst>
       <p:ext uri="{BB962C8B-B14F-4D97-AF65-F5344CB8AC3E}">
-        <p14:creationId xmlns:p14="http://schemas.microsoft.com/office/powerpoint/2010/main" val="3301772929"/>
+        <p14:creationId xmlns:p14="http://schemas.microsoft.com/office/powerpoint/2010/main" val="2449767924"/>
       </p:ext>
     </p:extLst>
   </p:cSld>
@@ -1909,23 +1907,23 @@
         </p:nvSpPr>
         <p:spPr>
           <a:xfrm>
-            <a:off x="566857" y="812800"/>
-            <a:ext cx="2654260" cy="2844800"/>
+            <a:off x="839788" y="457200"/>
+            <a:ext cx="3932237" cy="1600200"/>
           </a:xfrm>
         </p:spPr>
         <p:txBody>
           <a:bodyPr anchor="b"/>
           <a:lstStyle>
             <a:lvl1pPr>
-              <a:defRPr sz="2880"/>
+              <a:defRPr sz="3200"/>
             </a:lvl1pPr>
           </a:lstStyle>
           <a:p>
             <a:r>
-              <a:rPr lang="en-US"/>
+              <a:rPr lang="en-US" smtClean="0"/>
               <a:t>Click to edit Master title style</a:t>
             </a:r>
-            <a:endParaRPr lang="en-US" dirty="0"/>
+            <a:endParaRPr lang="en-US"/>
           </a:p>
         </p:txBody>
       </p:sp>
@@ -1941,76 +1939,76 @@
         </p:nvSpPr>
         <p:spPr>
           <a:xfrm>
-            <a:off x="3498652" y="1755425"/>
-            <a:ext cx="4166235" cy="8664222"/>
+            <a:off x="5183188" y="987425"/>
+            <a:ext cx="6172200" cy="4873625"/>
           </a:xfrm>
         </p:spPr>
         <p:txBody>
           <a:bodyPr/>
           <a:lstStyle>
             <a:lvl1pPr>
-              <a:defRPr sz="2880"/>
+              <a:defRPr sz="3200"/>
             </a:lvl1pPr>
             <a:lvl2pPr>
-              <a:defRPr sz="2520"/>
+              <a:defRPr sz="2800"/>
             </a:lvl2pPr>
             <a:lvl3pPr>
-              <a:defRPr sz="2160"/>
+              <a:defRPr sz="2400"/>
             </a:lvl3pPr>
             <a:lvl4pPr>
-              <a:defRPr sz="1800"/>
+              <a:defRPr sz="2000"/>
             </a:lvl4pPr>
             <a:lvl5pPr>
-              <a:defRPr sz="1800"/>
+              <a:defRPr sz="2000"/>
             </a:lvl5pPr>
             <a:lvl6pPr>
-              <a:defRPr sz="1800"/>
+              <a:defRPr sz="2000"/>
             </a:lvl6pPr>
             <a:lvl7pPr>
-              <a:defRPr sz="1800"/>
+              <a:defRPr sz="2000"/>
             </a:lvl7pPr>
             <a:lvl8pPr>
-              <a:defRPr sz="1800"/>
+              <a:defRPr sz="2000"/>
             </a:lvl8pPr>
             <a:lvl9pPr>
-              <a:defRPr sz="1800"/>
+              <a:defRPr sz="2000"/>
             </a:lvl9pPr>
           </a:lstStyle>
           <a:p>
             <a:pPr lvl="0"/>
             <a:r>
-              <a:rPr lang="en-US"/>
-              <a:t>Click to edit Master text styles</a:t>
+              <a:rPr lang="en-US" smtClean="0"/>
+              <a:t>Edit Master text styles</a:t>
             </a:r>
           </a:p>
           <a:p>
             <a:pPr lvl="1"/>
             <a:r>
-              <a:rPr lang="en-US"/>
+              <a:rPr lang="en-US" smtClean="0"/>
               <a:t>Second level</a:t>
             </a:r>
           </a:p>
           <a:p>
             <a:pPr lvl="2"/>
             <a:r>
-              <a:rPr lang="en-US"/>
+              <a:rPr lang="en-US" smtClean="0"/>
               <a:t>Third level</a:t>
             </a:r>
           </a:p>
           <a:p>
             <a:pPr lvl="3"/>
             <a:r>
-              <a:rPr lang="en-US"/>
+              <a:rPr lang="en-US" smtClean="0"/>
               <a:t>Fourth level</a:t>
             </a:r>
           </a:p>
           <a:p>
             <a:pPr lvl="4"/>
             <a:r>
-              <a:rPr lang="en-US"/>
+              <a:rPr lang="en-US" smtClean="0"/>
               <a:t>Fifth level</a:t>
             </a:r>
-            <a:endParaRPr lang="en-US" dirty="0"/>
+            <a:endParaRPr lang="en-US"/>
           </a:p>
         </p:txBody>
       </p:sp>
@@ -2026,8 +2024,8 @@
         </p:nvSpPr>
         <p:spPr>
           <a:xfrm>
-            <a:off x="566857" y="3657600"/>
-            <a:ext cx="2654260" cy="6776156"/>
+            <a:off x="839788" y="2057400"/>
+            <a:ext cx="3932237" cy="3811588"/>
           </a:xfrm>
         </p:spPr>
         <p:txBody>
@@ -2035,46 +2033,46 @@
           <a:lstStyle>
             <a:lvl1pPr marL="0" indent="0">
               <a:buNone/>
-              <a:defRPr sz="1440"/>
+              <a:defRPr sz="1600"/>
             </a:lvl1pPr>
-            <a:lvl2pPr marL="411480" indent="0">
-              <a:buNone/>
-              <a:defRPr sz="1260"/>
+            <a:lvl2pPr marL="457200" indent="0">
+              <a:buNone/>
+              <a:defRPr sz="1400"/>
             </a:lvl2pPr>
-            <a:lvl3pPr marL="822960" indent="0">
-              <a:buNone/>
-              <a:defRPr sz="1080"/>
+            <a:lvl3pPr marL="914400" indent="0">
+              <a:buNone/>
+              <a:defRPr sz="1200"/>
             </a:lvl3pPr>
-            <a:lvl4pPr marL="1234440" indent="0">
-              <a:buNone/>
-              <a:defRPr sz="900"/>
+            <a:lvl4pPr marL="1371600" indent="0">
+              <a:buNone/>
+              <a:defRPr sz="1000"/>
             </a:lvl4pPr>
-            <a:lvl5pPr marL="1645920" indent="0">
-              <a:buNone/>
-              <a:defRPr sz="900"/>
+            <a:lvl5pPr marL="1828800" indent="0">
+              <a:buNone/>
+              <a:defRPr sz="1000"/>
             </a:lvl5pPr>
-            <a:lvl6pPr marL="2057400" indent="0">
-              <a:buNone/>
-              <a:defRPr sz="900"/>
+            <a:lvl6pPr marL="2286000" indent="0">
+              <a:buNone/>
+              <a:defRPr sz="1000"/>
             </a:lvl6pPr>
-            <a:lvl7pPr marL="2468880" indent="0">
-              <a:buNone/>
-              <a:defRPr sz="900"/>
+            <a:lvl7pPr marL="2743200" indent="0">
+              <a:buNone/>
+              <a:defRPr sz="1000"/>
             </a:lvl7pPr>
-            <a:lvl8pPr marL="2880360" indent="0">
-              <a:buNone/>
-              <a:defRPr sz="900"/>
+            <a:lvl8pPr marL="3200400" indent="0">
+              <a:buNone/>
+              <a:defRPr sz="1000"/>
             </a:lvl8pPr>
-            <a:lvl9pPr marL="3291840" indent="0">
-              <a:buNone/>
-              <a:defRPr sz="900"/>
+            <a:lvl9pPr marL="3657600" indent="0">
+              <a:buNone/>
+              <a:defRPr sz="1000"/>
             </a:lvl9pPr>
           </a:lstStyle>
           <a:p>
             <a:pPr lvl="0"/>
             <a:r>
-              <a:rPr lang="en-US"/>
-              <a:t>Click to edit Master text styles</a:t>
+              <a:rPr lang="en-US" smtClean="0"/>
+              <a:t>Edit Master text styles</a:t>
             </a:r>
           </a:p>
         </p:txBody>
@@ -2094,9 +2092,9 @@
           <a:bodyPr/>
           <a:lstStyle/>
           <a:p>
-            <a:fld id="{1BFDAACF-0C81-4135-9ABD-88DF827D9974}" type="datetimeFigureOut">
-              <a:rPr lang="en-US" smtClean="0"/>
-              <a:t>11/6/2019</a:t>
+            <a:fld id="{326AAFFF-3983-4D95-A34D-288088DDF367}" type="datetimeFigureOut">
+              <a:rPr lang="en-US" smtClean="0"/>
+              <a:t>11/7/2019</a:t>
             </a:fld>
             <a:endParaRPr lang="en-US"/>
           </a:p>
@@ -2136,7 +2134,7 @@
           <a:bodyPr/>
           <a:lstStyle/>
           <a:p>
-            <a:fld id="{37328F85-C09C-4024-8732-D7ADF869C134}" type="slidenum">
+            <a:fld id="{F09CE603-9EA3-47C0-9172-B1C2A95BDCB9}" type="slidenum">
               <a:rPr lang="en-US" smtClean="0"/>
               <a:t>‹#›</a:t>
             </a:fld>
@@ -2147,7 +2145,7 @@
     </p:spTree>
     <p:extLst>
       <p:ext uri="{BB962C8B-B14F-4D97-AF65-F5344CB8AC3E}">
-        <p14:creationId xmlns:p14="http://schemas.microsoft.com/office/powerpoint/2010/main" val="3572048258"/>
+        <p14:creationId xmlns:p14="http://schemas.microsoft.com/office/powerpoint/2010/main" val="2073102421"/>
       </p:ext>
     </p:extLst>
   </p:cSld>
@@ -2186,23 +2184,23 @@
         </p:nvSpPr>
         <p:spPr>
           <a:xfrm>
-            <a:off x="566857" y="812800"/>
-            <a:ext cx="2654260" cy="2844800"/>
+            <a:off x="839788" y="457200"/>
+            <a:ext cx="3932237" cy="1600200"/>
           </a:xfrm>
         </p:spPr>
         <p:txBody>
           <a:bodyPr anchor="b"/>
           <a:lstStyle>
             <a:lvl1pPr>
-              <a:defRPr sz="2880"/>
+              <a:defRPr sz="3200"/>
             </a:lvl1pPr>
           </a:lstStyle>
           <a:p>
             <a:r>
-              <a:rPr lang="en-US"/>
+              <a:rPr lang="en-US" smtClean="0"/>
               <a:t>Click to edit Master title style</a:t>
             </a:r>
-            <a:endParaRPr lang="en-US" dirty="0"/>
+            <a:endParaRPr lang="en-US"/>
           </a:p>
         </p:txBody>
       </p:sp>
@@ -2210,7 +2208,7 @@
         <p:nvSpPr>
           <p:cNvPr id="3" name="Picture Placeholder 2"/>
           <p:cNvSpPr>
-            <a:spLocks noGrp="1" noChangeAspect="1"/>
+            <a:spLocks noGrp="1"/>
           </p:cNvSpPr>
           <p:nvPr>
             <p:ph type="pic" idx="1"/>
@@ -2218,56 +2216,52 @@
         </p:nvSpPr>
         <p:spPr>
           <a:xfrm>
-            <a:off x="3498652" y="1755425"/>
-            <a:ext cx="4166235" cy="8664222"/>
+            <a:off x="5183188" y="987425"/>
+            <a:ext cx="6172200" cy="4873625"/>
           </a:xfrm>
         </p:spPr>
         <p:txBody>
-          <a:bodyPr anchor="t"/>
+          <a:bodyPr/>
           <a:lstStyle>
             <a:lvl1pPr marL="0" indent="0">
               <a:buNone/>
-              <a:defRPr sz="2880"/>
+              <a:defRPr sz="3200"/>
             </a:lvl1pPr>
-            <a:lvl2pPr marL="411480" indent="0">
-              <a:buNone/>
-              <a:defRPr sz="2520"/>
+            <a:lvl2pPr marL="457200" indent="0">
+              <a:buNone/>
+              <a:defRPr sz="2800"/>
             </a:lvl2pPr>
-            <a:lvl3pPr marL="822960" indent="0">
-              <a:buNone/>
-              <a:defRPr sz="2160"/>
+            <a:lvl3pPr marL="914400" indent="0">
+              <a:buNone/>
+              <a:defRPr sz="2400"/>
             </a:lvl3pPr>
-            <a:lvl4pPr marL="1234440" indent="0">
-              <a:buNone/>
-              <a:defRPr sz="1800"/>
+            <a:lvl4pPr marL="1371600" indent="0">
+              <a:buNone/>
+              <a:defRPr sz="2000"/>
             </a:lvl4pPr>
-            <a:lvl5pPr marL="1645920" indent="0">
-              <a:buNone/>
-              <a:defRPr sz="1800"/>
+            <a:lvl5pPr marL="1828800" indent="0">
+              <a:buNone/>
+              <a:defRPr sz="2000"/>
             </a:lvl5pPr>
-            <a:lvl6pPr marL="2057400" indent="0">
-              <a:buNone/>
-              <a:defRPr sz="1800"/>
+            <a:lvl6pPr marL="2286000" indent="0">
+              <a:buNone/>
+              <a:defRPr sz="2000"/>
             </a:lvl6pPr>
-            <a:lvl7pPr marL="2468880" indent="0">
-              <a:buNone/>
-              <a:defRPr sz="1800"/>
+            <a:lvl7pPr marL="2743200" indent="0">
+              <a:buNone/>
+              <a:defRPr sz="2000"/>
             </a:lvl7pPr>
-            <a:lvl8pPr marL="2880360" indent="0">
-              <a:buNone/>
-              <a:defRPr sz="1800"/>
+            <a:lvl8pPr marL="3200400" indent="0">
+              <a:buNone/>
+              <a:defRPr sz="2000"/>
             </a:lvl8pPr>
-            <a:lvl9pPr marL="3291840" indent="0">
-              <a:buNone/>
-              <a:defRPr sz="1800"/>
+            <a:lvl9pPr marL="3657600" indent="0">
+              <a:buNone/>
+              <a:defRPr sz="2000"/>
             </a:lvl9pPr>
           </a:lstStyle>
           <a:p>
-            <a:r>
-              <a:rPr lang="en-US"/>
-              <a:t>Click icon to add picture</a:t>
-            </a:r>
-            <a:endParaRPr lang="en-US" dirty="0"/>
+            <a:endParaRPr lang="en-US"/>
           </a:p>
         </p:txBody>
       </p:sp>
@@ -2283,8 +2277,8 @@
         </p:nvSpPr>
         <p:spPr>
           <a:xfrm>
-            <a:off x="566857" y="3657600"/>
-            <a:ext cx="2654260" cy="6776156"/>
+            <a:off x="839788" y="2057400"/>
+            <a:ext cx="3932237" cy="3811588"/>
           </a:xfrm>
         </p:spPr>
         <p:txBody>
@@ -2292,46 +2286,46 @@
           <a:lstStyle>
             <a:lvl1pPr marL="0" indent="0">
               <a:buNone/>
-              <a:defRPr sz="1440"/>
+              <a:defRPr sz="1600"/>
             </a:lvl1pPr>
-            <a:lvl2pPr marL="411480" indent="0">
-              <a:buNone/>
-              <a:defRPr sz="1260"/>
+            <a:lvl2pPr marL="457200" indent="0">
+              <a:buNone/>
+              <a:defRPr sz="1400"/>
             </a:lvl2pPr>
-            <a:lvl3pPr marL="822960" indent="0">
-              <a:buNone/>
-              <a:defRPr sz="1080"/>
+            <a:lvl3pPr marL="914400" indent="0">
+              <a:buNone/>
+              <a:defRPr sz="1200"/>
             </a:lvl3pPr>
-            <a:lvl4pPr marL="1234440" indent="0">
-              <a:buNone/>
-              <a:defRPr sz="900"/>
+            <a:lvl4pPr marL="1371600" indent="0">
+              <a:buNone/>
+              <a:defRPr sz="1000"/>
             </a:lvl4pPr>
-            <a:lvl5pPr marL="1645920" indent="0">
-              <a:buNone/>
-              <a:defRPr sz="900"/>
+            <a:lvl5pPr marL="1828800" indent="0">
+              <a:buNone/>
+              <a:defRPr sz="1000"/>
             </a:lvl5pPr>
-            <a:lvl6pPr marL="2057400" indent="0">
-              <a:buNone/>
-              <a:defRPr sz="900"/>
+            <a:lvl6pPr marL="2286000" indent="0">
+              <a:buNone/>
+              <a:defRPr sz="1000"/>
             </a:lvl6pPr>
-            <a:lvl7pPr marL="2468880" indent="0">
-              <a:buNone/>
-              <a:defRPr sz="900"/>
+            <a:lvl7pPr marL="2743200" indent="0">
+              <a:buNone/>
+              <a:defRPr sz="1000"/>
             </a:lvl7pPr>
-            <a:lvl8pPr marL="2880360" indent="0">
-              <a:buNone/>
-              <a:defRPr sz="900"/>
+            <a:lvl8pPr marL="3200400" indent="0">
+              <a:buNone/>
+              <a:defRPr sz="1000"/>
             </a:lvl8pPr>
-            <a:lvl9pPr marL="3291840" indent="0">
-              <a:buNone/>
-              <a:defRPr sz="900"/>
+            <a:lvl9pPr marL="3657600" indent="0">
+              <a:buNone/>
+              <a:defRPr sz="1000"/>
             </a:lvl9pPr>
           </a:lstStyle>
           <a:p>
             <a:pPr lvl="0"/>
             <a:r>
-              <a:rPr lang="en-US"/>
-              <a:t>Click to edit Master text styles</a:t>
+              <a:rPr lang="en-US" smtClean="0"/>
+              <a:t>Edit Master text styles</a:t>
             </a:r>
           </a:p>
         </p:txBody>
@@ -2351,9 +2345,9 @@
           <a:bodyPr/>
           <a:lstStyle/>
           <a:p>
-            <a:fld id="{1BFDAACF-0C81-4135-9ABD-88DF827D9974}" type="datetimeFigureOut">
-              <a:rPr lang="en-US" smtClean="0"/>
-              <a:t>11/6/2019</a:t>
+            <a:fld id="{326AAFFF-3983-4D95-A34D-288088DDF367}" type="datetimeFigureOut">
+              <a:rPr lang="en-US" smtClean="0"/>
+              <a:t>11/7/2019</a:t>
             </a:fld>
             <a:endParaRPr lang="en-US"/>
           </a:p>
@@ -2393,7 +2387,7 @@
           <a:bodyPr/>
           <a:lstStyle/>
           <a:p>
-            <a:fld id="{37328F85-C09C-4024-8732-D7ADF869C134}" type="slidenum">
+            <a:fld id="{F09CE603-9EA3-47C0-9172-B1C2A95BDCB9}" type="slidenum">
               <a:rPr lang="en-US" smtClean="0"/>
               <a:t>‹#›</a:t>
             </a:fld>
@@ -2404,7 +2398,7 @@
     </p:spTree>
     <p:extLst>
       <p:ext uri="{BB962C8B-B14F-4D97-AF65-F5344CB8AC3E}">
-        <p14:creationId xmlns:p14="http://schemas.microsoft.com/office/powerpoint/2010/main" val="2874083608"/>
+        <p14:creationId xmlns:p14="http://schemas.microsoft.com/office/powerpoint/2010/main" val="2427932265"/>
       </p:ext>
     </p:extLst>
   </p:cSld>
@@ -2448,8 +2442,8 @@
         </p:nvSpPr>
         <p:spPr>
           <a:xfrm>
-            <a:off x="565785" y="649114"/>
-            <a:ext cx="7098030" cy="2356556"/>
+            <a:off x="838200" y="365125"/>
+            <a:ext cx="10515600" cy="1325563"/>
           </a:xfrm>
           <a:prstGeom prst="rect">
             <a:avLst/>
@@ -2462,10 +2456,10 @@
           <a:lstStyle/>
           <a:p>
             <a:r>
-              <a:rPr lang="en-US"/>
+              <a:rPr lang="en-US" smtClean="0"/>
               <a:t>Click to edit Master title style</a:t>
             </a:r>
-            <a:endParaRPr lang="en-US" dirty="0"/>
+            <a:endParaRPr lang="en-US"/>
           </a:p>
         </p:txBody>
       </p:sp>
@@ -2481,8 +2475,8 @@
         </p:nvSpPr>
         <p:spPr>
           <a:xfrm>
-            <a:off x="565785" y="3245556"/>
-            <a:ext cx="7098030" cy="7735712"/>
+            <a:off x="838200" y="1825625"/>
+            <a:ext cx="10515600" cy="4351338"/>
           </a:xfrm>
           <a:prstGeom prst="rect">
             <a:avLst/>
@@ -2496,38 +2490,38 @@
           <a:p>
             <a:pPr lvl="0"/>
             <a:r>
-              <a:rPr lang="en-US"/>
-              <a:t>Click to edit Master text styles</a:t>
+              <a:rPr lang="en-US" smtClean="0"/>
+              <a:t>Edit Master text styles</a:t>
             </a:r>
           </a:p>
           <a:p>
             <a:pPr lvl="1"/>
             <a:r>
-              <a:rPr lang="en-US"/>
+              <a:rPr lang="en-US" smtClean="0"/>
               <a:t>Second level</a:t>
             </a:r>
           </a:p>
           <a:p>
             <a:pPr lvl="2"/>
             <a:r>
-              <a:rPr lang="en-US"/>
+              <a:rPr lang="en-US" smtClean="0"/>
               <a:t>Third level</a:t>
             </a:r>
           </a:p>
           <a:p>
             <a:pPr lvl="3"/>
             <a:r>
-              <a:rPr lang="en-US"/>
+              <a:rPr lang="en-US" smtClean="0"/>
               <a:t>Fourth level</a:t>
             </a:r>
           </a:p>
           <a:p>
             <a:pPr lvl="4"/>
             <a:r>
-              <a:rPr lang="en-US"/>
+              <a:rPr lang="en-US" smtClean="0"/>
               <a:t>Fifth level</a:t>
             </a:r>
-            <a:endParaRPr lang="en-US" dirty="0"/>
+            <a:endParaRPr lang="en-US"/>
           </a:p>
         </p:txBody>
       </p:sp>
@@ -2543,8 +2537,8 @@
         </p:nvSpPr>
         <p:spPr>
           <a:xfrm>
-            <a:off x="565785" y="11300181"/>
-            <a:ext cx="1851660" cy="649111"/>
+            <a:off x="838200" y="6356350"/>
+            <a:ext cx="2743200" cy="365125"/>
           </a:xfrm>
           <a:prstGeom prst="rect">
             <a:avLst/>
@@ -2554,7 +2548,7 @@
           <a:bodyPr vert="horz" lIns="91440" tIns="45720" rIns="91440" bIns="45720" rtlCol="0" anchor="ctr"/>
           <a:lstStyle>
             <a:lvl1pPr algn="l">
-              <a:defRPr sz="1080">
+              <a:defRPr sz="1200">
                 <a:solidFill>
                   <a:schemeClr val="tx1">
                     <a:tint val="75000"/>
@@ -2564,9 +2558,9 @@
             </a:lvl1pPr>
           </a:lstStyle>
           <a:p>
-            <a:fld id="{1BFDAACF-0C81-4135-9ABD-88DF827D9974}" type="datetimeFigureOut">
-              <a:rPr lang="en-US" smtClean="0"/>
-              <a:t>11/6/2019</a:t>
+            <a:fld id="{326AAFFF-3983-4D95-A34D-288088DDF367}" type="datetimeFigureOut">
+              <a:rPr lang="en-US" smtClean="0"/>
+              <a:t>11/7/2019</a:t>
             </a:fld>
             <a:endParaRPr lang="en-US"/>
           </a:p>
@@ -2584,8 +2578,8 @@
         </p:nvSpPr>
         <p:spPr>
           <a:xfrm>
-            <a:off x="2726055" y="11300181"/>
-            <a:ext cx="2777490" cy="649111"/>
+            <a:off x="4038600" y="6356350"/>
+            <a:ext cx="4114800" cy="365125"/>
           </a:xfrm>
           <a:prstGeom prst="rect">
             <a:avLst/>
@@ -2595,7 +2589,7 @@
           <a:bodyPr vert="horz" lIns="91440" tIns="45720" rIns="91440" bIns="45720" rtlCol="0" anchor="ctr"/>
           <a:lstStyle>
             <a:lvl1pPr algn="ctr">
-              <a:defRPr sz="1080">
+              <a:defRPr sz="1200">
                 <a:solidFill>
                   <a:schemeClr val="tx1">
                     <a:tint val="75000"/>
@@ -2621,8 +2615,8 @@
         </p:nvSpPr>
         <p:spPr>
           <a:xfrm>
-            <a:off x="5812155" y="11300181"/>
-            <a:ext cx="1851660" cy="649111"/>
+            <a:off x="8610600" y="6356350"/>
+            <a:ext cx="2743200" cy="365125"/>
           </a:xfrm>
           <a:prstGeom prst="rect">
             <a:avLst/>
@@ -2632,7 +2626,7 @@
           <a:bodyPr vert="horz" lIns="91440" tIns="45720" rIns="91440" bIns="45720" rtlCol="0" anchor="ctr"/>
           <a:lstStyle>
             <a:lvl1pPr algn="r">
-              <a:defRPr sz="1080">
+              <a:defRPr sz="1200">
                 <a:solidFill>
                   <a:schemeClr val="tx1">
                     <a:tint val="75000"/>
@@ -2642,7 +2636,7 @@
             </a:lvl1pPr>
           </a:lstStyle>
           <a:p>
-            <a:fld id="{37328F85-C09C-4024-8732-D7ADF869C134}" type="slidenum">
+            <a:fld id="{F09CE603-9EA3-47C0-9172-B1C2A95BDCB9}" type="slidenum">
               <a:rPr lang="en-US" smtClean="0"/>
               <a:t>‹#›</a:t>
             </a:fld>
@@ -2653,27 +2647,27 @@
     </p:spTree>
     <p:extLst>
       <p:ext uri="{BB962C8B-B14F-4D97-AF65-F5344CB8AC3E}">
-        <p14:creationId xmlns:p14="http://schemas.microsoft.com/office/powerpoint/2010/main" val="1485748076"/>
+        <p14:creationId xmlns:p14="http://schemas.microsoft.com/office/powerpoint/2010/main" val="2124358202"/>
       </p:ext>
     </p:extLst>
   </p:cSld>
   <p:clrMap bg1="lt1" tx1="dk1" bg2="lt2" tx2="dk2" accent1="accent1" accent2="accent2" accent3="accent3" accent4="accent4" accent5="accent5" accent6="accent6" hlink="hlink" folHlink="folHlink"/>
   <p:sldLayoutIdLst>
-    <p:sldLayoutId id="2147483673" r:id="rId1"/>
-    <p:sldLayoutId id="2147483674" r:id="rId2"/>
-    <p:sldLayoutId id="2147483675" r:id="rId3"/>
-    <p:sldLayoutId id="2147483676" r:id="rId4"/>
-    <p:sldLayoutId id="2147483677" r:id="rId5"/>
-    <p:sldLayoutId id="2147483678" r:id="rId6"/>
-    <p:sldLayoutId id="2147483679" r:id="rId7"/>
-    <p:sldLayoutId id="2147483680" r:id="rId8"/>
-    <p:sldLayoutId id="2147483681" r:id="rId9"/>
-    <p:sldLayoutId id="2147483682" r:id="rId10"/>
-    <p:sldLayoutId id="2147483683" r:id="rId11"/>
+    <p:sldLayoutId id="2147483649" r:id="rId1"/>
+    <p:sldLayoutId id="2147483650" r:id="rId2"/>
+    <p:sldLayoutId id="2147483651" r:id="rId3"/>
+    <p:sldLayoutId id="2147483652" r:id="rId4"/>
+    <p:sldLayoutId id="2147483653" r:id="rId5"/>
+    <p:sldLayoutId id="2147483654" r:id="rId6"/>
+    <p:sldLayoutId id="2147483655" r:id="rId7"/>
+    <p:sldLayoutId id="2147483656" r:id="rId8"/>
+    <p:sldLayoutId id="2147483657" r:id="rId9"/>
+    <p:sldLayoutId id="2147483658" r:id="rId10"/>
+    <p:sldLayoutId id="2147483659" r:id="rId11"/>
   </p:sldLayoutIdLst>
   <p:txStyles>
     <p:titleStyle>
-      <a:lvl1pPr algn="l" defTabSz="822960" rtl="0" eaLnBrk="1" latinLnBrk="0" hangingPunct="1">
+      <a:lvl1pPr algn="l" defTabSz="914400" rtl="0" eaLnBrk="1" latinLnBrk="0" hangingPunct="1">
         <a:lnSpc>
           <a:spcPct val="90000"/>
         </a:lnSpc>
@@ -2681,7 +2675,7 @@
           <a:spcPct val="0"/>
         </a:spcBef>
         <a:buNone/>
-        <a:defRPr sz="3960" kern="1200">
+        <a:defRPr sz="4400" kern="1200">
           <a:solidFill>
             <a:schemeClr val="tx1"/>
           </a:solidFill>
@@ -2692,16 +2686,16 @@
       </a:lvl1pPr>
     </p:titleStyle>
     <p:bodyStyle>
-      <a:lvl1pPr marL="205740" indent="-205740" algn="l" defTabSz="822960" rtl="0" eaLnBrk="1" latinLnBrk="0" hangingPunct="1">
+      <a:lvl1pPr marL="228600" indent="-228600" algn="l" defTabSz="914400" rtl="0" eaLnBrk="1" latinLnBrk="0" hangingPunct="1">
         <a:lnSpc>
           <a:spcPct val="90000"/>
         </a:lnSpc>
         <a:spcBef>
-          <a:spcPts val="900"/>
+          <a:spcPts val="1000"/>
         </a:spcBef>
         <a:buFont typeface="Arial" panose="020B0604020202020204" pitchFamily="34" charset="0"/>
         <a:buChar char="•"/>
-        <a:defRPr sz="2520" kern="1200">
+        <a:defRPr sz="2800" kern="1200">
           <a:solidFill>
             <a:schemeClr val="tx1"/>
           </a:solidFill>
@@ -2710,16 +2704,16 @@
           <a:cs typeface="+mn-cs"/>
         </a:defRPr>
       </a:lvl1pPr>
-      <a:lvl2pPr marL="617220" indent="-205740" algn="l" defTabSz="822960" rtl="0" eaLnBrk="1" latinLnBrk="0" hangingPunct="1">
+      <a:lvl2pPr marL="685800" indent="-228600" algn="l" defTabSz="914400" rtl="0" eaLnBrk="1" latinLnBrk="0" hangingPunct="1">
         <a:lnSpc>
           <a:spcPct val="90000"/>
         </a:lnSpc>
         <a:spcBef>
-          <a:spcPts val="450"/>
+          <a:spcPts val="500"/>
         </a:spcBef>
         <a:buFont typeface="Arial" panose="020B0604020202020204" pitchFamily="34" charset="0"/>
         <a:buChar char="•"/>
-        <a:defRPr sz="2160" kern="1200">
+        <a:defRPr sz="2400" kern="1200">
           <a:solidFill>
             <a:schemeClr val="tx1"/>
           </a:solidFill>
@@ -2728,12 +2722,30 @@
           <a:cs typeface="+mn-cs"/>
         </a:defRPr>
       </a:lvl2pPr>
-      <a:lvl3pPr marL="1028700" indent="-205740" algn="l" defTabSz="822960" rtl="0" eaLnBrk="1" latinLnBrk="0" hangingPunct="1">
+      <a:lvl3pPr marL="1143000" indent="-228600" algn="l" defTabSz="914400" rtl="0" eaLnBrk="1" latinLnBrk="0" hangingPunct="1">
         <a:lnSpc>
           <a:spcPct val="90000"/>
         </a:lnSpc>
         <a:spcBef>
-          <a:spcPts val="450"/>
+          <a:spcPts val="500"/>
+        </a:spcBef>
+        <a:buFont typeface="Arial" panose="020B0604020202020204" pitchFamily="34" charset="0"/>
+        <a:buChar char="•"/>
+        <a:defRPr sz="2000" kern="1200">
+          <a:solidFill>
+            <a:schemeClr val="tx1"/>
+          </a:solidFill>
+          <a:latin typeface="+mn-lt"/>
+          <a:ea typeface="+mn-ea"/>
+          <a:cs typeface="+mn-cs"/>
+        </a:defRPr>
+      </a:lvl3pPr>
+      <a:lvl4pPr marL="1600200" indent="-228600" algn="l" defTabSz="914400" rtl="0" eaLnBrk="1" latinLnBrk="0" hangingPunct="1">
+        <a:lnSpc>
+          <a:spcPct val="90000"/>
+        </a:lnSpc>
+        <a:spcBef>
+          <a:spcPts val="500"/>
         </a:spcBef>
         <a:buFont typeface="Arial" panose="020B0604020202020204" pitchFamily="34" charset="0"/>
         <a:buChar char="•"/>
@@ -2745,35 +2757,17 @@
           <a:ea typeface="+mn-ea"/>
           <a:cs typeface="+mn-cs"/>
         </a:defRPr>
-      </a:lvl3pPr>
-      <a:lvl4pPr marL="1440180" indent="-205740" algn="l" defTabSz="822960" rtl="0" eaLnBrk="1" latinLnBrk="0" hangingPunct="1">
+      </a:lvl4pPr>
+      <a:lvl5pPr marL="2057400" indent="-228600" algn="l" defTabSz="914400" rtl="0" eaLnBrk="1" latinLnBrk="0" hangingPunct="1">
         <a:lnSpc>
           <a:spcPct val="90000"/>
         </a:lnSpc>
         <a:spcBef>
-          <a:spcPts val="450"/>
+          <a:spcPts val="500"/>
         </a:spcBef>
         <a:buFont typeface="Arial" panose="020B0604020202020204" pitchFamily="34" charset="0"/>
         <a:buChar char="•"/>
-        <a:defRPr sz="1620" kern="1200">
-          <a:solidFill>
-            <a:schemeClr val="tx1"/>
-          </a:solidFill>
-          <a:latin typeface="+mn-lt"/>
-          <a:ea typeface="+mn-ea"/>
-          <a:cs typeface="+mn-cs"/>
-        </a:defRPr>
-      </a:lvl4pPr>
-      <a:lvl5pPr marL="1851660" indent="-205740" algn="l" defTabSz="822960" rtl="0" eaLnBrk="1" latinLnBrk="0" hangingPunct="1">
-        <a:lnSpc>
-          <a:spcPct val="90000"/>
-        </a:lnSpc>
-        <a:spcBef>
-          <a:spcPts val="450"/>
-        </a:spcBef>
-        <a:buFont typeface="Arial" panose="020B0604020202020204" pitchFamily="34" charset="0"/>
-        <a:buChar char="•"/>
-        <a:defRPr sz="1620" kern="1200">
+        <a:defRPr sz="1800" kern="1200">
           <a:solidFill>
             <a:schemeClr val="tx1"/>
           </a:solidFill>
@@ -2782,16 +2776,16 @@
           <a:cs typeface="+mn-cs"/>
         </a:defRPr>
       </a:lvl5pPr>
-      <a:lvl6pPr marL="2263140" indent="-205740" algn="l" defTabSz="822960" rtl="0" eaLnBrk="1" latinLnBrk="0" hangingPunct="1">
+      <a:lvl6pPr marL="2514600" indent="-228600" algn="l" defTabSz="914400" rtl="0" eaLnBrk="1" latinLnBrk="0" hangingPunct="1">
         <a:lnSpc>
           <a:spcPct val="90000"/>
         </a:lnSpc>
         <a:spcBef>
-          <a:spcPts val="450"/>
+          <a:spcPts val="500"/>
         </a:spcBef>
         <a:buFont typeface="Arial" panose="020B0604020202020204" pitchFamily="34" charset="0"/>
         <a:buChar char="•"/>
-        <a:defRPr sz="1620" kern="1200">
+        <a:defRPr sz="1800" kern="1200">
           <a:solidFill>
             <a:schemeClr val="tx1"/>
           </a:solidFill>
@@ -2800,16 +2794,16 @@
           <a:cs typeface="+mn-cs"/>
         </a:defRPr>
       </a:lvl6pPr>
-      <a:lvl7pPr marL="2674620" indent="-205740" algn="l" defTabSz="822960" rtl="0" eaLnBrk="1" latinLnBrk="0" hangingPunct="1">
+      <a:lvl7pPr marL="2971800" indent="-228600" algn="l" defTabSz="914400" rtl="0" eaLnBrk="1" latinLnBrk="0" hangingPunct="1">
         <a:lnSpc>
           <a:spcPct val="90000"/>
         </a:lnSpc>
         <a:spcBef>
-          <a:spcPts val="450"/>
+          <a:spcPts val="500"/>
         </a:spcBef>
         <a:buFont typeface="Arial" panose="020B0604020202020204" pitchFamily="34" charset="0"/>
         <a:buChar char="•"/>
-        <a:defRPr sz="1620" kern="1200">
+        <a:defRPr sz="1800" kern="1200">
           <a:solidFill>
             <a:schemeClr val="tx1"/>
           </a:solidFill>
@@ -2818,16 +2812,16 @@
           <a:cs typeface="+mn-cs"/>
         </a:defRPr>
       </a:lvl7pPr>
-      <a:lvl8pPr marL="3086100" indent="-205740" algn="l" defTabSz="822960" rtl="0" eaLnBrk="1" latinLnBrk="0" hangingPunct="1">
+      <a:lvl8pPr marL="3429000" indent="-228600" algn="l" defTabSz="914400" rtl="0" eaLnBrk="1" latinLnBrk="0" hangingPunct="1">
         <a:lnSpc>
           <a:spcPct val="90000"/>
         </a:lnSpc>
         <a:spcBef>
-          <a:spcPts val="450"/>
+          <a:spcPts val="500"/>
         </a:spcBef>
         <a:buFont typeface="Arial" panose="020B0604020202020204" pitchFamily="34" charset="0"/>
         <a:buChar char="•"/>
-        <a:defRPr sz="1620" kern="1200">
+        <a:defRPr sz="1800" kern="1200">
           <a:solidFill>
             <a:schemeClr val="tx1"/>
           </a:solidFill>
@@ -2836,16 +2830,16 @@
           <a:cs typeface="+mn-cs"/>
         </a:defRPr>
       </a:lvl8pPr>
-      <a:lvl9pPr marL="3497580" indent="-205740" algn="l" defTabSz="822960" rtl="0" eaLnBrk="1" latinLnBrk="0" hangingPunct="1">
+      <a:lvl9pPr marL="3886200" indent="-228600" algn="l" defTabSz="914400" rtl="0" eaLnBrk="1" latinLnBrk="0" hangingPunct="1">
         <a:lnSpc>
           <a:spcPct val="90000"/>
         </a:lnSpc>
         <a:spcBef>
-          <a:spcPts val="450"/>
+          <a:spcPts val="500"/>
         </a:spcBef>
         <a:buFont typeface="Arial" panose="020B0604020202020204" pitchFamily="34" charset="0"/>
         <a:buChar char="•"/>
-        <a:defRPr sz="1620" kern="1200">
+        <a:defRPr sz="1800" kern="1200">
           <a:solidFill>
             <a:schemeClr val="tx1"/>
           </a:solidFill>
@@ -2859,8 +2853,8 @@
       <a:defPPr>
         <a:defRPr lang="en-US"/>
       </a:defPPr>
-      <a:lvl1pPr marL="0" algn="l" defTabSz="822960" rtl="0" eaLnBrk="1" latinLnBrk="0" hangingPunct="1">
-        <a:defRPr sz="1620" kern="1200">
+      <a:lvl1pPr marL="0" algn="l" defTabSz="914400" rtl="0" eaLnBrk="1" latinLnBrk="0" hangingPunct="1">
+        <a:defRPr sz="1800" kern="1200">
           <a:solidFill>
             <a:schemeClr val="tx1"/>
           </a:solidFill>
@@ -2869,8 +2863,8 @@
           <a:cs typeface="+mn-cs"/>
         </a:defRPr>
       </a:lvl1pPr>
-      <a:lvl2pPr marL="411480" algn="l" defTabSz="822960" rtl="0" eaLnBrk="1" latinLnBrk="0" hangingPunct="1">
-        <a:defRPr sz="1620" kern="1200">
+      <a:lvl2pPr marL="457200" algn="l" defTabSz="914400" rtl="0" eaLnBrk="1" latinLnBrk="0" hangingPunct="1">
+        <a:defRPr sz="1800" kern="1200">
           <a:solidFill>
             <a:schemeClr val="tx1"/>
           </a:solidFill>
@@ -2879,8 +2873,8 @@
           <a:cs typeface="+mn-cs"/>
         </a:defRPr>
       </a:lvl2pPr>
-      <a:lvl3pPr marL="822960" algn="l" defTabSz="822960" rtl="0" eaLnBrk="1" latinLnBrk="0" hangingPunct="1">
-        <a:defRPr sz="1620" kern="1200">
+      <a:lvl3pPr marL="914400" algn="l" defTabSz="914400" rtl="0" eaLnBrk="1" latinLnBrk="0" hangingPunct="1">
+        <a:defRPr sz="1800" kern="1200">
           <a:solidFill>
             <a:schemeClr val="tx1"/>
           </a:solidFill>
@@ -2889,8 +2883,8 @@
           <a:cs typeface="+mn-cs"/>
         </a:defRPr>
       </a:lvl3pPr>
-      <a:lvl4pPr marL="1234440" algn="l" defTabSz="822960" rtl="0" eaLnBrk="1" latinLnBrk="0" hangingPunct="1">
-        <a:defRPr sz="1620" kern="1200">
+      <a:lvl4pPr marL="1371600" algn="l" defTabSz="914400" rtl="0" eaLnBrk="1" latinLnBrk="0" hangingPunct="1">
+        <a:defRPr sz="1800" kern="1200">
           <a:solidFill>
             <a:schemeClr val="tx1"/>
           </a:solidFill>
@@ -2899,8 +2893,8 @@
           <a:cs typeface="+mn-cs"/>
         </a:defRPr>
       </a:lvl4pPr>
-      <a:lvl5pPr marL="1645920" algn="l" defTabSz="822960" rtl="0" eaLnBrk="1" latinLnBrk="0" hangingPunct="1">
-        <a:defRPr sz="1620" kern="1200">
+      <a:lvl5pPr marL="1828800" algn="l" defTabSz="914400" rtl="0" eaLnBrk="1" latinLnBrk="0" hangingPunct="1">
+        <a:defRPr sz="1800" kern="1200">
           <a:solidFill>
             <a:schemeClr val="tx1"/>
           </a:solidFill>
@@ -2909,8 +2903,8 @@
           <a:cs typeface="+mn-cs"/>
         </a:defRPr>
       </a:lvl5pPr>
-      <a:lvl6pPr marL="2057400" algn="l" defTabSz="822960" rtl="0" eaLnBrk="1" latinLnBrk="0" hangingPunct="1">
-        <a:defRPr sz="1620" kern="1200">
+      <a:lvl6pPr marL="2286000" algn="l" defTabSz="914400" rtl="0" eaLnBrk="1" latinLnBrk="0" hangingPunct="1">
+        <a:defRPr sz="1800" kern="1200">
           <a:solidFill>
             <a:schemeClr val="tx1"/>
           </a:solidFill>
@@ -2919,8 +2913,8 @@
           <a:cs typeface="+mn-cs"/>
         </a:defRPr>
       </a:lvl6pPr>
-      <a:lvl7pPr marL="2468880" algn="l" defTabSz="822960" rtl="0" eaLnBrk="1" latinLnBrk="0" hangingPunct="1">
-        <a:defRPr sz="1620" kern="1200">
+      <a:lvl7pPr marL="2743200" algn="l" defTabSz="914400" rtl="0" eaLnBrk="1" latinLnBrk="0" hangingPunct="1">
+        <a:defRPr sz="1800" kern="1200">
           <a:solidFill>
             <a:schemeClr val="tx1"/>
           </a:solidFill>
@@ -2929,8 +2923,8 @@
           <a:cs typeface="+mn-cs"/>
         </a:defRPr>
       </a:lvl7pPr>
-      <a:lvl8pPr marL="2880360" algn="l" defTabSz="822960" rtl="0" eaLnBrk="1" latinLnBrk="0" hangingPunct="1">
-        <a:defRPr sz="1620" kern="1200">
+      <a:lvl8pPr marL="3200400" algn="l" defTabSz="914400" rtl="0" eaLnBrk="1" latinLnBrk="0" hangingPunct="1">
+        <a:defRPr sz="1800" kern="1200">
           <a:solidFill>
             <a:schemeClr val="tx1"/>
           </a:solidFill>
@@ -2939,8 +2933,8 @@
           <a:cs typeface="+mn-cs"/>
         </a:defRPr>
       </a:lvl8pPr>
-      <a:lvl9pPr marL="3291840" algn="l" defTabSz="822960" rtl="0" eaLnBrk="1" latinLnBrk="0" hangingPunct="1">
-        <a:defRPr sz="1620" kern="1200">
+      <a:lvl9pPr marL="3657600" algn="l" defTabSz="914400" rtl="0" eaLnBrk="1" latinLnBrk="0" hangingPunct="1">
+        <a:defRPr sz="1800" kern="1200">
           <a:solidFill>
             <a:schemeClr val="tx1"/>
           </a:solidFill>
@@ -2971,2002 +2965,112 @@
           <a:chExt cx="0" cy="0"/>
         </a:xfrm>
       </p:grpSpPr>
-      <p:sp>
-        <p:nvSpPr>
-          <p:cNvPr id="4" name="Rectangle: Rounded Corners 3">
-            <a:extLst>
-              <a:ext uri="{FF2B5EF4-FFF2-40B4-BE49-F238E27FC236}">
-                <a16:creationId xmlns:a16="http://schemas.microsoft.com/office/drawing/2014/main" id="{3EDB9CB7-E14C-483A-9335-BD5AFA6A0D6D}"/>
-              </a:ext>
-            </a:extLst>
-          </p:cNvPr>
-          <p:cNvSpPr/>
+      <p:pic>
+        <p:nvPicPr>
+          <p:cNvPr id="4" name="Picture 3"/>
+          <p:cNvPicPr>
+            <a:picLocks noChangeAspect="1"/>
+          </p:cNvPicPr>
           <p:nvPr/>
-        </p:nvSpPr>
+        </p:nvPicPr>
+        <p:blipFill>
+          <a:blip r:embed="rId2"/>
+          <a:stretch>
+            <a:fillRect/>
+          </a:stretch>
+        </p:blipFill>
         <p:spPr>
           <a:xfrm>
-            <a:off x="1512706" y="217283"/>
-            <a:ext cx="1006740" cy="409720"/>
-          </a:xfrm>
-          <a:prstGeom prst="roundRect">
-            <a:avLst/>
-          </a:prstGeom>
-          <a:ln w="19050">
-            <a:solidFill>
-              <a:schemeClr val="tx1"/>
-            </a:solidFill>
-          </a:ln>
-        </p:spPr>
-        <p:style>
-          <a:lnRef idx="2">
-            <a:schemeClr val="dk1"/>
-          </a:lnRef>
-          <a:fillRef idx="1">
-            <a:schemeClr val="lt1"/>
-          </a:fillRef>
-          <a:effectRef idx="0">
-            <a:schemeClr val="dk1"/>
-          </a:effectRef>
-          <a:fontRef idx="minor">
-            <a:schemeClr val="dk1"/>
-          </a:fontRef>
-        </p:style>
-        <p:txBody>
-          <a:bodyPr rot="0" spcFirstLastPara="0" vertOverflow="overflow" horzOverflow="overflow" vert="horz" wrap="square" lIns="195072" tIns="97536" rIns="195072" bIns="97536" numCol="1" spcCol="0" rtlCol="0" fromWordArt="0" anchor="ctr" anchorCtr="0" forceAA="0" compatLnSpc="1">
-            <a:prstTxWarp prst="textNoShape">
-              <a:avLst/>
-            </a:prstTxWarp>
-            <a:noAutofit/>
-          </a:bodyPr>
-          <a:lstStyle/>
-          <a:p>
-            <a:pPr algn="ctr"/>
-            <a:r>
-              <a:rPr lang="en-US" sz="1200" dirty="0"/>
-              <a:t>Start</a:t>
-            </a:r>
-          </a:p>
-        </p:txBody>
-      </p:sp>
-      <p:sp>
-        <p:nvSpPr>
-          <p:cNvPr id="5" name="Rectangle 4">
-            <a:extLst>
-              <a:ext uri="{FF2B5EF4-FFF2-40B4-BE49-F238E27FC236}">
-                <a16:creationId xmlns:a16="http://schemas.microsoft.com/office/drawing/2014/main" id="{5F0C0DC3-D544-41D0-86C9-AC48B046C5A0}"/>
-              </a:ext>
-            </a:extLst>
-          </p:cNvPr>
-          <p:cNvSpPr/>
-          <p:nvPr/>
-        </p:nvSpPr>
-        <p:spPr>
-          <a:xfrm>
-            <a:off x="1077385" y="1064876"/>
-            <a:ext cx="1877380" cy="833834"/>
+            <a:off x="2110593" y="1015653"/>
+            <a:ext cx="8370748" cy="5324538"/>
           </a:xfrm>
           <a:prstGeom prst="rect">
             <a:avLst/>
           </a:prstGeom>
-          <a:ln w="19050"/>
         </p:spPr>
-        <p:style>
-          <a:lnRef idx="2">
-            <a:schemeClr val="dk1"/>
-          </a:lnRef>
-          <a:fillRef idx="1">
-            <a:schemeClr val="lt1"/>
-          </a:fillRef>
-          <a:effectRef idx="0">
-            <a:schemeClr val="dk1"/>
-          </a:effectRef>
-          <a:fontRef idx="minor">
-            <a:schemeClr val="dk1"/>
-          </a:fontRef>
-        </p:style>
-        <p:txBody>
-          <a:bodyPr rot="0" spcFirstLastPara="0" vertOverflow="overflow" horzOverflow="overflow" vert="horz" wrap="square" lIns="109728" tIns="54864" rIns="109728" bIns="54864" numCol="1" spcCol="0" rtlCol="0" fromWordArt="0" anchor="ctr" anchorCtr="0" forceAA="0" compatLnSpc="1">
-            <a:prstTxWarp prst="textNoShape">
-              <a:avLst/>
-            </a:prstTxWarp>
-            <a:noAutofit/>
-          </a:bodyPr>
-          <a:lstStyle/>
-          <a:p>
-            <a:pPr algn="ctr"/>
-            <a:r>
-              <a:rPr lang="en-US" sz="1200" dirty="0"/>
-              <a:t>Initializing starting point and sampling radius </a:t>
-            </a:r>
-            <a:r>
-              <a:rPr lang="en-US" sz="1200" i="1" dirty="0"/>
-              <a:t>r </a:t>
-            </a:r>
-            <a:r>
-              <a:rPr lang="en-US" sz="1200" dirty="0"/>
-              <a:t>and number of samples </a:t>
-            </a:r>
-            <a:r>
-              <a:rPr lang="en-US" sz="1200" i="1" dirty="0"/>
-              <a:t>n</a:t>
-            </a:r>
-            <a:r>
-              <a:rPr lang="en-US" sz="1200" dirty="0"/>
-              <a:t> </a:t>
-            </a:r>
-          </a:p>
-        </p:txBody>
-      </p:sp>
-      <mc:AlternateContent xmlns:mc="http://schemas.openxmlformats.org/markup-compatibility/2006" xmlns:a14="http://schemas.microsoft.com/office/drawing/2010/main">
-        <mc:Choice Requires="a14">
-          <p:sp>
-            <p:nvSpPr>
-              <p:cNvPr id="6" name="Diamond 5">
-                <a:extLst>
-                  <a:ext uri="{FF2B5EF4-FFF2-40B4-BE49-F238E27FC236}">
-                    <a16:creationId xmlns:a16="http://schemas.microsoft.com/office/drawing/2014/main" id="{9D74C7E1-2651-4B8F-A3F4-2B1E67A59BAF}"/>
-                  </a:ext>
-                </a:extLst>
-              </p:cNvPr>
-              <p:cNvSpPr/>
-              <p:nvPr/>
-            </p:nvSpPr>
-            <p:spPr>
-              <a:xfrm>
-                <a:off x="1130250" y="3434013"/>
-                <a:ext cx="1771650" cy="964756"/>
-              </a:xfrm>
-              <a:prstGeom prst="diamond">
-                <a:avLst/>
-              </a:prstGeom>
-              <a:ln w="19050"/>
-            </p:spPr>
-            <p:style>
-              <a:lnRef idx="2">
-                <a:schemeClr val="dk1"/>
-              </a:lnRef>
-              <a:fillRef idx="1">
-                <a:schemeClr val="lt1"/>
-              </a:fillRef>
-              <a:effectRef idx="0">
-                <a:schemeClr val="dk1"/>
-              </a:effectRef>
-              <a:fontRef idx="minor">
-                <a:schemeClr val="dk1"/>
-              </a:fontRef>
-            </p:style>
-            <p:txBody>
-              <a:bodyPr rot="0" spcFirstLastPara="0" vertOverflow="overflow" horzOverflow="overflow" vert="horz" wrap="square" lIns="109728" tIns="54864" rIns="109728" bIns="54864" numCol="1" spcCol="0" rtlCol="0" fromWordArt="0" anchor="ctr" anchorCtr="0" forceAA="0" compatLnSpc="1">
-                <a:prstTxWarp prst="textNoShape">
-                  <a:avLst/>
-                </a:prstTxWarp>
-                <a:noAutofit/>
-              </a:bodyPr>
-              <a:lstStyle/>
-              <a:p>
-                <a:pPr algn="ctr"/>
-                <a:r>
-                  <a:rPr lang="en-US" sz="1200" dirty="0"/>
-                  <a:t>If </a:t>
-                </a:r>
-                <a:r>
-                  <a:rPr lang="en-US" altLang="zh-CN" sz="1200" dirty="0"/>
-                  <a:t>index </a:t>
-                </a:r>
-                <a14:m>
-                  <m:oMath xmlns:m="http://schemas.openxmlformats.org/officeDocument/2006/math">
-                    <m:r>
-                      <a:rPr lang="en-US" altLang="zh-CN" sz="1200" i="1">
-                        <a:latin typeface="Cambria Math" panose="02040503050406030204" pitchFamily="18" charset="0"/>
-                      </a:rPr>
-                      <m:t>𝑖</m:t>
-                    </m:r>
-                    <m:r>
-                      <a:rPr lang="en-US" altLang="zh-CN" sz="1200" i="1">
-                        <a:latin typeface="Cambria Math" panose="02040503050406030204" pitchFamily="18" charset="0"/>
-                        <a:ea typeface="Cambria Math" panose="02040503050406030204" pitchFamily="18" charset="0"/>
-                      </a:rPr>
-                      <m:t>≤</m:t>
-                    </m:r>
-                    <m:r>
-                      <a:rPr lang="en-US" altLang="zh-CN" sz="1200" i="1">
-                        <a:latin typeface="Cambria Math" panose="02040503050406030204" pitchFamily="18" charset="0"/>
-                        <a:ea typeface="Cambria Math" panose="02040503050406030204" pitchFamily="18" charset="0"/>
-                      </a:rPr>
-                      <m:t>𝑛</m:t>
-                    </m:r>
-                  </m:oMath>
-                </a14:m>
-                <a:endParaRPr lang="en-US" sz="1200" dirty="0"/>
-              </a:p>
-            </p:txBody>
-          </p:sp>
-        </mc:Choice>
-        <mc:Fallback xmlns="">
-          <p:sp>
-            <p:nvSpPr>
-              <p:cNvPr id="6" name="Diamond 5">
-                <a:extLst>
-                  <a:ext uri="{FF2B5EF4-FFF2-40B4-BE49-F238E27FC236}">
-                    <a16:creationId xmlns:a16="http://schemas.microsoft.com/office/drawing/2014/main" id="{9D74C7E1-2651-4B8F-A3F4-2B1E67A59BAF}"/>
-                  </a:ext>
-                </a:extLst>
-              </p:cNvPr>
-              <p:cNvSpPr>
-                <a:spLocks noRot="1" noChangeAspect="1" noMove="1" noResize="1" noEditPoints="1" noAdjustHandles="1" noChangeArrowheads="1" noChangeShapeType="1" noTextEdit="1"/>
-              </p:cNvSpPr>
-              <p:nvPr/>
-            </p:nvSpPr>
-            <p:spPr>
-              <a:xfrm>
-                <a:off x="1130250" y="3434013"/>
-                <a:ext cx="1771650" cy="964756"/>
-              </a:xfrm>
-              <a:prstGeom prst="diamond">
-                <a:avLst/>
-              </a:prstGeom>
-              <a:blipFill>
-                <a:blip r:embed="rId2"/>
-                <a:stretch>
-                  <a:fillRect/>
-                </a:stretch>
-              </a:blipFill>
-              <a:ln w="19050"/>
-            </p:spPr>
-            <p:txBody>
-              <a:bodyPr/>
-              <a:lstStyle/>
-              <a:p>
-                <a:r>
-                  <a:rPr lang="en-US">
-                    <a:noFill/>
-                  </a:rPr>
-                  <a:t> </a:t>
-                </a:r>
-              </a:p>
-            </p:txBody>
-          </p:sp>
-        </mc:Fallback>
-      </mc:AlternateContent>
-      <p:sp>
-        <p:nvSpPr>
-          <p:cNvPr id="7" name="Rectangle 6">
-            <a:extLst>
-              <a:ext uri="{FF2B5EF4-FFF2-40B4-BE49-F238E27FC236}">
-                <a16:creationId xmlns:a16="http://schemas.microsoft.com/office/drawing/2014/main" id="{98C2F230-7794-46FC-AB8B-5C065E9BEF29}"/>
-              </a:ext>
-            </a:extLst>
-          </p:cNvPr>
-          <p:cNvSpPr/>
+      </p:pic>
+    </p:spTree>
+    <p:extLst>
+      <p:ext uri="{BB962C8B-B14F-4D97-AF65-F5344CB8AC3E}">
+        <p14:creationId xmlns:p14="http://schemas.microsoft.com/office/powerpoint/2010/main" val="326678842"/>
+      </p:ext>
+    </p:extLst>
+  </p:cSld>
+  <p:clrMapOvr>
+    <a:masterClrMapping/>
+  </p:clrMapOvr>
+</p:sld>
+</file>
+
+<file path=ppt/slides/slide2.xml><?xml version="1.0" encoding="utf-8"?>
+<p:sld xmlns:a="http://schemas.openxmlformats.org/drawingml/2006/main" xmlns:r="http://schemas.openxmlformats.org/officeDocument/2006/relationships" xmlns:p="http://schemas.openxmlformats.org/presentationml/2006/main">
+  <p:cSld>
+    <p:spTree>
+      <p:nvGrpSpPr>
+        <p:cNvPr id="1" name=""/>
+        <p:cNvGrpSpPr/>
+        <p:nvPr/>
+      </p:nvGrpSpPr>
+      <p:grpSpPr>
+        <a:xfrm>
+          <a:off x="0" y="0"/>
+          <a:ext cx="0" cy="0"/>
+          <a:chOff x="0" y="0"/>
+          <a:chExt cx="0" cy="0"/>
+        </a:xfrm>
+      </p:grpSpPr>
+      <p:pic>
+        <p:nvPicPr>
+          <p:cNvPr id="4" name="Picture 3"/>
+          <p:cNvPicPr>
+            <a:picLocks noChangeAspect="1"/>
+          </p:cNvPicPr>
           <p:nvPr/>
-        </p:nvSpPr>
+        </p:nvPicPr>
+        <p:blipFill>
+          <a:blip r:embed="rId2"/>
+          <a:stretch>
+            <a:fillRect/>
+          </a:stretch>
+        </p:blipFill>
         <p:spPr>
           <a:xfrm>
-            <a:off x="1077385" y="2288127"/>
-            <a:ext cx="1877380" cy="530641"/>
+            <a:off x="5615144" y="1763083"/>
+            <a:ext cx="4435653" cy="2743438"/>
           </a:xfrm>
           <a:prstGeom prst="rect">
             <a:avLst/>
           </a:prstGeom>
-          <a:ln w="19050"/>
         </p:spPr>
-        <p:style>
-          <a:lnRef idx="2">
-            <a:schemeClr val="dk1"/>
-          </a:lnRef>
-          <a:fillRef idx="1">
-            <a:schemeClr val="lt1"/>
-          </a:fillRef>
-          <a:effectRef idx="0">
-            <a:schemeClr val="dk1"/>
-          </a:effectRef>
-          <a:fontRef idx="minor">
-            <a:schemeClr val="dk1"/>
-          </a:fontRef>
-        </p:style>
-        <p:txBody>
-          <a:bodyPr rot="0" spcFirstLastPara="0" vertOverflow="overflow" horzOverflow="overflow" vert="horz" wrap="square" lIns="109728" tIns="54864" rIns="109728" bIns="54864" numCol="1" spcCol="0" rtlCol="0" fromWordArt="0" anchor="ctr" anchorCtr="0" forceAA="0" compatLnSpc="1">
-            <a:prstTxWarp prst="textNoShape">
-              <a:avLst/>
-            </a:prstTxWarp>
-            <a:noAutofit/>
-          </a:bodyPr>
-          <a:lstStyle/>
-          <a:p>
-            <a:pPr algn="ctr"/>
-            <a:r>
-              <a:rPr lang="en-US" altLang="zh-CN" sz="1200" dirty="0"/>
-              <a:t>Shuffle</a:t>
-            </a:r>
-            <a:endParaRPr lang="en-US" sz="1200" i="1" dirty="0"/>
-          </a:p>
-        </p:txBody>
-      </p:sp>
-      <mc:AlternateContent xmlns:mc="http://schemas.openxmlformats.org/markup-compatibility/2006" xmlns:a14="http://schemas.microsoft.com/office/drawing/2010/main">
-        <mc:Choice Requires="a14">
-          <p:sp>
-            <p:nvSpPr>
-              <p:cNvPr id="8" name="Rectangle 7">
-                <a:extLst>
-                  <a:ext uri="{FF2B5EF4-FFF2-40B4-BE49-F238E27FC236}">
-                    <a16:creationId xmlns:a16="http://schemas.microsoft.com/office/drawing/2014/main" id="{3EDC52CF-18B6-4266-90A2-A54E1AC1E413}"/>
-                  </a:ext>
-                </a:extLst>
-              </p:cNvPr>
-              <p:cNvSpPr/>
-              <p:nvPr/>
-            </p:nvSpPr>
-            <p:spPr>
-              <a:xfrm>
-                <a:off x="1082560" y="4841750"/>
-                <a:ext cx="1877380" cy="807504"/>
-              </a:xfrm>
-              <a:prstGeom prst="rect">
-                <a:avLst/>
-              </a:prstGeom>
-              <a:ln w="19050"/>
-            </p:spPr>
-            <p:style>
-              <a:lnRef idx="2">
-                <a:schemeClr val="dk1"/>
-              </a:lnRef>
-              <a:fillRef idx="1">
-                <a:schemeClr val="lt1"/>
-              </a:fillRef>
-              <a:effectRef idx="0">
-                <a:schemeClr val="dk1"/>
-              </a:effectRef>
-              <a:fontRef idx="minor">
-                <a:schemeClr val="dk1"/>
-              </a:fontRef>
-            </p:style>
-            <p:txBody>
-              <a:bodyPr rot="0" spcFirstLastPara="0" vertOverflow="overflow" horzOverflow="overflow" vert="horz" wrap="square" lIns="109728" tIns="54864" rIns="109728" bIns="54864" numCol="1" spcCol="0" rtlCol="0" fromWordArt="0" anchor="ctr" anchorCtr="0" forceAA="0" compatLnSpc="1">
-                <a:prstTxWarp prst="textNoShape">
-                  <a:avLst/>
-                </a:prstTxWarp>
-                <a:noAutofit/>
-              </a:bodyPr>
-              <a:lstStyle/>
-              <a:p>
-                <a:pPr algn="ctr"/>
-                <a:r>
-                  <a:rPr lang="en-US" sz="1200" dirty="0"/>
-                  <a:t>Sampling </a:t>
-                </a:r>
-                <a:r>
-                  <a:rPr lang="en-US" sz="1200" i="1" dirty="0"/>
-                  <a:t>n</a:t>
-                </a:r>
-                <a:r>
-                  <a:rPr lang="en-US" sz="1200" dirty="0"/>
-                  <a:t> points along single direction within</a:t>
-                </a:r>
-              </a:p>
-              <a:p>
-                <a:pPr algn="ctr"/>
-                <a:r>
-                  <a:rPr lang="en-US" sz="1200" dirty="0"/>
-                  <a:t> </a:t>
-                </a:r>
-                <a14:m>
-                  <m:oMath xmlns:m="http://schemas.openxmlformats.org/officeDocument/2006/math">
-                    <m:r>
-                      <a:rPr lang="en-US" sz="1200">
-                        <a:latin typeface="Cambria Math" panose="02040503050406030204" pitchFamily="18" charset="0"/>
-                      </a:rPr>
-                      <m:t>[</m:t>
-                    </m:r>
-                    <m:sSub>
-                      <m:sSubPr>
-                        <m:ctrlPr>
-                          <a:rPr lang="en-US" sz="1200" i="1">
-                            <a:latin typeface="Cambria Math" panose="02040503050406030204" pitchFamily="18" charset="0"/>
-                          </a:rPr>
-                        </m:ctrlPr>
-                      </m:sSubPr>
-                      <m:e>
-                        <m:r>
-                          <a:rPr lang="en-US" sz="1200" i="1">
-                            <a:latin typeface="Cambria Math" panose="02040503050406030204" pitchFamily="18" charset="0"/>
-                          </a:rPr>
-                          <m:t>𝑥</m:t>
-                        </m:r>
-                      </m:e>
-                      <m:sub>
-                        <m:r>
-                          <a:rPr lang="en-US" sz="1200" i="1">
-                            <a:latin typeface="Cambria Math" panose="02040503050406030204" pitchFamily="18" charset="0"/>
-                          </a:rPr>
-                          <m:t>𝑖</m:t>
-                        </m:r>
-                      </m:sub>
-                    </m:sSub>
-                    <m:r>
-                      <a:rPr lang="en-US" sz="1200" i="1">
-                        <a:latin typeface="Cambria Math" panose="02040503050406030204" pitchFamily="18" charset="0"/>
-                      </a:rPr>
-                      <m:t>−</m:t>
-                    </m:r>
-                    <m:r>
-                      <a:rPr lang="en-US" sz="1200" i="1">
-                        <a:latin typeface="Cambria Math" panose="02040503050406030204" pitchFamily="18" charset="0"/>
-                      </a:rPr>
-                      <m:t>𝑟</m:t>
-                    </m:r>
-                    <m:r>
-                      <a:rPr lang="en-US" sz="1200" i="1">
-                        <a:latin typeface="Cambria Math" panose="02040503050406030204" pitchFamily="18" charset="0"/>
-                      </a:rPr>
-                      <m:t>,</m:t>
-                    </m:r>
-                    <m:sSub>
-                      <m:sSubPr>
-                        <m:ctrlPr>
-                          <a:rPr lang="en-US" sz="1200" i="1">
-                            <a:latin typeface="Cambria Math" panose="02040503050406030204" pitchFamily="18" charset="0"/>
-                          </a:rPr>
-                        </m:ctrlPr>
-                      </m:sSubPr>
-                      <m:e>
-                        <m:r>
-                          <a:rPr lang="en-US" sz="1200" i="1">
-                            <a:latin typeface="Cambria Math" panose="02040503050406030204" pitchFamily="18" charset="0"/>
-                          </a:rPr>
-                          <m:t>𝑥</m:t>
-                        </m:r>
-                      </m:e>
-                      <m:sub>
-                        <m:r>
-                          <a:rPr lang="en-US" sz="1200" i="1">
-                            <a:latin typeface="Cambria Math" panose="02040503050406030204" pitchFamily="18" charset="0"/>
-                          </a:rPr>
-                          <m:t>𝑖</m:t>
-                        </m:r>
-                      </m:sub>
-                    </m:sSub>
-                    <m:r>
-                      <a:rPr lang="en-US" sz="1200" i="1">
-                        <a:latin typeface="Cambria Math" panose="02040503050406030204" pitchFamily="18" charset="0"/>
-                      </a:rPr>
-                      <m:t>+</m:t>
-                    </m:r>
-                    <m:r>
-                      <a:rPr lang="en-US" sz="1200" i="1">
-                        <a:latin typeface="Cambria Math" panose="02040503050406030204" pitchFamily="18" charset="0"/>
-                      </a:rPr>
-                      <m:t>𝑟</m:t>
-                    </m:r>
-                    <m:r>
-                      <a:rPr lang="en-US" sz="1200" i="1">
-                        <a:latin typeface="Cambria Math" panose="02040503050406030204" pitchFamily="18" charset="0"/>
-                      </a:rPr>
-                      <m:t>]</m:t>
-                    </m:r>
-                  </m:oMath>
-                </a14:m>
-                <a:endParaRPr lang="en-US" sz="1200" i="1" dirty="0"/>
-              </a:p>
-            </p:txBody>
-          </p:sp>
-        </mc:Choice>
-        <mc:Fallback xmlns="">
-          <p:sp>
-            <p:nvSpPr>
-              <p:cNvPr id="8" name="Rectangle 7">
-                <a:extLst>
-                  <a:ext uri="{FF2B5EF4-FFF2-40B4-BE49-F238E27FC236}">
-                    <a16:creationId xmlns:a16="http://schemas.microsoft.com/office/drawing/2014/main" id="{3EDC52CF-18B6-4266-90A2-A54E1AC1E413}"/>
-                  </a:ext>
-                </a:extLst>
-              </p:cNvPr>
-              <p:cNvSpPr>
-                <a:spLocks noRot="1" noChangeAspect="1" noMove="1" noResize="1" noEditPoints="1" noAdjustHandles="1" noChangeArrowheads="1" noChangeShapeType="1" noTextEdit="1"/>
-              </p:cNvSpPr>
-              <p:nvPr/>
-            </p:nvSpPr>
-            <p:spPr>
-              <a:xfrm>
-                <a:off x="1082560" y="4841750"/>
-                <a:ext cx="1877380" cy="807504"/>
-              </a:xfrm>
-              <a:prstGeom prst="rect">
-                <a:avLst/>
-              </a:prstGeom>
-              <a:blipFill>
-                <a:blip r:embed="rId3"/>
-                <a:stretch>
-                  <a:fillRect/>
-                </a:stretch>
-              </a:blipFill>
-              <a:ln w="19050"/>
-            </p:spPr>
-            <p:txBody>
-              <a:bodyPr/>
-              <a:lstStyle/>
-              <a:p>
-                <a:r>
-                  <a:rPr lang="en-US">
-                    <a:noFill/>
-                  </a:rPr>
-                  <a:t> </a:t>
-                </a:r>
-              </a:p>
-            </p:txBody>
-          </p:sp>
-        </mc:Fallback>
-      </mc:AlternateContent>
-      <p:sp>
-        <p:nvSpPr>
-          <p:cNvPr id="10" name="Rectangle 9">
-            <a:extLst>
-              <a:ext uri="{FF2B5EF4-FFF2-40B4-BE49-F238E27FC236}">
-                <a16:creationId xmlns:a16="http://schemas.microsoft.com/office/drawing/2014/main" id="{D8F2BFC3-EA15-4724-9B15-E70C31D446B3}"/>
-              </a:ext>
-            </a:extLst>
-          </p:cNvPr>
-          <p:cNvSpPr/>
+      </p:pic>
+      <p:pic>
+        <p:nvPicPr>
+          <p:cNvPr id="5" name="Picture 4"/>
+          <p:cNvPicPr>
+            <a:picLocks noChangeAspect="1"/>
+          </p:cNvPicPr>
           <p:nvPr/>
-        </p:nvSpPr>
+        </p:nvPicPr>
+        <p:blipFill>
+          <a:blip r:embed="rId3"/>
+          <a:stretch>
+            <a:fillRect/>
+          </a:stretch>
+        </p:blipFill>
         <p:spPr>
           <a:xfrm>
-            <a:off x="1082560" y="6089550"/>
-            <a:ext cx="1877380" cy="595057"/>
+            <a:off x="1042749" y="1763083"/>
+            <a:ext cx="4572396" cy="2743438"/>
           </a:xfrm>
           <a:prstGeom prst="rect">
             <a:avLst/>
           </a:prstGeom>
-          <a:ln w="19050"/>
         </p:spPr>
-        <p:style>
-          <a:lnRef idx="2">
-            <a:schemeClr val="dk1"/>
-          </a:lnRef>
-          <a:fillRef idx="1">
-            <a:schemeClr val="lt1"/>
-          </a:fillRef>
-          <a:effectRef idx="0">
-            <a:schemeClr val="dk1"/>
-          </a:effectRef>
-          <a:fontRef idx="minor">
-            <a:schemeClr val="dk1"/>
-          </a:fontRef>
-        </p:style>
-        <p:txBody>
-          <a:bodyPr rot="0" spcFirstLastPara="0" vertOverflow="overflow" horzOverflow="overflow" vert="horz" wrap="square" lIns="109728" tIns="54864" rIns="109728" bIns="54864" numCol="1" spcCol="0" rtlCol="0" fromWordArt="0" anchor="ctr" anchorCtr="0" forceAA="0" compatLnSpc="1">
-            <a:prstTxWarp prst="textNoShape">
-              <a:avLst/>
-            </a:prstTxWarp>
-            <a:noAutofit/>
-          </a:bodyPr>
-          <a:lstStyle/>
-          <a:p>
-            <a:pPr algn="ctr"/>
-            <a:r>
-              <a:rPr lang="en-US" altLang="zh-CN" sz="1200" dirty="0"/>
-              <a:t>Call Alamopy</a:t>
-            </a:r>
-            <a:endParaRPr lang="en-US" altLang="zh-CN" sz="1200" i="1" dirty="0"/>
-          </a:p>
-          <a:p>
-            <a:pPr algn="ctr"/>
-            <a:r>
-              <a:rPr lang="en-US" altLang="zh-CN" sz="1200" dirty="0"/>
-              <a:t>Build surrogate model</a:t>
-            </a:r>
-          </a:p>
-        </p:txBody>
-      </p:sp>
-      <p:sp>
-        <p:nvSpPr>
-          <p:cNvPr id="11" name="Rectangle 10">
-            <a:extLst>
-              <a:ext uri="{FF2B5EF4-FFF2-40B4-BE49-F238E27FC236}">
-                <a16:creationId xmlns:a16="http://schemas.microsoft.com/office/drawing/2014/main" id="{7FC187C9-AA20-4829-98FA-EF9E3EB9F178}"/>
-              </a:ext>
-            </a:extLst>
-          </p:cNvPr>
-          <p:cNvSpPr/>
-          <p:nvPr/>
-        </p:nvSpPr>
-        <p:spPr>
-          <a:xfrm>
-            <a:off x="1078713" y="7246618"/>
-            <a:ext cx="1877380" cy="595057"/>
-          </a:xfrm>
-          <a:prstGeom prst="rect">
-            <a:avLst/>
-          </a:prstGeom>
-          <a:ln w="19050"/>
-        </p:spPr>
-        <p:style>
-          <a:lnRef idx="2">
-            <a:schemeClr val="dk1"/>
-          </a:lnRef>
-          <a:fillRef idx="1">
-            <a:schemeClr val="lt1"/>
-          </a:fillRef>
-          <a:effectRef idx="0">
-            <a:schemeClr val="dk1"/>
-          </a:effectRef>
-          <a:fontRef idx="minor">
-            <a:schemeClr val="dk1"/>
-          </a:fontRef>
-        </p:style>
-        <p:txBody>
-          <a:bodyPr rot="0" spcFirstLastPara="0" vertOverflow="overflow" horzOverflow="overflow" vert="horz" wrap="square" lIns="109728" tIns="54864" rIns="109728" bIns="54864" numCol="1" spcCol="0" rtlCol="0" fromWordArt="0" anchor="ctr" anchorCtr="0" forceAA="0" compatLnSpc="1">
-            <a:prstTxWarp prst="textNoShape">
-              <a:avLst/>
-            </a:prstTxWarp>
-            <a:noAutofit/>
-          </a:bodyPr>
-          <a:lstStyle/>
-          <a:p>
-            <a:pPr algn="ctr"/>
-            <a:r>
-              <a:rPr lang="en-US" altLang="zh-CN" sz="1200" dirty="0"/>
-              <a:t>Call Baron</a:t>
-            </a:r>
-            <a:endParaRPr lang="en-US" altLang="zh-CN" sz="1200" i="1" dirty="0"/>
-          </a:p>
-          <a:p>
-            <a:pPr algn="ctr"/>
-            <a:r>
-              <a:rPr lang="en-US" altLang="zh-CN" sz="1200" dirty="0"/>
-              <a:t>Get optimal point</a:t>
-            </a:r>
-          </a:p>
-        </p:txBody>
-      </p:sp>
-      <mc:AlternateContent xmlns:mc="http://schemas.openxmlformats.org/markup-compatibility/2006" xmlns:a14="http://schemas.microsoft.com/office/drawing/2010/main">
-        <mc:Choice Requires="a14">
-          <p:sp>
-            <p:nvSpPr>
-              <p:cNvPr id="13" name="Diamond 12">
-                <a:extLst>
-                  <a:ext uri="{FF2B5EF4-FFF2-40B4-BE49-F238E27FC236}">
-                    <a16:creationId xmlns:a16="http://schemas.microsoft.com/office/drawing/2014/main" id="{BD7A9B7C-E08C-4B91-9D56-B63772A4F323}"/>
-                  </a:ext>
-                </a:extLst>
-              </p:cNvPr>
-              <p:cNvSpPr/>
-              <p:nvPr/>
-            </p:nvSpPr>
-            <p:spPr>
-              <a:xfrm>
-                <a:off x="3847044" y="7143280"/>
-                <a:ext cx="1648775" cy="798656"/>
-              </a:xfrm>
-              <a:prstGeom prst="diamond">
-                <a:avLst/>
-              </a:prstGeom>
-              <a:ln w="19050"/>
-            </p:spPr>
-            <p:style>
-              <a:lnRef idx="2">
-                <a:schemeClr val="dk1"/>
-              </a:lnRef>
-              <a:fillRef idx="1">
-                <a:schemeClr val="lt1"/>
-              </a:fillRef>
-              <a:effectRef idx="0">
-                <a:schemeClr val="dk1"/>
-              </a:effectRef>
-              <a:fontRef idx="minor">
-                <a:schemeClr val="dk1"/>
-              </a:fontRef>
-            </p:style>
-            <p:txBody>
-              <a:bodyPr rot="0" spcFirstLastPara="0" vertOverflow="overflow" horzOverflow="overflow" vert="horz" wrap="square" lIns="109728" tIns="54864" rIns="109728" bIns="54864" numCol="1" spcCol="0" rtlCol="0" fromWordArt="0" anchor="ctr" anchorCtr="0" forceAA="0" compatLnSpc="1">
-                <a:prstTxWarp prst="textNoShape">
-                  <a:avLst/>
-                </a:prstTxWarp>
-                <a:noAutofit/>
-              </a:bodyPr>
-              <a:lstStyle/>
-              <a:p>
-                <a:pPr algn="ctr"/>
-                <a:r>
-                  <a:rPr lang="en-US" sz="1200" dirty="0"/>
-                  <a:t>If</a:t>
-                </a:r>
-              </a:p>
-              <a:p>
-                <a:pPr algn="ctr"/>
-                <a:r>
-                  <a:rPr lang="en-US" sz="1200" dirty="0"/>
-                  <a:t> </a:t>
-                </a:r>
-                <a14:m>
-                  <m:oMath xmlns:m="http://schemas.openxmlformats.org/officeDocument/2006/math">
-                    <m:r>
-                      <a:rPr lang="en-US" sz="1200" i="1">
-                        <a:latin typeface="Cambria Math" panose="02040503050406030204" pitchFamily="18" charset="0"/>
-                      </a:rPr>
-                      <m:t>𝑒𝑟𝑟</m:t>
-                    </m:r>
-                    <m:r>
-                      <a:rPr lang="en-US" sz="1200" i="1">
-                        <a:latin typeface="Cambria Math" panose="02040503050406030204" pitchFamily="18" charset="0"/>
-                        <a:ea typeface="Cambria Math" panose="02040503050406030204" pitchFamily="18" charset="0"/>
-                      </a:rPr>
-                      <m:t>&lt;</m:t>
-                    </m:r>
-                    <m:r>
-                      <a:rPr lang="en-US" sz="1200" i="1">
-                        <a:latin typeface="Cambria Math" panose="02040503050406030204" pitchFamily="18" charset="0"/>
-                        <a:ea typeface="Cambria Math" panose="02040503050406030204" pitchFamily="18" charset="0"/>
-                      </a:rPr>
-                      <m:t>𝜀</m:t>
-                    </m:r>
-                  </m:oMath>
-                </a14:m>
-                <a:endParaRPr lang="en-US" sz="1200" dirty="0"/>
-              </a:p>
-            </p:txBody>
-          </p:sp>
-        </mc:Choice>
-        <mc:Fallback xmlns="">
-          <p:sp>
-            <p:nvSpPr>
-              <p:cNvPr id="13" name="Diamond 12">
-                <a:extLst>
-                  <a:ext uri="{FF2B5EF4-FFF2-40B4-BE49-F238E27FC236}">
-                    <a16:creationId xmlns:a16="http://schemas.microsoft.com/office/drawing/2014/main" id="{BD7A9B7C-E08C-4B91-9D56-B63772A4F323}"/>
-                  </a:ext>
-                </a:extLst>
-              </p:cNvPr>
-              <p:cNvSpPr>
-                <a:spLocks noRot="1" noChangeAspect="1" noMove="1" noResize="1" noEditPoints="1" noAdjustHandles="1" noChangeArrowheads="1" noChangeShapeType="1" noTextEdit="1"/>
-              </p:cNvSpPr>
-              <p:nvPr/>
-            </p:nvSpPr>
-            <p:spPr>
-              <a:xfrm>
-                <a:off x="3847044" y="7143280"/>
-                <a:ext cx="1648775" cy="798656"/>
-              </a:xfrm>
-              <a:prstGeom prst="diamond">
-                <a:avLst/>
-              </a:prstGeom>
-              <a:blipFill>
-                <a:blip r:embed="rId4"/>
-                <a:stretch>
-                  <a:fillRect/>
-                </a:stretch>
-              </a:blipFill>
-              <a:ln w="19050"/>
-            </p:spPr>
-            <p:txBody>
-              <a:bodyPr/>
-              <a:lstStyle/>
-              <a:p>
-                <a:r>
-                  <a:rPr lang="en-US">
-                    <a:noFill/>
-                  </a:rPr>
-                  <a:t> </a:t>
-                </a:r>
-              </a:p>
-            </p:txBody>
-          </p:sp>
-        </mc:Fallback>
-      </mc:AlternateContent>
-      <p:sp>
-        <p:nvSpPr>
-          <p:cNvPr id="14" name="Rectangle 13">
-            <a:extLst>
-              <a:ext uri="{FF2B5EF4-FFF2-40B4-BE49-F238E27FC236}">
-                <a16:creationId xmlns:a16="http://schemas.microsoft.com/office/drawing/2014/main" id="{1FCAA0CF-E5A7-49B4-B999-56E05FD64971}"/>
-              </a:ext>
-            </a:extLst>
-          </p:cNvPr>
-          <p:cNvSpPr/>
-          <p:nvPr/>
-        </p:nvSpPr>
-        <p:spPr>
-          <a:xfrm>
-            <a:off x="3732741" y="6045408"/>
-            <a:ext cx="1877380" cy="530641"/>
-          </a:xfrm>
-          <a:prstGeom prst="rect">
-            <a:avLst/>
-          </a:prstGeom>
-          <a:ln w="19050"/>
-        </p:spPr>
-        <p:style>
-          <a:lnRef idx="2">
-            <a:schemeClr val="dk1"/>
-          </a:lnRef>
-          <a:fillRef idx="1">
-            <a:schemeClr val="lt1"/>
-          </a:fillRef>
-          <a:effectRef idx="0">
-            <a:schemeClr val="dk1"/>
-          </a:effectRef>
-          <a:fontRef idx="minor">
-            <a:schemeClr val="dk1"/>
-          </a:fontRef>
-        </p:style>
-        <p:txBody>
-          <a:bodyPr rot="0" spcFirstLastPara="0" vertOverflow="overflow" horzOverflow="overflow" vert="horz" wrap="square" lIns="109728" tIns="54864" rIns="109728" bIns="54864" numCol="1" spcCol="0" rtlCol="0" fromWordArt="0" anchor="ctr" anchorCtr="0" forceAA="0" compatLnSpc="1">
-            <a:prstTxWarp prst="textNoShape">
-              <a:avLst/>
-            </a:prstTxWarp>
-            <a:noAutofit/>
-          </a:bodyPr>
-          <a:lstStyle/>
-          <a:p>
-            <a:pPr algn="ctr"/>
-            <a:r>
-              <a:rPr lang="en-US" sz="1200" dirty="0"/>
-              <a:t>Decrease</a:t>
-            </a:r>
-            <a:r>
-              <a:rPr lang="en-US" sz="1200" i="1" dirty="0"/>
-              <a:t> r;</a:t>
-            </a:r>
-          </a:p>
-          <a:p>
-            <a:pPr algn="ctr"/>
-            <a:r>
-              <a:rPr lang="en-US" sz="1200" dirty="0"/>
-              <a:t>Increase</a:t>
-            </a:r>
-            <a:r>
-              <a:rPr lang="en-US" sz="1200" i="1" dirty="0"/>
-              <a:t> n</a:t>
-            </a:r>
-          </a:p>
-        </p:txBody>
-      </p:sp>
-      <p:sp>
-        <p:nvSpPr>
-          <p:cNvPr id="15" name="Rectangle 14">
-            <a:extLst>
-              <a:ext uri="{FF2B5EF4-FFF2-40B4-BE49-F238E27FC236}">
-                <a16:creationId xmlns:a16="http://schemas.microsoft.com/office/drawing/2014/main" id="{4FC5B8DF-32D3-483B-81B6-462FF8114627}"/>
-              </a:ext>
-            </a:extLst>
-          </p:cNvPr>
-          <p:cNvSpPr/>
-          <p:nvPr/>
-        </p:nvSpPr>
-        <p:spPr>
-          <a:xfrm>
-            <a:off x="3732742" y="8424039"/>
-            <a:ext cx="1877380" cy="530641"/>
-          </a:xfrm>
-          <a:prstGeom prst="rect">
-            <a:avLst/>
-          </a:prstGeom>
-          <a:ln w="19050"/>
-        </p:spPr>
-        <p:style>
-          <a:lnRef idx="2">
-            <a:schemeClr val="dk1"/>
-          </a:lnRef>
-          <a:fillRef idx="1">
-            <a:schemeClr val="lt1"/>
-          </a:fillRef>
-          <a:effectRef idx="0">
-            <a:schemeClr val="dk1"/>
-          </a:effectRef>
-          <a:fontRef idx="minor">
-            <a:schemeClr val="dk1"/>
-          </a:fontRef>
-        </p:style>
-        <p:txBody>
-          <a:bodyPr rot="0" spcFirstLastPara="0" vertOverflow="overflow" horzOverflow="overflow" vert="horz" wrap="square" lIns="109728" tIns="54864" rIns="109728" bIns="54864" numCol="1" spcCol="0" rtlCol="0" fromWordArt="0" anchor="ctr" anchorCtr="0" forceAA="0" compatLnSpc="1">
-            <a:prstTxWarp prst="textNoShape">
-              <a:avLst/>
-            </a:prstTxWarp>
-            <a:noAutofit/>
-          </a:bodyPr>
-          <a:lstStyle/>
-          <a:p>
-            <a:pPr algn="ctr"/>
-            <a:r>
-              <a:rPr lang="en-US" sz="1200" dirty="0"/>
-              <a:t>Increase</a:t>
-            </a:r>
-            <a:r>
-              <a:rPr lang="en-US" sz="1200" i="1" dirty="0"/>
-              <a:t> r;</a:t>
-            </a:r>
-          </a:p>
-          <a:p>
-            <a:pPr algn="ctr"/>
-            <a:r>
-              <a:rPr lang="en-US" sz="1200" dirty="0"/>
-              <a:t>Decrease</a:t>
-            </a:r>
-            <a:r>
-              <a:rPr lang="en-US" sz="1200" i="1" dirty="0"/>
-              <a:t> n</a:t>
-            </a:r>
-          </a:p>
-        </p:txBody>
-      </p:sp>
-      <p:sp>
-        <p:nvSpPr>
-          <p:cNvPr id="17" name="Diamond 16">
-            <a:extLst>
-              <a:ext uri="{FF2B5EF4-FFF2-40B4-BE49-F238E27FC236}">
-                <a16:creationId xmlns:a16="http://schemas.microsoft.com/office/drawing/2014/main" id="{6E099B60-8B21-4AAA-9A10-19F8574D9070}"/>
-              </a:ext>
-            </a:extLst>
-          </p:cNvPr>
-          <p:cNvSpPr/>
-          <p:nvPr/>
-        </p:nvSpPr>
-        <p:spPr>
-          <a:xfrm>
-            <a:off x="3648333" y="10307914"/>
-            <a:ext cx="2085721" cy="798656"/>
-          </a:xfrm>
-          <a:prstGeom prst="diamond">
-            <a:avLst/>
-          </a:prstGeom>
-          <a:ln w="19050"/>
-        </p:spPr>
-        <p:style>
-          <a:lnRef idx="2">
-            <a:schemeClr val="dk1"/>
-          </a:lnRef>
-          <a:fillRef idx="1">
-            <a:schemeClr val="lt1"/>
-          </a:fillRef>
-          <a:effectRef idx="0">
-            <a:schemeClr val="dk1"/>
-          </a:effectRef>
-          <a:fontRef idx="minor">
-            <a:schemeClr val="dk1"/>
-          </a:fontRef>
-        </p:style>
-        <p:txBody>
-          <a:bodyPr rot="0" spcFirstLastPara="0" vertOverflow="overflow" horzOverflow="overflow" vert="horz" wrap="square" lIns="109728" tIns="54864" rIns="109728" bIns="54864" numCol="1" spcCol="0" rtlCol="0" fromWordArt="0" anchor="ctr" anchorCtr="0" forceAA="0" compatLnSpc="1">
-            <a:prstTxWarp prst="textNoShape">
-              <a:avLst/>
-            </a:prstTxWarp>
-            <a:noAutofit/>
-          </a:bodyPr>
-          <a:lstStyle/>
-          <a:p>
-            <a:pPr algn="ctr"/>
-            <a:r>
-              <a:rPr lang="en-US" sz="1200" dirty="0"/>
-              <a:t>If</a:t>
-            </a:r>
-          </a:p>
-          <a:p>
-            <a:pPr algn="ctr"/>
-            <a:r>
-              <a:rPr lang="en-US" sz="1200" dirty="0"/>
-              <a:t>termination is satisfied</a:t>
-            </a:r>
-          </a:p>
-        </p:txBody>
-      </p:sp>
-      <p:sp>
-        <p:nvSpPr>
-          <p:cNvPr id="18" name="Rectangle 17">
-            <a:extLst>
-              <a:ext uri="{FF2B5EF4-FFF2-40B4-BE49-F238E27FC236}">
-                <a16:creationId xmlns:a16="http://schemas.microsoft.com/office/drawing/2014/main" id="{048F1964-FFEB-4D6E-9CB0-8673C4220140}"/>
-              </a:ext>
-            </a:extLst>
-          </p:cNvPr>
-          <p:cNvSpPr/>
-          <p:nvPr/>
-        </p:nvSpPr>
-        <p:spPr>
-          <a:xfrm>
-            <a:off x="3746809" y="9429280"/>
-            <a:ext cx="1877380" cy="530641"/>
-          </a:xfrm>
-          <a:prstGeom prst="rect">
-            <a:avLst/>
-          </a:prstGeom>
-          <a:ln w="19050"/>
-        </p:spPr>
-        <p:style>
-          <a:lnRef idx="2">
-            <a:schemeClr val="dk1"/>
-          </a:lnRef>
-          <a:fillRef idx="1">
-            <a:schemeClr val="lt1"/>
-          </a:fillRef>
-          <a:effectRef idx="0">
-            <a:schemeClr val="dk1"/>
-          </a:effectRef>
-          <a:fontRef idx="minor">
-            <a:schemeClr val="dk1"/>
-          </a:fontRef>
-        </p:style>
-        <p:txBody>
-          <a:bodyPr rot="0" spcFirstLastPara="0" vertOverflow="overflow" horzOverflow="overflow" vert="horz" wrap="square" lIns="109728" tIns="54864" rIns="109728" bIns="54864" numCol="1" spcCol="0" rtlCol="0" fromWordArt="0" anchor="ctr" anchorCtr="0" forceAA="0" compatLnSpc="1">
-            <a:prstTxWarp prst="textNoShape">
-              <a:avLst/>
-            </a:prstTxWarp>
-            <a:noAutofit/>
-          </a:bodyPr>
-          <a:lstStyle/>
-          <a:p>
-            <a:pPr algn="ctr"/>
-            <a:r>
-              <a:rPr lang="en-US" sz="1200" dirty="0"/>
-              <a:t>Update optimal point </a:t>
-            </a:r>
-          </a:p>
-        </p:txBody>
-      </p:sp>
-      <p:sp>
-        <p:nvSpPr>
-          <p:cNvPr id="19" name="Rectangle: Rounded Corners 18">
-            <a:extLst>
-              <a:ext uri="{FF2B5EF4-FFF2-40B4-BE49-F238E27FC236}">
-                <a16:creationId xmlns:a16="http://schemas.microsoft.com/office/drawing/2014/main" id="{0D142754-DD4A-4CE0-AADE-17B665040DDE}"/>
-              </a:ext>
-            </a:extLst>
-          </p:cNvPr>
-          <p:cNvSpPr/>
-          <p:nvPr/>
-        </p:nvSpPr>
-        <p:spPr>
-          <a:xfrm>
-            <a:off x="1512706" y="10502382"/>
-            <a:ext cx="1006740" cy="409720"/>
-          </a:xfrm>
-          <a:prstGeom prst="roundRect">
-            <a:avLst/>
-          </a:prstGeom>
-          <a:ln w="19050">
-            <a:solidFill>
-              <a:schemeClr val="tx1"/>
-            </a:solidFill>
-          </a:ln>
-        </p:spPr>
-        <p:style>
-          <a:lnRef idx="2">
-            <a:schemeClr val="dk1"/>
-          </a:lnRef>
-          <a:fillRef idx="1">
-            <a:schemeClr val="lt1"/>
-          </a:fillRef>
-          <a:effectRef idx="0">
-            <a:schemeClr val="dk1"/>
-          </a:effectRef>
-          <a:fontRef idx="minor">
-            <a:schemeClr val="dk1"/>
-          </a:fontRef>
-        </p:style>
-        <p:txBody>
-          <a:bodyPr rot="0" spcFirstLastPara="0" vertOverflow="overflow" horzOverflow="overflow" vert="horz" wrap="square" lIns="195072" tIns="97536" rIns="195072" bIns="97536" numCol="1" spcCol="0" rtlCol="0" fromWordArt="0" anchor="ctr" anchorCtr="0" forceAA="0" compatLnSpc="1">
-            <a:prstTxWarp prst="textNoShape">
-              <a:avLst/>
-            </a:prstTxWarp>
-            <a:noAutofit/>
-          </a:bodyPr>
-          <a:lstStyle/>
-          <a:p>
-            <a:pPr algn="ctr"/>
-            <a:r>
-              <a:rPr lang="en-US" sz="1200" dirty="0"/>
-              <a:t>End</a:t>
-            </a:r>
-          </a:p>
-        </p:txBody>
-      </p:sp>
-      <p:cxnSp>
-        <p:nvCxnSpPr>
-          <p:cNvPr id="21" name="Straight Arrow Connector 20">
-            <a:extLst>
-              <a:ext uri="{FF2B5EF4-FFF2-40B4-BE49-F238E27FC236}">
-                <a16:creationId xmlns:a16="http://schemas.microsoft.com/office/drawing/2014/main" id="{09E8F5AD-25B1-48B1-A3B1-00D79AAC5855}"/>
-              </a:ext>
-            </a:extLst>
-          </p:cNvPr>
-          <p:cNvCxnSpPr>
-            <a:cxnSpLocks/>
-            <a:stCxn id="4" idx="2"/>
-            <a:endCxn id="5" idx="0"/>
-          </p:cNvCxnSpPr>
-          <p:nvPr/>
-        </p:nvCxnSpPr>
-        <p:spPr>
-          <a:xfrm flipH="1">
-            <a:off x="2016075" y="627003"/>
-            <a:ext cx="1" cy="437873"/>
-          </a:xfrm>
-          <a:prstGeom prst="straightConnector1">
-            <a:avLst/>
-          </a:prstGeom>
-          <a:ln w="38100">
-            <a:tailEnd type="triangle"/>
-          </a:ln>
-        </p:spPr>
-        <p:style>
-          <a:lnRef idx="3">
-            <a:schemeClr val="dk1"/>
-          </a:lnRef>
-          <a:fillRef idx="0">
-            <a:schemeClr val="dk1"/>
-          </a:fillRef>
-          <a:effectRef idx="2">
-            <a:schemeClr val="dk1"/>
-          </a:effectRef>
-          <a:fontRef idx="minor">
-            <a:schemeClr val="tx1"/>
-          </a:fontRef>
-        </p:style>
-      </p:cxnSp>
-      <p:cxnSp>
-        <p:nvCxnSpPr>
-          <p:cNvPr id="25" name="Straight Arrow Connector 24">
-            <a:extLst>
-              <a:ext uri="{FF2B5EF4-FFF2-40B4-BE49-F238E27FC236}">
-                <a16:creationId xmlns:a16="http://schemas.microsoft.com/office/drawing/2014/main" id="{E49BB0EC-DF3A-4E79-8C8C-5012273E683D}"/>
-              </a:ext>
-            </a:extLst>
-          </p:cNvPr>
-          <p:cNvCxnSpPr>
-            <a:cxnSpLocks/>
-            <a:stCxn id="5" idx="2"/>
-            <a:endCxn id="7" idx="0"/>
-          </p:cNvCxnSpPr>
-          <p:nvPr/>
-        </p:nvCxnSpPr>
-        <p:spPr>
-          <a:xfrm>
-            <a:off x="2016075" y="1898710"/>
-            <a:ext cx="0" cy="389417"/>
-          </a:xfrm>
-          <a:prstGeom prst="straightConnector1">
-            <a:avLst/>
-          </a:prstGeom>
-          <a:ln w="38100">
-            <a:tailEnd type="triangle"/>
-          </a:ln>
-        </p:spPr>
-        <p:style>
-          <a:lnRef idx="3">
-            <a:schemeClr val="dk1"/>
-          </a:lnRef>
-          <a:fillRef idx="0">
-            <a:schemeClr val="dk1"/>
-          </a:fillRef>
-          <a:effectRef idx="2">
-            <a:schemeClr val="dk1"/>
-          </a:effectRef>
-          <a:fontRef idx="minor">
-            <a:schemeClr val="tx1"/>
-          </a:fontRef>
-        </p:style>
-      </p:cxnSp>
-      <p:cxnSp>
-        <p:nvCxnSpPr>
-          <p:cNvPr id="28" name="Straight Arrow Connector 27">
-            <a:extLst>
-              <a:ext uri="{FF2B5EF4-FFF2-40B4-BE49-F238E27FC236}">
-                <a16:creationId xmlns:a16="http://schemas.microsoft.com/office/drawing/2014/main" id="{876717B4-878B-45A7-B836-FFC82E82BC9F}"/>
-              </a:ext>
-            </a:extLst>
-          </p:cNvPr>
-          <p:cNvCxnSpPr>
-            <a:cxnSpLocks/>
-            <a:stCxn id="7" idx="2"/>
-            <a:endCxn id="6" idx="0"/>
-          </p:cNvCxnSpPr>
-          <p:nvPr/>
-        </p:nvCxnSpPr>
-        <p:spPr>
-          <a:xfrm>
-            <a:off x="2016075" y="2818768"/>
-            <a:ext cx="0" cy="615245"/>
-          </a:xfrm>
-          <a:prstGeom prst="straightConnector1">
-            <a:avLst/>
-          </a:prstGeom>
-          <a:ln w="38100">
-            <a:tailEnd type="triangle"/>
-          </a:ln>
-        </p:spPr>
-        <p:style>
-          <a:lnRef idx="3">
-            <a:schemeClr val="dk1"/>
-          </a:lnRef>
-          <a:fillRef idx="0">
-            <a:schemeClr val="dk1"/>
-          </a:fillRef>
-          <a:effectRef idx="2">
-            <a:schemeClr val="dk1"/>
-          </a:effectRef>
-          <a:fontRef idx="minor">
-            <a:schemeClr val="tx1"/>
-          </a:fontRef>
-        </p:style>
-      </p:cxnSp>
-      <p:cxnSp>
-        <p:nvCxnSpPr>
-          <p:cNvPr id="37" name="Straight Arrow Connector 36">
-            <a:extLst>
-              <a:ext uri="{FF2B5EF4-FFF2-40B4-BE49-F238E27FC236}">
-                <a16:creationId xmlns:a16="http://schemas.microsoft.com/office/drawing/2014/main" id="{6C58AB45-74ED-4472-AAF5-60D432974F87}"/>
-              </a:ext>
-            </a:extLst>
-          </p:cNvPr>
-          <p:cNvCxnSpPr>
-            <a:cxnSpLocks/>
-            <a:stCxn id="6" idx="2"/>
-            <a:endCxn id="8" idx="0"/>
-          </p:cNvCxnSpPr>
-          <p:nvPr/>
-        </p:nvCxnSpPr>
-        <p:spPr>
-          <a:xfrm>
-            <a:off x="2016075" y="4398769"/>
-            <a:ext cx="5175" cy="442981"/>
-          </a:xfrm>
-          <a:prstGeom prst="straightConnector1">
-            <a:avLst/>
-          </a:prstGeom>
-          <a:ln w="38100">
-            <a:tailEnd type="triangle"/>
-          </a:ln>
-        </p:spPr>
-        <p:style>
-          <a:lnRef idx="3">
-            <a:schemeClr val="dk1"/>
-          </a:lnRef>
-          <a:fillRef idx="0">
-            <a:schemeClr val="dk1"/>
-          </a:fillRef>
-          <a:effectRef idx="2">
-            <a:schemeClr val="dk1"/>
-          </a:effectRef>
-          <a:fontRef idx="minor">
-            <a:schemeClr val="tx1"/>
-          </a:fontRef>
-        </p:style>
-      </p:cxnSp>
-      <p:cxnSp>
-        <p:nvCxnSpPr>
-          <p:cNvPr id="40" name="Straight Arrow Connector 39">
-            <a:extLst>
-              <a:ext uri="{FF2B5EF4-FFF2-40B4-BE49-F238E27FC236}">
-                <a16:creationId xmlns:a16="http://schemas.microsoft.com/office/drawing/2014/main" id="{D576AEAE-A91A-4252-93BF-D2B246852185}"/>
-              </a:ext>
-            </a:extLst>
-          </p:cNvPr>
-          <p:cNvCxnSpPr>
-            <a:cxnSpLocks/>
-            <a:stCxn id="8" idx="2"/>
-            <a:endCxn id="10" idx="0"/>
-          </p:cNvCxnSpPr>
-          <p:nvPr/>
-        </p:nvCxnSpPr>
-        <p:spPr>
-          <a:xfrm>
-            <a:off x="2021250" y="5649254"/>
-            <a:ext cx="0" cy="440296"/>
-          </a:xfrm>
-          <a:prstGeom prst="straightConnector1">
-            <a:avLst/>
-          </a:prstGeom>
-          <a:ln w="38100">
-            <a:tailEnd type="triangle"/>
-          </a:ln>
-        </p:spPr>
-        <p:style>
-          <a:lnRef idx="3">
-            <a:schemeClr val="dk1"/>
-          </a:lnRef>
-          <a:fillRef idx="0">
-            <a:schemeClr val="dk1"/>
-          </a:fillRef>
-          <a:effectRef idx="2">
-            <a:schemeClr val="dk1"/>
-          </a:effectRef>
-          <a:fontRef idx="minor">
-            <a:schemeClr val="tx1"/>
-          </a:fontRef>
-        </p:style>
-      </p:cxnSp>
-      <p:cxnSp>
-        <p:nvCxnSpPr>
-          <p:cNvPr id="43" name="Straight Arrow Connector 42">
-            <a:extLst>
-              <a:ext uri="{FF2B5EF4-FFF2-40B4-BE49-F238E27FC236}">
-                <a16:creationId xmlns:a16="http://schemas.microsoft.com/office/drawing/2014/main" id="{BD3C249B-E3CE-4336-975C-F0E9E6391770}"/>
-              </a:ext>
-            </a:extLst>
-          </p:cNvPr>
-          <p:cNvCxnSpPr>
-            <a:cxnSpLocks/>
-            <a:stCxn id="10" idx="2"/>
-            <a:endCxn id="11" idx="0"/>
-          </p:cNvCxnSpPr>
-          <p:nvPr/>
-        </p:nvCxnSpPr>
-        <p:spPr>
-          <a:xfrm flipH="1">
-            <a:off x="2017403" y="6684607"/>
-            <a:ext cx="3847" cy="562011"/>
-          </a:xfrm>
-          <a:prstGeom prst="straightConnector1">
-            <a:avLst/>
-          </a:prstGeom>
-          <a:ln w="38100">
-            <a:tailEnd type="triangle"/>
-          </a:ln>
-        </p:spPr>
-        <p:style>
-          <a:lnRef idx="3">
-            <a:schemeClr val="dk1"/>
-          </a:lnRef>
-          <a:fillRef idx="0">
-            <a:schemeClr val="dk1"/>
-          </a:fillRef>
-          <a:effectRef idx="2">
-            <a:schemeClr val="dk1"/>
-          </a:effectRef>
-          <a:fontRef idx="minor">
-            <a:schemeClr val="tx1"/>
-          </a:fontRef>
-        </p:style>
-      </p:cxnSp>
-      <p:cxnSp>
-        <p:nvCxnSpPr>
-          <p:cNvPr id="46" name="Straight Arrow Connector 45">
-            <a:extLst>
-              <a:ext uri="{FF2B5EF4-FFF2-40B4-BE49-F238E27FC236}">
-                <a16:creationId xmlns:a16="http://schemas.microsoft.com/office/drawing/2014/main" id="{7B8E16CF-F489-4C9E-A20B-4CDE0065DBE8}"/>
-              </a:ext>
-            </a:extLst>
-          </p:cNvPr>
-          <p:cNvCxnSpPr>
-            <a:cxnSpLocks/>
-            <a:stCxn id="11" idx="3"/>
-            <a:endCxn id="13" idx="1"/>
-          </p:cNvCxnSpPr>
-          <p:nvPr/>
-        </p:nvCxnSpPr>
-        <p:spPr>
-          <a:xfrm flipV="1">
-            <a:off x="2956093" y="7542608"/>
-            <a:ext cx="890951" cy="1539"/>
-          </a:xfrm>
-          <a:prstGeom prst="straightConnector1">
-            <a:avLst/>
-          </a:prstGeom>
-          <a:ln w="38100">
-            <a:tailEnd type="triangle"/>
-          </a:ln>
-        </p:spPr>
-        <p:style>
-          <a:lnRef idx="3">
-            <a:schemeClr val="dk1"/>
-          </a:lnRef>
-          <a:fillRef idx="0">
-            <a:schemeClr val="dk1"/>
-          </a:fillRef>
-          <a:effectRef idx="2">
-            <a:schemeClr val="dk1"/>
-          </a:effectRef>
-          <a:fontRef idx="minor">
-            <a:schemeClr val="tx1"/>
-          </a:fontRef>
-        </p:style>
-      </p:cxnSp>
-      <p:cxnSp>
-        <p:nvCxnSpPr>
-          <p:cNvPr id="49" name="Straight Arrow Connector 48">
-            <a:extLst>
-              <a:ext uri="{FF2B5EF4-FFF2-40B4-BE49-F238E27FC236}">
-                <a16:creationId xmlns:a16="http://schemas.microsoft.com/office/drawing/2014/main" id="{C4248D9F-3DF0-42C4-9C81-742A18AC19EE}"/>
-              </a:ext>
-            </a:extLst>
-          </p:cNvPr>
-          <p:cNvCxnSpPr>
-            <a:cxnSpLocks/>
-            <a:stCxn id="13" idx="0"/>
-            <a:endCxn id="14" idx="2"/>
-          </p:cNvCxnSpPr>
-          <p:nvPr/>
-        </p:nvCxnSpPr>
-        <p:spPr>
-          <a:xfrm flipH="1" flipV="1">
-            <a:off x="4671431" y="6576049"/>
-            <a:ext cx="1" cy="567231"/>
-          </a:xfrm>
-          <a:prstGeom prst="straightConnector1">
-            <a:avLst/>
-          </a:prstGeom>
-          <a:ln w="38100">
-            <a:tailEnd type="triangle"/>
-          </a:ln>
-        </p:spPr>
-        <p:style>
-          <a:lnRef idx="3">
-            <a:schemeClr val="dk1"/>
-          </a:lnRef>
-          <a:fillRef idx="0">
-            <a:schemeClr val="dk1"/>
-          </a:fillRef>
-          <a:effectRef idx="2">
-            <a:schemeClr val="dk1"/>
-          </a:effectRef>
-          <a:fontRef idx="minor">
-            <a:schemeClr val="tx1"/>
-          </a:fontRef>
-        </p:style>
-      </p:cxnSp>
-      <p:cxnSp>
-        <p:nvCxnSpPr>
-          <p:cNvPr id="52" name="Straight Arrow Connector 51">
-            <a:extLst>
-              <a:ext uri="{FF2B5EF4-FFF2-40B4-BE49-F238E27FC236}">
-                <a16:creationId xmlns:a16="http://schemas.microsoft.com/office/drawing/2014/main" id="{5E3C600B-B2D9-4773-8707-7A90846D0463}"/>
-              </a:ext>
-            </a:extLst>
-          </p:cNvPr>
-          <p:cNvCxnSpPr>
-            <a:cxnSpLocks/>
-            <a:stCxn id="13" idx="2"/>
-            <a:endCxn id="15" idx="0"/>
-          </p:cNvCxnSpPr>
-          <p:nvPr/>
-        </p:nvCxnSpPr>
-        <p:spPr>
-          <a:xfrm>
-            <a:off x="4671432" y="7941936"/>
-            <a:ext cx="0" cy="482103"/>
-          </a:xfrm>
-          <a:prstGeom prst="straightConnector1">
-            <a:avLst/>
-          </a:prstGeom>
-          <a:ln w="38100">
-            <a:tailEnd type="triangle"/>
-          </a:ln>
-        </p:spPr>
-        <p:style>
-          <a:lnRef idx="3">
-            <a:schemeClr val="dk1"/>
-          </a:lnRef>
-          <a:fillRef idx="0">
-            <a:schemeClr val="dk1"/>
-          </a:fillRef>
-          <a:effectRef idx="2">
-            <a:schemeClr val="dk1"/>
-          </a:effectRef>
-          <a:fontRef idx="minor">
-            <a:schemeClr val="tx1"/>
-          </a:fontRef>
-        </p:style>
-      </p:cxnSp>
-      <p:cxnSp>
-        <p:nvCxnSpPr>
-          <p:cNvPr id="55" name="Straight Arrow Connector 54">
-            <a:extLst>
-              <a:ext uri="{FF2B5EF4-FFF2-40B4-BE49-F238E27FC236}">
-                <a16:creationId xmlns:a16="http://schemas.microsoft.com/office/drawing/2014/main" id="{A83AC360-79BA-409F-B922-2E116BBB4B7F}"/>
-              </a:ext>
-            </a:extLst>
-          </p:cNvPr>
-          <p:cNvCxnSpPr>
-            <a:cxnSpLocks/>
-            <a:stCxn id="15" idx="2"/>
-            <a:endCxn id="18" idx="0"/>
-          </p:cNvCxnSpPr>
-          <p:nvPr/>
-        </p:nvCxnSpPr>
-        <p:spPr>
-          <a:xfrm>
-            <a:off x="4671432" y="8954680"/>
-            <a:ext cx="14067" cy="474600"/>
-          </a:xfrm>
-          <a:prstGeom prst="straightConnector1">
-            <a:avLst/>
-          </a:prstGeom>
-          <a:ln w="38100">
-            <a:tailEnd type="triangle"/>
-          </a:ln>
-        </p:spPr>
-        <p:style>
-          <a:lnRef idx="3">
-            <a:schemeClr val="dk1"/>
-          </a:lnRef>
-          <a:fillRef idx="0">
-            <a:schemeClr val="dk1"/>
-          </a:fillRef>
-          <a:effectRef idx="2">
-            <a:schemeClr val="dk1"/>
-          </a:effectRef>
-          <a:fontRef idx="minor">
-            <a:schemeClr val="tx1"/>
-          </a:fontRef>
-        </p:style>
-      </p:cxnSp>
-      <p:cxnSp>
-        <p:nvCxnSpPr>
-          <p:cNvPr id="58" name="Straight Arrow Connector 57">
-            <a:extLst>
-              <a:ext uri="{FF2B5EF4-FFF2-40B4-BE49-F238E27FC236}">
-                <a16:creationId xmlns:a16="http://schemas.microsoft.com/office/drawing/2014/main" id="{BA096D6A-3773-4D00-BBD1-9E86095073FC}"/>
-              </a:ext>
-            </a:extLst>
-          </p:cNvPr>
-          <p:cNvCxnSpPr>
-            <a:cxnSpLocks/>
-            <a:stCxn id="18" idx="2"/>
-            <a:endCxn id="17" idx="0"/>
-          </p:cNvCxnSpPr>
-          <p:nvPr/>
-        </p:nvCxnSpPr>
-        <p:spPr>
-          <a:xfrm>
-            <a:off x="4685499" y="9959921"/>
-            <a:ext cx="5695" cy="347993"/>
-          </a:xfrm>
-          <a:prstGeom prst="straightConnector1">
-            <a:avLst/>
-          </a:prstGeom>
-          <a:ln w="38100">
-            <a:tailEnd type="triangle"/>
-          </a:ln>
-        </p:spPr>
-        <p:style>
-          <a:lnRef idx="3">
-            <a:schemeClr val="dk1"/>
-          </a:lnRef>
-          <a:fillRef idx="0">
-            <a:schemeClr val="dk1"/>
-          </a:fillRef>
-          <a:effectRef idx="2">
-            <a:schemeClr val="dk1"/>
-          </a:effectRef>
-          <a:fontRef idx="minor">
-            <a:schemeClr val="tx1"/>
-          </a:fontRef>
-        </p:style>
-      </p:cxnSp>
-      <p:cxnSp>
-        <p:nvCxnSpPr>
-          <p:cNvPr id="62" name="Straight Arrow Connector 61">
-            <a:extLst>
-              <a:ext uri="{FF2B5EF4-FFF2-40B4-BE49-F238E27FC236}">
-                <a16:creationId xmlns:a16="http://schemas.microsoft.com/office/drawing/2014/main" id="{A5A2D794-1E0F-49A3-B7A3-3BBD885668DC}"/>
-              </a:ext>
-            </a:extLst>
-          </p:cNvPr>
-          <p:cNvCxnSpPr>
-            <a:cxnSpLocks/>
-            <a:stCxn id="17" idx="1"/>
-            <a:endCxn id="19" idx="3"/>
-          </p:cNvCxnSpPr>
-          <p:nvPr/>
-        </p:nvCxnSpPr>
-        <p:spPr>
-          <a:xfrm flipH="1">
-            <a:off x="2519446" y="10707242"/>
-            <a:ext cx="1128887" cy="0"/>
-          </a:xfrm>
-          <a:prstGeom prst="straightConnector1">
-            <a:avLst/>
-          </a:prstGeom>
-          <a:ln w="38100">
-            <a:tailEnd type="triangle"/>
-          </a:ln>
-        </p:spPr>
-        <p:style>
-          <a:lnRef idx="3">
-            <a:schemeClr val="dk1"/>
-          </a:lnRef>
-          <a:fillRef idx="0">
-            <a:schemeClr val="dk1"/>
-          </a:fillRef>
-          <a:effectRef idx="2">
-            <a:schemeClr val="dk1"/>
-          </a:effectRef>
-          <a:fontRef idx="minor">
-            <a:schemeClr val="tx1"/>
-          </a:fontRef>
-        </p:style>
-      </p:cxnSp>
-      <p:cxnSp>
-        <p:nvCxnSpPr>
-          <p:cNvPr id="68" name="Connector: Elbow 67">
-            <a:extLst>
-              <a:ext uri="{FF2B5EF4-FFF2-40B4-BE49-F238E27FC236}">
-                <a16:creationId xmlns:a16="http://schemas.microsoft.com/office/drawing/2014/main" id="{E83CD3C7-0E28-4F06-A3F1-06B2F335D726}"/>
-              </a:ext>
-            </a:extLst>
-          </p:cNvPr>
-          <p:cNvCxnSpPr>
-            <a:cxnSpLocks/>
-            <a:stCxn id="14" idx="0"/>
-            <a:endCxn id="8" idx="3"/>
-          </p:cNvCxnSpPr>
-          <p:nvPr/>
-        </p:nvCxnSpPr>
-        <p:spPr>
-          <a:xfrm rot="16200000" flipV="1">
-            <a:off x="3415733" y="4789709"/>
-            <a:ext cx="799906" cy="1711491"/>
-          </a:xfrm>
-          <a:prstGeom prst="bentConnector2">
-            <a:avLst/>
-          </a:prstGeom>
-          <a:ln w="38100">
-            <a:tailEnd type="triangle"/>
-          </a:ln>
-        </p:spPr>
-        <p:style>
-          <a:lnRef idx="3">
-            <a:schemeClr val="dk1"/>
-          </a:lnRef>
-          <a:fillRef idx="0">
-            <a:schemeClr val="dk1"/>
-          </a:fillRef>
-          <a:effectRef idx="2">
-            <a:schemeClr val="dk1"/>
-          </a:effectRef>
-          <a:fontRef idx="minor">
-            <a:schemeClr val="tx1"/>
-          </a:fontRef>
-        </p:style>
-      </p:cxnSp>
-      <p:sp>
-        <p:nvSpPr>
-          <p:cNvPr id="69" name="TextBox 68">
-            <a:extLst>
-              <a:ext uri="{FF2B5EF4-FFF2-40B4-BE49-F238E27FC236}">
-                <a16:creationId xmlns:a16="http://schemas.microsoft.com/office/drawing/2014/main" id="{C6922086-7B71-493A-BE4A-86FC0CC24DFF}"/>
-              </a:ext>
-            </a:extLst>
-          </p:cNvPr>
-          <p:cNvSpPr txBox="1"/>
-          <p:nvPr/>
-        </p:nvSpPr>
-        <p:spPr>
-          <a:xfrm>
-            <a:off x="4501662" y="6898119"/>
-            <a:ext cx="717450" cy="276999"/>
-          </a:xfrm>
-          <a:prstGeom prst="rect">
-            <a:avLst/>
-          </a:prstGeom>
-          <a:noFill/>
-        </p:spPr>
-        <p:txBody>
-          <a:bodyPr wrap="square" rtlCol="0">
-            <a:spAutoFit/>
-          </a:bodyPr>
-          <a:lstStyle/>
-          <a:p>
-            <a:pPr algn="ctr"/>
-            <a:r>
-              <a:rPr lang="en-US" sz="1200" dirty="0"/>
-              <a:t>No</a:t>
-            </a:r>
-          </a:p>
-        </p:txBody>
-      </p:sp>
-      <p:sp>
-        <p:nvSpPr>
-          <p:cNvPr id="70" name="TextBox 69">
-            <a:extLst>
-              <a:ext uri="{FF2B5EF4-FFF2-40B4-BE49-F238E27FC236}">
-                <a16:creationId xmlns:a16="http://schemas.microsoft.com/office/drawing/2014/main" id="{0BEE103C-4F2C-4FB4-B71D-0E526AD2B5D9}"/>
-              </a:ext>
-            </a:extLst>
-          </p:cNvPr>
-          <p:cNvSpPr txBox="1"/>
-          <p:nvPr/>
-        </p:nvSpPr>
-        <p:spPr>
-          <a:xfrm>
-            <a:off x="4522105" y="8036712"/>
-            <a:ext cx="717450" cy="276999"/>
-          </a:xfrm>
-          <a:prstGeom prst="rect">
-            <a:avLst/>
-          </a:prstGeom>
-          <a:noFill/>
-        </p:spPr>
-        <p:txBody>
-          <a:bodyPr wrap="square" rtlCol="0">
-            <a:spAutoFit/>
-          </a:bodyPr>
-          <a:lstStyle/>
-          <a:p>
-            <a:pPr algn="ctr"/>
-            <a:r>
-              <a:rPr lang="en-US" sz="1200" dirty="0"/>
-              <a:t>Yes</a:t>
-            </a:r>
-          </a:p>
-        </p:txBody>
-      </p:sp>
-      <p:sp>
-        <p:nvSpPr>
-          <p:cNvPr id="71" name="TextBox 70">
-            <a:extLst>
-              <a:ext uri="{FF2B5EF4-FFF2-40B4-BE49-F238E27FC236}">
-                <a16:creationId xmlns:a16="http://schemas.microsoft.com/office/drawing/2014/main" id="{E8388819-A910-47C7-A11C-2F278EE1436F}"/>
-              </a:ext>
-            </a:extLst>
-          </p:cNvPr>
-          <p:cNvSpPr txBox="1"/>
-          <p:nvPr/>
-        </p:nvSpPr>
-        <p:spPr>
-          <a:xfrm>
-            <a:off x="2725164" y="10947821"/>
-            <a:ext cx="717450" cy="276999"/>
-          </a:xfrm>
-          <a:prstGeom prst="rect">
-            <a:avLst/>
-          </a:prstGeom>
-          <a:noFill/>
-        </p:spPr>
-        <p:txBody>
-          <a:bodyPr wrap="square" rtlCol="0">
-            <a:spAutoFit/>
-          </a:bodyPr>
-          <a:lstStyle/>
-          <a:p>
-            <a:pPr algn="ctr"/>
-            <a:r>
-              <a:rPr lang="en-US" sz="1200" dirty="0"/>
-              <a:t>Yes</a:t>
-            </a:r>
-          </a:p>
-        </p:txBody>
-      </p:sp>
-      <p:cxnSp>
-        <p:nvCxnSpPr>
-          <p:cNvPr id="81" name="Connector: Elbow 80">
-            <a:extLst>
-              <a:ext uri="{FF2B5EF4-FFF2-40B4-BE49-F238E27FC236}">
-                <a16:creationId xmlns:a16="http://schemas.microsoft.com/office/drawing/2014/main" id="{25E6BD85-4EE9-41E5-A01C-B16AC39591A2}"/>
-              </a:ext>
-            </a:extLst>
-          </p:cNvPr>
-          <p:cNvCxnSpPr>
-            <a:cxnSpLocks/>
-            <a:stCxn id="17" idx="3"/>
-          </p:cNvCxnSpPr>
-          <p:nvPr/>
-        </p:nvCxnSpPr>
-        <p:spPr>
-          <a:xfrm flipV="1">
-            <a:off x="5734054" y="2093418"/>
-            <a:ext cx="427595" cy="8613824"/>
-          </a:xfrm>
-          <a:prstGeom prst="bentConnector2">
-            <a:avLst/>
-          </a:prstGeom>
-          <a:ln w="38100">
-            <a:solidFill>
-              <a:schemeClr val="tx1"/>
-            </a:solidFill>
-          </a:ln>
-        </p:spPr>
-        <p:style>
-          <a:lnRef idx="3">
-            <a:schemeClr val="dk1"/>
-          </a:lnRef>
-          <a:fillRef idx="0">
-            <a:schemeClr val="dk1"/>
-          </a:fillRef>
-          <a:effectRef idx="2">
-            <a:schemeClr val="dk1"/>
-          </a:effectRef>
-          <a:fontRef idx="minor">
-            <a:schemeClr val="tx1"/>
-          </a:fontRef>
-        </p:style>
-      </p:cxnSp>
-      <p:cxnSp>
-        <p:nvCxnSpPr>
-          <p:cNvPr id="86" name="Straight Arrow Connector 85">
-            <a:extLst>
-              <a:ext uri="{FF2B5EF4-FFF2-40B4-BE49-F238E27FC236}">
-                <a16:creationId xmlns:a16="http://schemas.microsoft.com/office/drawing/2014/main" id="{DD745F3F-15D7-4685-9786-6618AB8DE42F}"/>
-              </a:ext>
-            </a:extLst>
-          </p:cNvPr>
-          <p:cNvCxnSpPr>
-            <a:cxnSpLocks/>
-          </p:cNvCxnSpPr>
-          <p:nvPr/>
-        </p:nvCxnSpPr>
-        <p:spPr>
-          <a:xfrm flipH="1">
-            <a:off x="2016075" y="2093418"/>
-            <a:ext cx="4145574" cy="0"/>
-          </a:xfrm>
-          <a:prstGeom prst="straightConnector1">
-            <a:avLst/>
-          </a:prstGeom>
-          <a:ln w="38100">
-            <a:tailEnd type="triangle"/>
-          </a:ln>
-        </p:spPr>
-        <p:style>
-          <a:lnRef idx="3">
-            <a:schemeClr val="dk1"/>
-          </a:lnRef>
-          <a:fillRef idx="0">
-            <a:schemeClr val="dk1"/>
-          </a:fillRef>
-          <a:effectRef idx="2">
-            <a:schemeClr val="dk1"/>
-          </a:effectRef>
-          <a:fontRef idx="minor">
-            <a:schemeClr val="tx1"/>
-          </a:fontRef>
-        </p:style>
-      </p:cxnSp>
-      <p:sp>
-        <p:nvSpPr>
-          <p:cNvPr id="89" name="TextBox 88">
-            <a:extLst>
-              <a:ext uri="{FF2B5EF4-FFF2-40B4-BE49-F238E27FC236}">
-                <a16:creationId xmlns:a16="http://schemas.microsoft.com/office/drawing/2014/main" id="{2859C823-1B51-41A7-9975-5B319606B6E0}"/>
-              </a:ext>
-            </a:extLst>
-          </p:cNvPr>
-          <p:cNvSpPr txBox="1"/>
-          <p:nvPr/>
-        </p:nvSpPr>
-        <p:spPr>
-          <a:xfrm>
-            <a:off x="5732177" y="10947820"/>
-            <a:ext cx="717450" cy="276999"/>
-          </a:xfrm>
-          <a:prstGeom prst="rect">
-            <a:avLst/>
-          </a:prstGeom>
-          <a:noFill/>
-        </p:spPr>
-        <p:txBody>
-          <a:bodyPr wrap="square" rtlCol="0">
-            <a:spAutoFit/>
-          </a:bodyPr>
-          <a:lstStyle/>
-          <a:p>
-            <a:pPr algn="ctr"/>
-            <a:r>
-              <a:rPr lang="en-US" sz="1200" dirty="0"/>
-              <a:t>No</a:t>
-            </a:r>
-          </a:p>
-        </p:txBody>
-      </p:sp>
-      <p:sp>
-        <p:nvSpPr>
-          <p:cNvPr id="90" name="TextBox 89">
-            <a:extLst>
-              <a:ext uri="{FF2B5EF4-FFF2-40B4-BE49-F238E27FC236}">
-                <a16:creationId xmlns:a16="http://schemas.microsoft.com/office/drawing/2014/main" id="{CE760DBB-245E-4F66-B13E-7749674B6A46}"/>
-              </a:ext>
-            </a:extLst>
-          </p:cNvPr>
-          <p:cNvSpPr txBox="1"/>
-          <p:nvPr/>
-        </p:nvSpPr>
-        <p:spPr>
-          <a:xfrm>
-            <a:off x="514053" y="3669021"/>
-            <a:ext cx="717450" cy="276999"/>
-          </a:xfrm>
-          <a:prstGeom prst="rect">
-            <a:avLst/>
-          </a:prstGeom>
-          <a:noFill/>
-        </p:spPr>
-        <p:txBody>
-          <a:bodyPr wrap="square" rtlCol="0">
-            <a:spAutoFit/>
-          </a:bodyPr>
-          <a:lstStyle/>
-          <a:p>
-            <a:pPr algn="ctr"/>
-            <a:r>
-              <a:rPr lang="en-US" sz="1200" dirty="0"/>
-              <a:t>No</a:t>
-            </a:r>
-          </a:p>
-        </p:txBody>
-      </p:sp>
-      <p:sp>
-        <p:nvSpPr>
-          <p:cNvPr id="91" name="TextBox 90">
-            <a:extLst>
-              <a:ext uri="{FF2B5EF4-FFF2-40B4-BE49-F238E27FC236}">
-                <a16:creationId xmlns:a16="http://schemas.microsoft.com/office/drawing/2014/main" id="{48FEBBFB-8E72-405D-A507-0AC2CF1222A0}"/>
-              </a:ext>
-            </a:extLst>
-          </p:cNvPr>
-          <p:cNvSpPr txBox="1"/>
-          <p:nvPr/>
-        </p:nvSpPr>
-        <p:spPr>
-          <a:xfrm>
-            <a:off x="1811155" y="4459933"/>
-            <a:ext cx="717450" cy="276999"/>
-          </a:xfrm>
-          <a:prstGeom prst="rect">
-            <a:avLst/>
-          </a:prstGeom>
-          <a:noFill/>
-        </p:spPr>
-        <p:txBody>
-          <a:bodyPr wrap="square" rtlCol="0">
-            <a:spAutoFit/>
-          </a:bodyPr>
-          <a:lstStyle/>
-          <a:p>
-            <a:pPr algn="ctr"/>
-            <a:r>
-              <a:rPr lang="en-US" sz="1200" dirty="0"/>
-              <a:t>Yes</a:t>
-            </a:r>
-          </a:p>
-        </p:txBody>
-      </p:sp>
-      <p:cxnSp>
-        <p:nvCxnSpPr>
-          <p:cNvPr id="93" name="Connector: Elbow 92">
-            <a:extLst>
-              <a:ext uri="{FF2B5EF4-FFF2-40B4-BE49-F238E27FC236}">
-                <a16:creationId xmlns:a16="http://schemas.microsoft.com/office/drawing/2014/main" id="{9ADFE072-0CEC-4A8B-906C-C52C037BB983}"/>
-              </a:ext>
-            </a:extLst>
-          </p:cNvPr>
-          <p:cNvCxnSpPr>
-            <a:stCxn id="6" idx="1"/>
-            <a:endCxn id="19" idx="0"/>
-          </p:cNvCxnSpPr>
-          <p:nvPr/>
-        </p:nvCxnSpPr>
-        <p:spPr>
-          <a:xfrm rot="10800000" flipH="1" flipV="1">
-            <a:off x="1130250" y="3916390"/>
-            <a:ext cx="885826" cy="6585991"/>
-          </a:xfrm>
-          <a:prstGeom prst="bentConnector4">
-            <a:avLst>
-              <a:gd name="adj1" fmla="val -49627"/>
-              <a:gd name="adj2" fmla="val 81857"/>
-            </a:avLst>
-          </a:prstGeom>
-          <a:ln w="38100">
-            <a:tailEnd type="triangle"/>
-          </a:ln>
-        </p:spPr>
-        <p:style>
-          <a:lnRef idx="3">
-            <a:schemeClr val="dk1"/>
-          </a:lnRef>
-          <a:fillRef idx="0">
-            <a:schemeClr val="dk1"/>
-          </a:fillRef>
-          <a:effectRef idx="2">
-            <a:schemeClr val="dk1"/>
-          </a:effectRef>
-          <a:fontRef idx="minor">
-            <a:schemeClr val="tx1"/>
-          </a:fontRef>
-        </p:style>
-      </p:cxnSp>
+      </p:pic>
     </p:spTree>
     <p:extLst>
       <p:ext uri="{BB962C8B-B14F-4D97-AF65-F5344CB8AC3E}">
-        <p14:creationId xmlns:p14="http://schemas.microsoft.com/office/powerpoint/2010/main" val="1321401979"/>
+        <p14:creationId xmlns:p14="http://schemas.microsoft.com/office/powerpoint/2010/main" val="3369940055"/>
       </p:ext>
     </p:extLst>
   </p:cSld>
@@ -4979,7 +3083,7 @@
 <file path=ppt/theme/theme1.xml><?xml version="1.0" encoding="utf-8"?>
 <a:theme xmlns:a="http://schemas.openxmlformats.org/drawingml/2006/main" name="Office Theme">
   <a:themeElements>
-    <a:clrScheme name="Office Theme">
+    <a:clrScheme name="Office">
       <a:dk1>
         <a:sysClr val="windowText" lastClr="000000"/>
       </a:dk1>
@@ -4993,7 +3097,7 @@
         <a:srgbClr val="E7E6E6"/>
       </a:lt2>
       <a:accent1>
-        <a:srgbClr val="4472C4"/>
+        <a:srgbClr val="5B9BD5"/>
       </a:accent1>
       <a:accent2>
         <a:srgbClr val="ED7D31"/>
@@ -5005,7 +3109,7 @@
         <a:srgbClr val="FFC000"/>
       </a:accent4>
       <a:accent5>
-        <a:srgbClr val="5B9BD5"/>
+        <a:srgbClr val="4472C4"/>
       </a:accent5>
       <a:accent6>
         <a:srgbClr val="70AD47"/>
@@ -5017,7 +3121,7 @@
         <a:srgbClr val="954F72"/>
       </a:folHlink>
     </a:clrScheme>
-    <a:fontScheme name="Office Theme">
+    <a:fontScheme name="Office">
       <a:majorFont>
         <a:latin typeface="Calibri Light" panose="020F0302020204030204"/>
         <a:ea typeface=""/>
@@ -5089,7 +3193,7 @@
         <a:font script="Geor" typeface="Sylfaen"/>
       </a:minorFont>
     </a:fontScheme>
-    <a:fmtScheme name="Office Theme">
+    <a:fmtScheme name="Office">
       <a:fillStyleLst>
         <a:solidFill>
           <a:schemeClr val="phClr"/>

--- a/report/PicSource.pptx
+++ b/report/PicSource.pptx
@@ -7,6 +7,7 @@
   <p:sldIdLst>
     <p:sldId id="256" r:id="rId2"/>
     <p:sldId id="257" r:id="rId3"/>
+    <p:sldId id="258" r:id="rId4"/>
   </p:sldIdLst>
   <p:sldSz cx="12192000" cy="6858000"/>
   <p:notesSz cx="6858000" cy="9144000"/>
@@ -105,6 +106,11 @@
       </a:defRPr>
     </a:lvl9pPr>
   </p:defaultTextStyle>
+  <p:extLst>
+    <p:ext uri="{EFAFB233-063F-42B5-8137-9DF3F51BA10A}">
+      <p15:sldGuideLst xmlns:p15="http://schemas.microsoft.com/office/powerpoint/2012/main"/>
+    </p:ext>
+  </p:extLst>
 </p:presentation>
 </file>
 
@@ -150,10 +156,9 @@
           </a:lstStyle>
           <a:p>
             <a:r>
-              <a:rPr lang="en-US" smtClean="0"/>
+              <a:rPr lang="en-US"/>
               <a:t>Click to edit Master title style</a:t>
             </a:r>
-            <a:endParaRPr lang="en-US"/>
           </a:p>
         </p:txBody>
       </p:sp>
@@ -215,10 +220,9 @@
           </a:lstStyle>
           <a:p>
             <a:r>
-              <a:rPr lang="en-US" smtClean="0"/>
+              <a:rPr lang="en-US"/>
               <a:t>Click to edit Master subtitle style</a:t>
             </a:r>
-            <a:endParaRPr lang="en-US"/>
           </a:p>
         </p:txBody>
       </p:sp>
@@ -239,7 +243,7 @@
           <a:p>
             <a:fld id="{326AAFFF-3983-4D95-A34D-288088DDF367}" type="datetimeFigureOut">
               <a:rPr lang="en-US" smtClean="0"/>
-              <a:t>11/7/2019</a:t>
+              <a:t>11/15/19</a:t>
             </a:fld>
             <a:endParaRPr lang="en-US"/>
           </a:p>
@@ -333,10 +337,9 @@
           <a:lstStyle/>
           <a:p>
             <a:r>
-              <a:rPr lang="en-US" smtClean="0"/>
+              <a:rPr lang="en-US"/>
               <a:t>Click to edit Master title style</a:t>
             </a:r>
-            <a:endParaRPr lang="en-US"/>
           </a:p>
         </p:txBody>
       </p:sp>
@@ -357,38 +360,37 @@
           <a:p>
             <a:pPr lvl="0"/>
             <a:r>
-              <a:rPr lang="en-US" smtClean="0"/>
+              <a:rPr lang="en-US"/>
               <a:t>Edit Master text styles</a:t>
             </a:r>
           </a:p>
           <a:p>
             <a:pPr lvl="1"/>
             <a:r>
-              <a:rPr lang="en-US" smtClean="0"/>
+              <a:rPr lang="en-US"/>
               <a:t>Second level</a:t>
             </a:r>
           </a:p>
           <a:p>
             <a:pPr lvl="2"/>
             <a:r>
-              <a:rPr lang="en-US" smtClean="0"/>
+              <a:rPr lang="en-US"/>
               <a:t>Third level</a:t>
             </a:r>
           </a:p>
           <a:p>
             <a:pPr lvl="3"/>
             <a:r>
-              <a:rPr lang="en-US" smtClean="0"/>
+              <a:rPr lang="en-US"/>
               <a:t>Fourth level</a:t>
             </a:r>
           </a:p>
           <a:p>
             <a:pPr lvl="4"/>
             <a:r>
-              <a:rPr lang="en-US" smtClean="0"/>
+              <a:rPr lang="en-US"/>
               <a:t>Fifth level</a:t>
             </a:r>
-            <a:endParaRPr lang="en-US"/>
           </a:p>
         </p:txBody>
       </p:sp>
@@ -409,7 +411,7 @@
           <a:p>
             <a:fld id="{326AAFFF-3983-4D95-A34D-288088DDF367}" type="datetimeFigureOut">
               <a:rPr lang="en-US" smtClean="0"/>
-              <a:t>11/7/2019</a:t>
+              <a:t>11/15/19</a:t>
             </a:fld>
             <a:endParaRPr lang="en-US"/>
           </a:p>
@@ -508,10 +510,9 @@
           <a:lstStyle/>
           <a:p>
             <a:r>
-              <a:rPr lang="en-US" smtClean="0"/>
+              <a:rPr lang="en-US"/>
               <a:t>Click to edit Master title style</a:t>
             </a:r>
-            <a:endParaRPr lang="en-US"/>
           </a:p>
         </p:txBody>
       </p:sp>
@@ -537,38 +538,37 @@
           <a:p>
             <a:pPr lvl="0"/>
             <a:r>
-              <a:rPr lang="en-US" smtClean="0"/>
+              <a:rPr lang="en-US"/>
               <a:t>Edit Master text styles</a:t>
             </a:r>
           </a:p>
           <a:p>
             <a:pPr lvl="1"/>
             <a:r>
-              <a:rPr lang="en-US" smtClean="0"/>
+              <a:rPr lang="en-US"/>
               <a:t>Second level</a:t>
             </a:r>
           </a:p>
           <a:p>
             <a:pPr lvl="2"/>
             <a:r>
-              <a:rPr lang="en-US" smtClean="0"/>
+              <a:rPr lang="en-US"/>
               <a:t>Third level</a:t>
             </a:r>
           </a:p>
           <a:p>
             <a:pPr lvl="3"/>
             <a:r>
-              <a:rPr lang="en-US" smtClean="0"/>
+              <a:rPr lang="en-US"/>
               <a:t>Fourth level</a:t>
             </a:r>
           </a:p>
           <a:p>
             <a:pPr lvl="4"/>
             <a:r>
-              <a:rPr lang="en-US" smtClean="0"/>
+              <a:rPr lang="en-US"/>
               <a:t>Fifth level</a:t>
             </a:r>
-            <a:endParaRPr lang="en-US"/>
           </a:p>
         </p:txBody>
       </p:sp>
@@ -589,7 +589,7 @@
           <a:p>
             <a:fld id="{326AAFFF-3983-4D95-A34D-288088DDF367}" type="datetimeFigureOut">
               <a:rPr lang="en-US" smtClean="0"/>
-              <a:t>11/7/2019</a:t>
+              <a:t>11/15/19</a:t>
             </a:fld>
             <a:endParaRPr lang="en-US"/>
           </a:p>
@@ -683,10 +683,9 @@
           <a:lstStyle/>
           <a:p>
             <a:r>
-              <a:rPr lang="en-US" smtClean="0"/>
+              <a:rPr lang="en-US"/>
               <a:t>Click to edit Master title style</a:t>
             </a:r>
-            <a:endParaRPr lang="en-US"/>
           </a:p>
         </p:txBody>
       </p:sp>
@@ -707,38 +706,37 @@
           <a:p>
             <a:pPr lvl="0"/>
             <a:r>
-              <a:rPr lang="en-US" smtClean="0"/>
+              <a:rPr lang="en-US"/>
               <a:t>Edit Master text styles</a:t>
             </a:r>
           </a:p>
           <a:p>
             <a:pPr lvl="1"/>
             <a:r>
-              <a:rPr lang="en-US" smtClean="0"/>
+              <a:rPr lang="en-US"/>
               <a:t>Second level</a:t>
             </a:r>
           </a:p>
           <a:p>
             <a:pPr lvl="2"/>
             <a:r>
-              <a:rPr lang="en-US" smtClean="0"/>
+              <a:rPr lang="en-US"/>
               <a:t>Third level</a:t>
             </a:r>
           </a:p>
           <a:p>
             <a:pPr lvl="3"/>
             <a:r>
-              <a:rPr lang="en-US" smtClean="0"/>
+              <a:rPr lang="en-US"/>
               <a:t>Fourth level</a:t>
             </a:r>
           </a:p>
           <a:p>
             <a:pPr lvl="4"/>
             <a:r>
-              <a:rPr lang="en-US" smtClean="0"/>
+              <a:rPr lang="en-US"/>
               <a:t>Fifth level</a:t>
             </a:r>
-            <a:endParaRPr lang="en-US"/>
           </a:p>
         </p:txBody>
       </p:sp>
@@ -759,7 +757,7 @@
           <a:p>
             <a:fld id="{326AAFFF-3983-4D95-A34D-288088DDF367}" type="datetimeFigureOut">
               <a:rPr lang="en-US" smtClean="0"/>
-              <a:t>11/7/2019</a:t>
+              <a:t>11/15/19</a:t>
             </a:fld>
             <a:endParaRPr lang="en-US"/>
           </a:p>
@@ -862,10 +860,9 @@
           </a:lstStyle>
           <a:p>
             <a:r>
-              <a:rPr lang="en-US" smtClean="0"/>
+              <a:rPr lang="en-US"/>
               <a:t>Click to edit Master title style</a:t>
             </a:r>
-            <a:endParaRPr lang="en-US"/>
           </a:p>
         </p:txBody>
       </p:sp>
@@ -982,7 +979,7 @@
           <a:p>
             <a:pPr lvl="0"/>
             <a:r>
-              <a:rPr lang="en-US" smtClean="0"/>
+              <a:rPr lang="en-US"/>
               <a:t>Edit Master text styles</a:t>
             </a:r>
           </a:p>
@@ -1005,7 +1002,7 @@
           <a:p>
             <a:fld id="{326AAFFF-3983-4D95-A34D-288088DDF367}" type="datetimeFigureOut">
               <a:rPr lang="en-US" smtClean="0"/>
-              <a:t>11/7/2019</a:t>
+              <a:t>11/15/19</a:t>
             </a:fld>
             <a:endParaRPr lang="en-US"/>
           </a:p>
@@ -1099,10 +1096,9 @@
           <a:lstStyle/>
           <a:p>
             <a:r>
-              <a:rPr lang="en-US" smtClean="0"/>
+              <a:rPr lang="en-US"/>
               <a:t>Click to edit Master title style</a:t>
             </a:r>
-            <a:endParaRPr lang="en-US"/>
           </a:p>
         </p:txBody>
       </p:sp>
@@ -1128,38 +1124,37 @@
           <a:p>
             <a:pPr lvl="0"/>
             <a:r>
-              <a:rPr lang="en-US" smtClean="0"/>
+              <a:rPr lang="en-US"/>
               <a:t>Edit Master text styles</a:t>
             </a:r>
           </a:p>
           <a:p>
             <a:pPr lvl="1"/>
             <a:r>
-              <a:rPr lang="en-US" smtClean="0"/>
+              <a:rPr lang="en-US"/>
               <a:t>Second level</a:t>
             </a:r>
           </a:p>
           <a:p>
             <a:pPr lvl="2"/>
             <a:r>
-              <a:rPr lang="en-US" smtClean="0"/>
+              <a:rPr lang="en-US"/>
               <a:t>Third level</a:t>
             </a:r>
           </a:p>
           <a:p>
             <a:pPr lvl="3"/>
             <a:r>
-              <a:rPr lang="en-US" smtClean="0"/>
+              <a:rPr lang="en-US"/>
               <a:t>Fourth level</a:t>
             </a:r>
           </a:p>
           <a:p>
             <a:pPr lvl="4"/>
             <a:r>
-              <a:rPr lang="en-US" smtClean="0"/>
+              <a:rPr lang="en-US"/>
               <a:t>Fifth level</a:t>
             </a:r>
-            <a:endParaRPr lang="en-US"/>
           </a:p>
         </p:txBody>
       </p:sp>
@@ -1185,38 +1180,37 @@
           <a:p>
             <a:pPr lvl="0"/>
             <a:r>
-              <a:rPr lang="en-US" smtClean="0"/>
+              <a:rPr lang="en-US"/>
               <a:t>Edit Master text styles</a:t>
             </a:r>
           </a:p>
           <a:p>
             <a:pPr lvl="1"/>
             <a:r>
-              <a:rPr lang="en-US" smtClean="0"/>
+              <a:rPr lang="en-US"/>
               <a:t>Second level</a:t>
             </a:r>
           </a:p>
           <a:p>
             <a:pPr lvl="2"/>
             <a:r>
-              <a:rPr lang="en-US" smtClean="0"/>
+              <a:rPr lang="en-US"/>
               <a:t>Third level</a:t>
             </a:r>
           </a:p>
           <a:p>
             <a:pPr lvl="3"/>
             <a:r>
-              <a:rPr lang="en-US" smtClean="0"/>
+              <a:rPr lang="en-US"/>
               <a:t>Fourth level</a:t>
             </a:r>
           </a:p>
           <a:p>
             <a:pPr lvl="4"/>
             <a:r>
-              <a:rPr lang="en-US" smtClean="0"/>
+              <a:rPr lang="en-US"/>
               <a:t>Fifth level</a:t>
             </a:r>
-            <a:endParaRPr lang="en-US"/>
           </a:p>
         </p:txBody>
       </p:sp>
@@ -1237,7 +1231,7 @@
           <a:p>
             <a:fld id="{326AAFFF-3983-4D95-A34D-288088DDF367}" type="datetimeFigureOut">
               <a:rPr lang="en-US" smtClean="0"/>
-              <a:t>11/7/2019</a:t>
+              <a:t>11/15/19</a:t>
             </a:fld>
             <a:endParaRPr lang="en-US"/>
           </a:p>
@@ -1336,10 +1330,9 @@
           <a:lstStyle/>
           <a:p>
             <a:r>
-              <a:rPr lang="en-US" smtClean="0"/>
+              <a:rPr lang="en-US"/>
               <a:t>Click to edit Master title style</a:t>
             </a:r>
-            <a:endParaRPr lang="en-US"/>
           </a:p>
         </p:txBody>
       </p:sp>
@@ -1402,7 +1395,7 @@
           <a:p>
             <a:pPr lvl="0"/>
             <a:r>
-              <a:rPr lang="en-US" smtClean="0"/>
+              <a:rPr lang="en-US"/>
               <a:t>Edit Master text styles</a:t>
             </a:r>
           </a:p>
@@ -1430,38 +1423,37 @@
           <a:p>
             <a:pPr lvl="0"/>
             <a:r>
-              <a:rPr lang="en-US" smtClean="0"/>
+              <a:rPr lang="en-US"/>
               <a:t>Edit Master text styles</a:t>
             </a:r>
           </a:p>
           <a:p>
             <a:pPr lvl="1"/>
             <a:r>
-              <a:rPr lang="en-US" smtClean="0"/>
+              <a:rPr lang="en-US"/>
               <a:t>Second level</a:t>
             </a:r>
           </a:p>
           <a:p>
             <a:pPr lvl="2"/>
             <a:r>
-              <a:rPr lang="en-US" smtClean="0"/>
+              <a:rPr lang="en-US"/>
               <a:t>Third level</a:t>
             </a:r>
           </a:p>
           <a:p>
             <a:pPr lvl="3"/>
             <a:r>
-              <a:rPr lang="en-US" smtClean="0"/>
+              <a:rPr lang="en-US"/>
               <a:t>Fourth level</a:t>
             </a:r>
           </a:p>
           <a:p>
             <a:pPr lvl="4"/>
             <a:r>
-              <a:rPr lang="en-US" smtClean="0"/>
+              <a:rPr lang="en-US"/>
               <a:t>Fifth level</a:t>
             </a:r>
-            <a:endParaRPr lang="en-US"/>
           </a:p>
         </p:txBody>
       </p:sp>
@@ -1524,7 +1516,7 @@
           <a:p>
             <a:pPr lvl="0"/>
             <a:r>
-              <a:rPr lang="en-US" smtClean="0"/>
+              <a:rPr lang="en-US"/>
               <a:t>Edit Master text styles</a:t>
             </a:r>
           </a:p>
@@ -1552,38 +1544,37 @@
           <a:p>
             <a:pPr lvl="0"/>
             <a:r>
-              <a:rPr lang="en-US" smtClean="0"/>
+              <a:rPr lang="en-US"/>
               <a:t>Edit Master text styles</a:t>
             </a:r>
           </a:p>
           <a:p>
             <a:pPr lvl="1"/>
             <a:r>
-              <a:rPr lang="en-US" smtClean="0"/>
+              <a:rPr lang="en-US"/>
               <a:t>Second level</a:t>
             </a:r>
           </a:p>
           <a:p>
             <a:pPr lvl="2"/>
             <a:r>
-              <a:rPr lang="en-US" smtClean="0"/>
+              <a:rPr lang="en-US"/>
               <a:t>Third level</a:t>
             </a:r>
           </a:p>
           <a:p>
             <a:pPr lvl="3"/>
             <a:r>
-              <a:rPr lang="en-US" smtClean="0"/>
+              <a:rPr lang="en-US"/>
               <a:t>Fourth level</a:t>
             </a:r>
           </a:p>
           <a:p>
             <a:pPr lvl="4"/>
             <a:r>
-              <a:rPr lang="en-US" smtClean="0"/>
+              <a:rPr lang="en-US"/>
               <a:t>Fifth level</a:t>
             </a:r>
-            <a:endParaRPr lang="en-US"/>
           </a:p>
         </p:txBody>
       </p:sp>
@@ -1604,7 +1595,7 @@
           <a:p>
             <a:fld id="{326AAFFF-3983-4D95-A34D-288088DDF367}" type="datetimeFigureOut">
               <a:rPr lang="en-US" smtClean="0"/>
-              <a:t>11/7/2019</a:t>
+              <a:t>11/15/19</a:t>
             </a:fld>
             <a:endParaRPr lang="en-US"/>
           </a:p>
@@ -1698,10 +1689,9 @@
           <a:lstStyle/>
           <a:p>
             <a:r>
-              <a:rPr lang="en-US" smtClean="0"/>
+              <a:rPr lang="en-US"/>
               <a:t>Click to edit Master title style</a:t>
             </a:r>
-            <a:endParaRPr lang="en-US"/>
           </a:p>
         </p:txBody>
       </p:sp>
@@ -1722,7 +1712,7 @@
           <a:p>
             <a:fld id="{326AAFFF-3983-4D95-A34D-288088DDF367}" type="datetimeFigureOut">
               <a:rPr lang="en-US" smtClean="0"/>
-              <a:t>11/7/2019</a:t>
+              <a:t>11/15/19</a:t>
             </a:fld>
             <a:endParaRPr lang="en-US"/>
           </a:p>
@@ -1817,7 +1807,7 @@
           <a:p>
             <a:fld id="{326AAFFF-3983-4D95-A34D-288088DDF367}" type="datetimeFigureOut">
               <a:rPr lang="en-US" smtClean="0"/>
-              <a:t>11/7/2019</a:t>
+              <a:t>11/15/19</a:t>
             </a:fld>
             <a:endParaRPr lang="en-US"/>
           </a:p>
@@ -1920,10 +1910,9 @@
           </a:lstStyle>
           <a:p>
             <a:r>
-              <a:rPr lang="en-US" smtClean="0"/>
+              <a:rPr lang="en-US"/>
               <a:t>Click to edit Master title style</a:t>
             </a:r>
-            <a:endParaRPr lang="en-US"/>
           </a:p>
         </p:txBody>
       </p:sp>
@@ -1977,38 +1966,37 @@
           <a:p>
             <a:pPr lvl="0"/>
             <a:r>
-              <a:rPr lang="en-US" smtClean="0"/>
+              <a:rPr lang="en-US"/>
               <a:t>Edit Master text styles</a:t>
             </a:r>
           </a:p>
           <a:p>
             <a:pPr lvl="1"/>
             <a:r>
-              <a:rPr lang="en-US" smtClean="0"/>
+              <a:rPr lang="en-US"/>
               <a:t>Second level</a:t>
             </a:r>
           </a:p>
           <a:p>
             <a:pPr lvl="2"/>
             <a:r>
-              <a:rPr lang="en-US" smtClean="0"/>
+              <a:rPr lang="en-US"/>
               <a:t>Third level</a:t>
             </a:r>
           </a:p>
           <a:p>
             <a:pPr lvl="3"/>
             <a:r>
-              <a:rPr lang="en-US" smtClean="0"/>
+              <a:rPr lang="en-US"/>
               <a:t>Fourth level</a:t>
             </a:r>
           </a:p>
           <a:p>
             <a:pPr lvl="4"/>
             <a:r>
-              <a:rPr lang="en-US" smtClean="0"/>
+              <a:rPr lang="en-US"/>
               <a:t>Fifth level</a:t>
             </a:r>
-            <a:endParaRPr lang="en-US"/>
           </a:p>
         </p:txBody>
       </p:sp>
@@ -2071,7 +2059,7 @@
           <a:p>
             <a:pPr lvl="0"/>
             <a:r>
-              <a:rPr lang="en-US" smtClean="0"/>
+              <a:rPr lang="en-US"/>
               <a:t>Edit Master text styles</a:t>
             </a:r>
           </a:p>
@@ -2094,7 +2082,7 @@
           <a:p>
             <a:fld id="{326AAFFF-3983-4D95-A34D-288088DDF367}" type="datetimeFigureOut">
               <a:rPr lang="en-US" smtClean="0"/>
-              <a:t>11/7/2019</a:t>
+              <a:t>11/15/19</a:t>
             </a:fld>
             <a:endParaRPr lang="en-US"/>
           </a:p>
@@ -2197,10 +2185,9 @@
           </a:lstStyle>
           <a:p>
             <a:r>
-              <a:rPr lang="en-US" smtClean="0"/>
+              <a:rPr lang="en-US"/>
               <a:t>Click to edit Master title style</a:t>
             </a:r>
-            <a:endParaRPr lang="en-US"/>
           </a:p>
         </p:txBody>
       </p:sp>
@@ -2324,7 +2311,7 @@
           <a:p>
             <a:pPr lvl="0"/>
             <a:r>
-              <a:rPr lang="en-US" smtClean="0"/>
+              <a:rPr lang="en-US"/>
               <a:t>Edit Master text styles</a:t>
             </a:r>
           </a:p>
@@ -2347,7 +2334,7 @@
           <a:p>
             <a:fld id="{326AAFFF-3983-4D95-A34D-288088DDF367}" type="datetimeFigureOut">
               <a:rPr lang="en-US" smtClean="0"/>
-              <a:t>11/7/2019</a:t>
+              <a:t>11/15/19</a:t>
             </a:fld>
             <a:endParaRPr lang="en-US"/>
           </a:p>
@@ -2456,10 +2443,9 @@
           <a:lstStyle/>
           <a:p>
             <a:r>
-              <a:rPr lang="en-US" smtClean="0"/>
+              <a:rPr lang="en-US"/>
               <a:t>Click to edit Master title style</a:t>
             </a:r>
-            <a:endParaRPr lang="en-US"/>
           </a:p>
         </p:txBody>
       </p:sp>
@@ -2490,38 +2476,37 @@
           <a:p>
             <a:pPr lvl="0"/>
             <a:r>
-              <a:rPr lang="en-US" smtClean="0"/>
+              <a:rPr lang="en-US"/>
               <a:t>Edit Master text styles</a:t>
             </a:r>
           </a:p>
           <a:p>
             <a:pPr lvl="1"/>
             <a:r>
-              <a:rPr lang="en-US" smtClean="0"/>
+              <a:rPr lang="en-US"/>
               <a:t>Second level</a:t>
             </a:r>
           </a:p>
           <a:p>
             <a:pPr lvl="2"/>
             <a:r>
-              <a:rPr lang="en-US" smtClean="0"/>
+              <a:rPr lang="en-US"/>
               <a:t>Third level</a:t>
             </a:r>
           </a:p>
           <a:p>
             <a:pPr lvl="3"/>
             <a:r>
-              <a:rPr lang="en-US" smtClean="0"/>
+              <a:rPr lang="en-US"/>
               <a:t>Fourth level</a:t>
             </a:r>
           </a:p>
           <a:p>
             <a:pPr lvl="4"/>
             <a:r>
-              <a:rPr lang="en-US" smtClean="0"/>
+              <a:rPr lang="en-US"/>
               <a:t>Fifth level</a:t>
             </a:r>
-            <a:endParaRPr lang="en-US"/>
           </a:p>
         </p:txBody>
       </p:sp>
@@ -2560,7 +2545,7 @@
           <a:p>
             <a:fld id="{326AAFFF-3983-4D95-A34D-288088DDF367}" type="datetimeFigureOut">
               <a:rPr lang="en-US" smtClean="0"/>
-              <a:t>11/7/2019</a:t>
+              <a:t>11/15/19</a:t>
             </a:fld>
             <a:endParaRPr lang="en-US"/>
           </a:p>
@@ -3080,6 +3065,224 @@
 </p:sld>
 </file>
 
+<file path=ppt/slides/slide3.xml><?xml version="1.0" encoding="utf-8"?>
+<p:sld xmlns:a="http://schemas.openxmlformats.org/drawingml/2006/main" xmlns:r="http://schemas.openxmlformats.org/officeDocument/2006/relationships" xmlns:p="http://schemas.openxmlformats.org/presentationml/2006/main">
+  <p:cSld>
+    <p:bg>
+      <p:bgPr>
+        <a:solidFill>
+          <a:schemeClr val="bg1"/>
+        </a:solidFill>
+        <a:effectLst/>
+      </p:bgPr>
+    </p:bg>
+    <p:spTree>
+      <p:nvGrpSpPr>
+        <p:cNvPr id="1" name=""/>
+        <p:cNvGrpSpPr/>
+        <p:nvPr/>
+      </p:nvGrpSpPr>
+      <p:grpSpPr>
+        <a:xfrm>
+          <a:off x="0" y="0"/>
+          <a:ext cx="0" cy="0"/>
+          <a:chOff x="0" y="0"/>
+          <a:chExt cx="0" cy="0"/>
+        </a:xfrm>
+      </p:grpSpPr>
+      <p:pic>
+        <p:nvPicPr>
+          <p:cNvPr id="10" name="Picture 9">
+            <a:extLst>
+              <a:ext uri="{FF2B5EF4-FFF2-40B4-BE49-F238E27FC236}">
+                <a16:creationId xmlns:a16="http://schemas.microsoft.com/office/drawing/2014/main" id="{61D260CB-7FD5-7F47-AEE6-A5A02680044C}"/>
+              </a:ext>
+            </a:extLst>
+          </p:cNvPr>
+          <p:cNvPicPr>
+            <a:picLocks noChangeAspect="1"/>
+          </p:cNvPicPr>
+          <p:nvPr/>
+        </p:nvPicPr>
+        <p:blipFill>
+          <a:blip r:embed="rId2">
+            <a:extLst>
+              <a:ext uri="{28A0092B-C50C-407E-A947-70E740481C1C}">
+                <a14:useLocalDpi xmlns:a14="http://schemas.microsoft.com/office/drawing/2010/main" val="0"/>
+              </a:ext>
+            </a:extLst>
+          </a:blip>
+          <a:stretch>
+            <a:fillRect/>
+          </a:stretch>
+        </p:blipFill>
+        <p:spPr>
+          <a:xfrm>
+            <a:off x="643467" y="863034"/>
+            <a:ext cx="3278292" cy="2185527"/>
+          </a:xfrm>
+          <a:prstGeom prst="rect">
+            <a:avLst/>
+          </a:prstGeom>
+        </p:spPr>
+      </p:pic>
+      <p:pic>
+        <p:nvPicPr>
+          <p:cNvPr id="13" name="Picture 12">
+            <a:extLst>
+              <a:ext uri="{FF2B5EF4-FFF2-40B4-BE49-F238E27FC236}">
+                <a16:creationId xmlns:a16="http://schemas.microsoft.com/office/drawing/2014/main" id="{0C280DEE-AB9A-D244-8BDB-A700E941D608}"/>
+              </a:ext>
+            </a:extLst>
+          </p:cNvPr>
+          <p:cNvPicPr>
+            <a:picLocks noChangeAspect="1"/>
+          </p:cNvPicPr>
+          <p:nvPr/>
+        </p:nvPicPr>
+        <p:blipFill>
+          <a:blip r:embed="rId3">
+            <a:extLst>
+              <a:ext uri="{28A0092B-C50C-407E-A947-70E740481C1C}">
+                <a14:useLocalDpi xmlns:a14="http://schemas.microsoft.com/office/drawing/2010/main" val="0"/>
+              </a:ext>
+            </a:extLst>
+          </a:blip>
+          <a:stretch>
+            <a:fillRect/>
+          </a:stretch>
+        </p:blipFill>
+        <p:spPr>
+          <a:xfrm>
+            <a:off x="3617191" y="875874"/>
+            <a:ext cx="3239769" cy="2159845"/>
+          </a:xfrm>
+          <a:prstGeom prst="rect">
+            <a:avLst/>
+          </a:prstGeom>
+        </p:spPr>
+      </p:pic>
+      <p:pic>
+        <p:nvPicPr>
+          <p:cNvPr id="19" name="Picture 18">
+            <a:extLst>
+              <a:ext uri="{FF2B5EF4-FFF2-40B4-BE49-F238E27FC236}">
+                <a16:creationId xmlns:a16="http://schemas.microsoft.com/office/drawing/2014/main" id="{9C30CE2E-A4F1-904F-BB2C-E8DFAF948F6C}"/>
+              </a:ext>
+            </a:extLst>
+          </p:cNvPr>
+          <p:cNvPicPr>
+            <a:picLocks noChangeAspect="1"/>
+          </p:cNvPicPr>
+          <p:nvPr/>
+        </p:nvPicPr>
+        <p:blipFill>
+          <a:blip r:embed="rId4">
+            <a:extLst>
+              <a:ext uri="{28A0092B-C50C-407E-A947-70E740481C1C}">
+                <a14:useLocalDpi xmlns:a14="http://schemas.microsoft.com/office/drawing/2010/main" val="0"/>
+              </a:ext>
+            </a:extLst>
+          </a:blip>
+          <a:stretch>
+            <a:fillRect/>
+          </a:stretch>
+        </p:blipFill>
+        <p:spPr>
+          <a:xfrm>
+            <a:off x="643467" y="3061401"/>
+            <a:ext cx="3278292" cy="2185527"/>
+          </a:xfrm>
+          <a:prstGeom prst="rect">
+            <a:avLst/>
+          </a:prstGeom>
+        </p:spPr>
+      </p:pic>
+      <p:pic>
+        <p:nvPicPr>
+          <p:cNvPr id="17" name="Picture 16">
+            <a:extLst>
+              <a:ext uri="{FF2B5EF4-FFF2-40B4-BE49-F238E27FC236}">
+                <a16:creationId xmlns:a16="http://schemas.microsoft.com/office/drawing/2014/main" id="{3EEC0829-6EC8-2642-B0D5-51130A3B631C}"/>
+              </a:ext>
+            </a:extLst>
+          </p:cNvPr>
+          <p:cNvPicPr>
+            <a:picLocks noChangeAspect="1"/>
+          </p:cNvPicPr>
+          <p:nvPr/>
+        </p:nvPicPr>
+        <p:blipFill>
+          <a:blip r:embed="rId5">
+            <a:extLst>
+              <a:ext uri="{28A0092B-C50C-407E-A947-70E740481C1C}">
+                <a14:useLocalDpi xmlns:a14="http://schemas.microsoft.com/office/drawing/2010/main" val="0"/>
+              </a:ext>
+            </a:extLst>
+          </a:blip>
+          <a:stretch>
+            <a:fillRect/>
+          </a:stretch>
+        </p:blipFill>
+        <p:spPr>
+          <a:xfrm>
+            <a:off x="3597154" y="3063686"/>
+            <a:ext cx="3239769" cy="2159845"/>
+          </a:xfrm>
+          <a:prstGeom prst="rect">
+            <a:avLst/>
+          </a:prstGeom>
+        </p:spPr>
+      </p:pic>
+      <p:pic>
+        <p:nvPicPr>
+          <p:cNvPr id="15" name="Picture 14">
+            <a:extLst>
+              <a:ext uri="{FF2B5EF4-FFF2-40B4-BE49-F238E27FC236}">
+                <a16:creationId xmlns:a16="http://schemas.microsoft.com/office/drawing/2014/main" id="{55A57FD8-0C04-F04F-ACB3-0681CA52C072}"/>
+              </a:ext>
+            </a:extLst>
+          </p:cNvPr>
+          <p:cNvPicPr>
+            <a:picLocks noChangeAspect="1"/>
+          </p:cNvPicPr>
+          <p:nvPr/>
+        </p:nvPicPr>
+        <p:blipFill>
+          <a:blip r:embed="rId6">
+            <a:extLst>
+              <a:ext uri="{28A0092B-C50C-407E-A947-70E740481C1C}">
+                <a14:useLocalDpi xmlns:a14="http://schemas.microsoft.com/office/drawing/2010/main" val="0"/>
+              </a:ext>
+            </a:extLst>
+          </a:blip>
+          <a:stretch>
+            <a:fillRect/>
+          </a:stretch>
+        </p:blipFill>
+        <p:spPr>
+          <a:xfrm>
+            <a:off x="6589969" y="1814698"/>
+            <a:ext cx="3743538" cy="2495691"/>
+          </a:xfrm>
+          <a:prstGeom prst="rect">
+            <a:avLst/>
+          </a:prstGeom>
+        </p:spPr>
+      </p:pic>
+    </p:spTree>
+    <p:extLst>
+      <p:ext uri="{BB962C8B-B14F-4D97-AF65-F5344CB8AC3E}">
+        <p14:creationId xmlns:p14="http://schemas.microsoft.com/office/powerpoint/2010/main" val="2111069386"/>
+      </p:ext>
+    </p:extLst>
+  </p:cSld>
+  <p:clrMapOvr>
+    <a:masterClrMapping/>
+  </p:clrMapOvr>
+</p:sld>
+</file>
+
 <file path=ppt/theme/theme1.xml><?xml version="1.0" encoding="utf-8"?>
 <a:theme xmlns:a="http://schemas.openxmlformats.org/drawingml/2006/main" name="Office Theme">
   <a:themeElements>

--- a/report/PicSource.pptx
+++ b/report/PicSource.pptx
@@ -3092,10 +3092,10 @@
       </p:grpSpPr>
       <p:pic>
         <p:nvPicPr>
-          <p:cNvPr id="10" name="Picture 9">
+          <p:cNvPr id="3" name="Picture 2">
             <a:extLst>
               <a:ext uri="{FF2B5EF4-FFF2-40B4-BE49-F238E27FC236}">
-                <a16:creationId xmlns:a16="http://schemas.microsoft.com/office/drawing/2014/main" id="{61D260CB-7FD5-7F47-AEE6-A5A02680044C}"/>
+                <a16:creationId xmlns:a16="http://schemas.microsoft.com/office/drawing/2014/main" id="{A8B877D2-DB70-1D46-8E9E-3211C961D986}"/>
               </a:ext>
             </a:extLst>
           </p:cNvPr>
@@ -3118,7 +3118,7 @@
         </p:blipFill>
         <p:spPr>
           <a:xfrm>
-            <a:off x="643467" y="863034"/>
+            <a:off x="643467" y="920186"/>
             <a:ext cx="3278292" cy="2185527"/>
           </a:xfrm>
           <a:prstGeom prst="rect">
@@ -3128,10 +3128,10 @@
       </p:pic>
       <p:pic>
         <p:nvPicPr>
-          <p:cNvPr id="13" name="Picture 12">
+          <p:cNvPr id="19" name="Picture 18">
             <a:extLst>
               <a:ext uri="{FF2B5EF4-FFF2-40B4-BE49-F238E27FC236}">
-                <a16:creationId xmlns:a16="http://schemas.microsoft.com/office/drawing/2014/main" id="{0C280DEE-AB9A-D244-8BDB-A700E941D608}"/>
+                <a16:creationId xmlns:a16="http://schemas.microsoft.com/office/drawing/2014/main" id="{9C30CE2E-A4F1-904F-BB2C-E8DFAF948F6C}"/>
               </a:ext>
             </a:extLst>
           </p:cNvPr>
@@ -3154,8 +3154,8 @@
         </p:blipFill>
         <p:spPr>
           <a:xfrm>
-            <a:off x="3617191" y="875874"/>
-            <a:ext cx="3239769" cy="2159845"/>
+            <a:off x="4243493" y="765103"/>
+            <a:ext cx="3743538" cy="2495691"/>
           </a:xfrm>
           <a:prstGeom prst="rect">
             <a:avLst/>
@@ -3164,10 +3164,10 @@
       </p:pic>
       <p:pic>
         <p:nvPicPr>
-          <p:cNvPr id="19" name="Picture 18">
+          <p:cNvPr id="10" name="Picture 9">
             <a:extLst>
               <a:ext uri="{FF2B5EF4-FFF2-40B4-BE49-F238E27FC236}">
-                <a16:creationId xmlns:a16="http://schemas.microsoft.com/office/drawing/2014/main" id="{9C30CE2E-A4F1-904F-BB2C-E8DFAF948F6C}"/>
+                <a16:creationId xmlns:a16="http://schemas.microsoft.com/office/drawing/2014/main" id="{61D260CB-7FD5-7F47-AEE6-A5A02680044C}"/>
               </a:ext>
             </a:extLst>
           </p:cNvPr>
@@ -3190,8 +3190,8 @@
         </p:blipFill>
         <p:spPr>
           <a:xfrm>
-            <a:off x="643467" y="3061401"/>
-            <a:ext cx="3278292" cy="2185527"/>
+            <a:off x="8308764" y="933026"/>
+            <a:ext cx="3239769" cy="2159845"/>
           </a:xfrm>
           <a:prstGeom prst="rect">
             <a:avLst/>
@@ -3226,8 +3226,8 @@
         </p:blipFill>
         <p:spPr>
           <a:xfrm>
-            <a:off x="3597154" y="3063686"/>
-            <a:ext cx="3239769" cy="2159845"/>
+            <a:off x="643467" y="3423662"/>
+            <a:ext cx="3278292" cy="2185527"/>
           </a:xfrm>
           <a:prstGeom prst="rect">
             <a:avLst/>
@@ -3262,8 +3262,44 @@
         </p:blipFill>
         <p:spPr>
           <a:xfrm>
-            <a:off x="6589969" y="1814698"/>
+            <a:off x="4243494" y="3278244"/>
             <a:ext cx="3743538" cy="2495691"/>
+          </a:xfrm>
+          <a:prstGeom prst="rect">
+            <a:avLst/>
+          </a:prstGeom>
+        </p:spPr>
+      </p:pic>
+      <p:pic>
+        <p:nvPicPr>
+          <p:cNvPr id="13" name="Picture 12">
+            <a:extLst>
+              <a:ext uri="{FF2B5EF4-FFF2-40B4-BE49-F238E27FC236}">
+                <a16:creationId xmlns:a16="http://schemas.microsoft.com/office/drawing/2014/main" id="{0C280DEE-AB9A-D244-8BDB-A700E941D608}"/>
+              </a:ext>
+            </a:extLst>
+          </p:cNvPr>
+          <p:cNvPicPr>
+            <a:picLocks noChangeAspect="1"/>
+          </p:cNvPicPr>
+          <p:nvPr/>
+        </p:nvPicPr>
+        <p:blipFill>
+          <a:blip r:embed="rId7">
+            <a:extLst>
+              <a:ext uri="{28A0092B-C50C-407E-A947-70E740481C1C}">
+                <a14:useLocalDpi xmlns:a14="http://schemas.microsoft.com/office/drawing/2010/main" val="0"/>
+              </a:ext>
+            </a:extLst>
+          </a:blip>
+          <a:stretch>
+            <a:fillRect/>
+          </a:stretch>
+        </p:blipFill>
+        <p:spPr>
+          <a:xfrm>
+            <a:off x="8308763" y="3446166"/>
+            <a:ext cx="3239769" cy="2159845"/>
           </a:xfrm>
           <a:prstGeom prst="rect">
             <a:avLst/>

--- a/report/PicSource.pptx
+++ b/report/PicSource.pptx
@@ -6,8 +6,7 @@
   </p:sldMasterIdLst>
   <p:sldIdLst>
     <p:sldId id="256" r:id="rId2"/>
-    <p:sldId id="257" r:id="rId3"/>
-    <p:sldId id="258" r:id="rId4"/>
+    <p:sldId id="258" r:id="rId3"/>
   </p:sldIdLst>
   <p:sldSz cx="12192000" cy="6858000"/>
   <p:notesSz cx="6858000" cy="9144000"/>
@@ -243,7 +242,7 @@
           <a:p>
             <a:fld id="{326AAFFF-3983-4D95-A34D-288088DDF367}" type="datetimeFigureOut">
               <a:rPr lang="en-US" smtClean="0"/>
-              <a:t>11/15/19</a:t>
+              <a:t>11/25/2019</a:t>
             </a:fld>
             <a:endParaRPr lang="en-US"/>
           </a:p>
@@ -411,7 +410,7 @@
           <a:p>
             <a:fld id="{326AAFFF-3983-4D95-A34D-288088DDF367}" type="datetimeFigureOut">
               <a:rPr lang="en-US" smtClean="0"/>
-              <a:t>11/15/19</a:t>
+              <a:t>11/25/2019</a:t>
             </a:fld>
             <a:endParaRPr lang="en-US"/>
           </a:p>
@@ -589,7 +588,7 @@
           <a:p>
             <a:fld id="{326AAFFF-3983-4D95-A34D-288088DDF367}" type="datetimeFigureOut">
               <a:rPr lang="en-US" smtClean="0"/>
-              <a:t>11/15/19</a:t>
+              <a:t>11/25/2019</a:t>
             </a:fld>
             <a:endParaRPr lang="en-US"/>
           </a:p>
@@ -757,7 +756,7 @@
           <a:p>
             <a:fld id="{326AAFFF-3983-4D95-A34D-288088DDF367}" type="datetimeFigureOut">
               <a:rPr lang="en-US" smtClean="0"/>
-              <a:t>11/15/19</a:t>
+              <a:t>11/25/2019</a:t>
             </a:fld>
             <a:endParaRPr lang="en-US"/>
           </a:p>
@@ -1002,7 +1001,7 @@
           <a:p>
             <a:fld id="{326AAFFF-3983-4D95-A34D-288088DDF367}" type="datetimeFigureOut">
               <a:rPr lang="en-US" smtClean="0"/>
-              <a:t>11/15/19</a:t>
+              <a:t>11/25/2019</a:t>
             </a:fld>
             <a:endParaRPr lang="en-US"/>
           </a:p>
@@ -1231,7 +1230,7 @@
           <a:p>
             <a:fld id="{326AAFFF-3983-4D95-A34D-288088DDF367}" type="datetimeFigureOut">
               <a:rPr lang="en-US" smtClean="0"/>
-              <a:t>11/15/19</a:t>
+              <a:t>11/25/2019</a:t>
             </a:fld>
             <a:endParaRPr lang="en-US"/>
           </a:p>
@@ -1595,7 +1594,7 @@
           <a:p>
             <a:fld id="{326AAFFF-3983-4D95-A34D-288088DDF367}" type="datetimeFigureOut">
               <a:rPr lang="en-US" smtClean="0"/>
-              <a:t>11/15/19</a:t>
+              <a:t>11/25/2019</a:t>
             </a:fld>
             <a:endParaRPr lang="en-US"/>
           </a:p>
@@ -1712,7 +1711,7 @@
           <a:p>
             <a:fld id="{326AAFFF-3983-4D95-A34D-288088DDF367}" type="datetimeFigureOut">
               <a:rPr lang="en-US" smtClean="0"/>
-              <a:t>11/15/19</a:t>
+              <a:t>11/25/2019</a:t>
             </a:fld>
             <a:endParaRPr lang="en-US"/>
           </a:p>
@@ -1807,7 +1806,7 @@
           <a:p>
             <a:fld id="{326AAFFF-3983-4D95-A34D-288088DDF367}" type="datetimeFigureOut">
               <a:rPr lang="en-US" smtClean="0"/>
-              <a:t>11/15/19</a:t>
+              <a:t>11/25/2019</a:t>
             </a:fld>
             <a:endParaRPr lang="en-US"/>
           </a:p>
@@ -2082,7 +2081,7 @@
           <a:p>
             <a:fld id="{326AAFFF-3983-4D95-A34D-288088DDF367}" type="datetimeFigureOut">
               <a:rPr lang="en-US" smtClean="0"/>
-              <a:t>11/15/19</a:t>
+              <a:t>11/25/2019</a:t>
             </a:fld>
             <a:endParaRPr lang="en-US"/>
           </a:p>
@@ -2334,7 +2333,7 @@
           <a:p>
             <a:fld id="{326AAFFF-3983-4D95-A34D-288088DDF367}" type="datetimeFigureOut">
               <a:rPr lang="en-US" smtClean="0"/>
-              <a:t>11/15/19</a:t>
+              <a:t>11/25/2019</a:t>
             </a:fld>
             <a:endParaRPr lang="en-US"/>
           </a:p>
@@ -2545,7 +2544,7 @@
           <a:p>
             <a:fld id="{326AAFFF-3983-4D95-A34D-288088DDF367}" type="datetimeFigureOut">
               <a:rPr lang="en-US" smtClean="0"/>
-              <a:t>11/15/19</a:t>
+              <a:t>11/25/2019</a:t>
             </a:fld>
             <a:endParaRPr lang="en-US"/>
           </a:p>
@@ -2952,7 +2951,7 @@
       </p:grpSpPr>
       <p:pic>
         <p:nvPicPr>
-          <p:cNvPr id="4" name="Picture 3"/>
+          <p:cNvPr id="2" name="Picture 1"/>
           <p:cNvPicPr>
             <a:picLocks noChangeAspect="1"/>
           </p:cNvPicPr>
@@ -2966,8 +2965,8 @@
         </p:blipFill>
         <p:spPr>
           <a:xfrm>
-            <a:off x="2110593" y="1015653"/>
-            <a:ext cx="8370748" cy="5324538"/>
+            <a:off x="3760374" y="1983140"/>
+            <a:ext cx="4658008" cy="2794805"/>
           </a:xfrm>
           <a:prstGeom prst="rect">
             <a:avLst/>
@@ -2984,88 +2983,17 @@
   <p:clrMapOvr>
     <a:masterClrMapping/>
   </p:clrMapOvr>
+  <p:timing>
+    <p:tnLst>
+      <p:par>
+        <p:cTn id="1" dur="indefinite" restart="never" nodeType="tmRoot"/>
+      </p:par>
+    </p:tnLst>
+  </p:timing>
 </p:sld>
 </file>
 
 <file path=ppt/slides/slide2.xml><?xml version="1.0" encoding="utf-8"?>
-<p:sld xmlns:a="http://schemas.openxmlformats.org/drawingml/2006/main" xmlns:r="http://schemas.openxmlformats.org/officeDocument/2006/relationships" xmlns:p="http://schemas.openxmlformats.org/presentationml/2006/main">
-  <p:cSld>
-    <p:spTree>
-      <p:nvGrpSpPr>
-        <p:cNvPr id="1" name=""/>
-        <p:cNvGrpSpPr/>
-        <p:nvPr/>
-      </p:nvGrpSpPr>
-      <p:grpSpPr>
-        <a:xfrm>
-          <a:off x="0" y="0"/>
-          <a:ext cx="0" cy="0"/>
-          <a:chOff x="0" y="0"/>
-          <a:chExt cx="0" cy="0"/>
-        </a:xfrm>
-      </p:grpSpPr>
-      <p:pic>
-        <p:nvPicPr>
-          <p:cNvPr id="4" name="Picture 3"/>
-          <p:cNvPicPr>
-            <a:picLocks noChangeAspect="1"/>
-          </p:cNvPicPr>
-          <p:nvPr/>
-        </p:nvPicPr>
-        <p:blipFill>
-          <a:blip r:embed="rId2"/>
-          <a:stretch>
-            <a:fillRect/>
-          </a:stretch>
-        </p:blipFill>
-        <p:spPr>
-          <a:xfrm>
-            <a:off x="5615144" y="1763083"/>
-            <a:ext cx="4435653" cy="2743438"/>
-          </a:xfrm>
-          <a:prstGeom prst="rect">
-            <a:avLst/>
-          </a:prstGeom>
-        </p:spPr>
-      </p:pic>
-      <p:pic>
-        <p:nvPicPr>
-          <p:cNvPr id="5" name="Picture 4"/>
-          <p:cNvPicPr>
-            <a:picLocks noChangeAspect="1"/>
-          </p:cNvPicPr>
-          <p:nvPr/>
-        </p:nvPicPr>
-        <p:blipFill>
-          <a:blip r:embed="rId3"/>
-          <a:stretch>
-            <a:fillRect/>
-          </a:stretch>
-        </p:blipFill>
-        <p:spPr>
-          <a:xfrm>
-            <a:off x="1042749" y="1763083"/>
-            <a:ext cx="4572396" cy="2743438"/>
-          </a:xfrm>
-          <a:prstGeom prst="rect">
-            <a:avLst/>
-          </a:prstGeom>
-        </p:spPr>
-      </p:pic>
-    </p:spTree>
-    <p:extLst>
-      <p:ext uri="{BB962C8B-B14F-4D97-AF65-F5344CB8AC3E}">
-        <p14:creationId xmlns:p14="http://schemas.microsoft.com/office/powerpoint/2010/main" val="3369940055"/>
-      </p:ext>
-    </p:extLst>
-  </p:cSld>
-  <p:clrMapOvr>
-    <a:masterClrMapping/>
-  </p:clrMapOvr>
-</p:sld>
-</file>
-
-<file path=ppt/slides/slide3.xml><?xml version="1.0" encoding="utf-8"?>
 <p:sld xmlns:a="http://schemas.openxmlformats.org/drawingml/2006/main" xmlns:r="http://schemas.openxmlformats.org/officeDocument/2006/relationships" xmlns:p="http://schemas.openxmlformats.org/presentationml/2006/main">
   <p:cSld>
     <p:bg>
@@ -3316,6 +3244,13 @@
   <p:clrMapOvr>
     <a:masterClrMapping/>
   </p:clrMapOvr>
+  <p:timing>
+    <p:tnLst>
+      <p:par>
+        <p:cTn id="1" dur="indefinite" restart="never" nodeType="tmRoot"/>
+      </p:par>
+    </p:tnLst>
+  </p:timing>
 </p:sld>
 </file>
 

--- a/report/PicSource.pptx
+++ b/report/PicSource.pptx
@@ -7,9 +7,10 @@
   <p:sldIdLst>
     <p:sldId id="256" r:id="rId2"/>
     <p:sldId id="258" r:id="rId3"/>
+    <p:sldId id="259" r:id="rId4"/>
   </p:sldIdLst>
   <p:sldSz cx="12192000" cy="6858000"/>
-  <p:notesSz cx="6858000" cy="9144000"/>
+  <p:notesSz cx="7315200" cy="9601200"/>
   <p:defaultTextStyle>
     <a:defPPr>
       <a:defRPr lang="en-US"/>
@@ -242,7 +243,7 @@
           <a:p>
             <a:fld id="{326AAFFF-3983-4D95-A34D-288088DDF367}" type="datetimeFigureOut">
               <a:rPr lang="en-US" smtClean="0"/>
-              <a:t>11/25/2019</a:t>
+              <a:t>12/2/2019</a:t>
             </a:fld>
             <a:endParaRPr lang="en-US"/>
           </a:p>
@@ -410,7 +411,7 @@
           <a:p>
             <a:fld id="{326AAFFF-3983-4D95-A34D-288088DDF367}" type="datetimeFigureOut">
               <a:rPr lang="en-US" smtClean="0"/>
-              <a:t>11/25/2019</a:t>
+              <a:t>12/2/2019</a:t>
             </a:fld>
             <a:endParaRPr lang="en-US"/>
           </a:p>
@@ -588,7 +589,7 @@
           <a:p>
             <a:fld id="{326AAFFF-3983-4D95-A34D-288088DDF367}" type="datetimeFigureOut">
               <a:rPr lang="en-US" smtClean="0"/>
-              <a:t>11/25/2019</a:t>
+              <a:t>12/2/2019</a:t>
             </a:fld>
             <a:endParaRPr lang="en-US"/>
           </a:p>
@@ -756,7 +757,7 @@
           <a:p>
             <a:fld id="{326AAFFF-3983-4D95-A34D-288088DDF367}" type="datetimeFigureOut">
               <a:rPr lang="en-US" smtClean="0"/>
-              <a:t>11/25/2019</a:t>
+              <a:t>12/2/2019</a:t>
             </a:fld>
             <a:endParaRPr lang="en-US"/>
           </a:p>
@@ -1001,7 +1002,7 @@
           <a:p>
             <a:fld id="{326AAFFF-3983-4D95-A34D-288088DDF367}" type="datetimeFigureOut">
               <a:rPr lang="en-US" smtClean="0"/>
-              <a:t>11/25/2019</a:t>
+              <a:t>12/2/2019</a:t>
             </a:fld>
             <a:endParaRPr lang="en-US"/>
           </a:p>
@@ -1230,7 +1231,7 @@
           <a:p>
             <a:fld id="{326AAFFF-3983-4D95-A34D-288088DDF367}" type="datetimeFigureOut">
               <a:rPr lang="en-US" smtClean="0"/>
-              <a:t>11/25/2019</a:t>
+              <a:t>12/2/2019</a:t>
             </a:fld>
             <a:endParaRPr lang="en-US"/>
           </a:p>
@@ -1594,7 +1595,7 @@
           <a:p>
             <a:fld id="{326AAFFF-3983-4D95-A34D-288088DDF367}" type="datetimeFigureOut">
               <a:rPr lang="en-US" smtClean="0"/>
-              <a:t>11/25/2019</a:t>
+              <a:t>12/2/2019</a:t>
             </a:fld>
             <a:endParaRPr lang="en-US"/>
           </a:p>
@@ -1711,7 +1712,7 @@
           <a:p>
             <a:fld id="{326AAFFF-3983-4D95-A34D-288088DDF367}" type="datetimeFigureOut">
               <a:rPr lang="en-US" smtClean="0"/>
-              <a:t>11/25/2019</a:t>
+              <a:t>12/2/2019</a:t>
             </a:fld>
             <a:endParaRPr lang="en-US"/>
           </a:p>
@@ -1806,7 +1807,7 @@
           <a:p>
             <a:fld id="{326AAFFF-3983-4D95-A34D-288088DDF367}" type="datetimeFigureOut">
               <a:rPr lang="en-US" smtClean="0"/>
-              <a:t>11/25/2019</a:t>
+              <a:t>12/2/2019</a:t>
             </a:fld>
             <a:endParaRPr lang="en-US"/>
           </a:p>
@@ -2081,7 +2082,7 @@
           <a:p>
             <a:fld id="{326AAFFF-3983-4D95-A34D-288088DDF367}" type="datetimeFigureOut">
               <a:rPr lang="en-US" smtClean="0"/>
-              <a:t>11/25/2019</a:t>
+              <a:t>12/2/2019</a:t>
             </a:fld>
             <a:endParaRPr lang="en-US"/>
           </a:p>
@@ -2333,7 +2334,7 @@
           <a:p>
             <a:fld id="{326AAFFF-3983-4D95-A34D-288088DDF367}" type="datetimeFigureOut">
               <a:rPr lang="en-US" smtClean="0"/>
-              <a:t>11/25/2019</a:t>
+              <a:t>12/2/2019</a:t>
             </a:fld>
             <a:endParaRPr lang="en-US"/>
           </a:p>
@@ -2544,7 +2545,7 @@
           <a:p>
             <a:fld id="{326AAFFF-3983-4D95-A34D-288088DDF367}" type="datetimeFigureOut">
               <a:rPr lang="en-US" smtClean="0"/>
-              <a:t>11/25/2019</a:t>
+              <a:t>12/2/2019</a:t>
             </a:fld>
             <a:endParaRPr lang="en-US"/>
           </a:p>
@@ -3254,6 +3255,186 @@
 </p:sld>
 </file>
 
+<file path=ppt/slides/slide3.xml><?xml version="1.0" encoding="utf-8"?>
+<p:sld xmlns:a="http://schemas.openxmlformats.org/drawingml/2006/main" xmlns:r="http://schemas.openxmlformats.org/officeDocument/2006/relationships" xmlns:p="http://schemas.openxmlformats.org/presentationml/2006/main">
+  <p:cSld>
+    <p:spTree>
+      <p:nvGrpSpPr>
+        <p:cNvPr id="1" name=""/>
+        <p:cNvGrpSpPr/>
+        <p:nvPr/>
+      </p:nvGrpSpPr>
+      <p:grpSpPr>
+        <a:xfrm>
+          <a:off x="0" y="0"/>
+          <a:ext cx="0" cy="0"/>
+          <a:chOff x="0" y="0"/>
+          <a:chExt cx="0" cy="0"/>
+        </a:xfrm>
+      </p:grpSpPr>
+      <p:pic>
+        <p:nvPicPr>
+          <p:cNvPr id="9" name="Picture 8"/>
+          <p:cNvPicPr>
+            <a:picLocks noChangeAspect="1"/>
+          </p:cNvPicPr>
+          <p:nvPr/>
+        </p:nvPicPr>
+        <p:blipFill>
+          <a:blip r:embed="rId2">
+            <a:extLst>
+              <a:ext uri="{28A0092B-C50C-407E-A947-70E740481C1C}">
+                <a14:useLocalDpi xmlns:a14="http://schemas.microsoft.com/office/drawing/2010/main" val="0"/>
+              </a:ext>
+            </a:extLst>
+          </a:blip>
+          <a:stretch>
+            <a:fillRect/>
+          </a:stretch>
+        </p:blipFill>
+        <p:spPr>
+          <a:xfrm>
+            <a:off x="650166" y="314683"/>
+            <a:ext cx="3806506" cy="2537670"/>
+          </a:xfrm>
+          <a:prstGeom prst="rect">
+            <a:avLst/>
+          </a:prstGeom>
+        </p:spPr>
+      </p:pic>
+      <p:pic>
+        <p:nvPicPr>
+          <p:cNvPr id="12" name="Picture 11"/>
+          <p:cNvPicPr>
+            <a:picLocks noChangeAspect="1"/>
+          </p:cNvPicPr>
+          <p:nvPr/>
+        </p:nvPicPr>
+        <p:blipFill>
+          <a:blip r:embed="rId3">
+            <a:extLst>
+              <a:ext uri="{28A0092B-C50C-407E-A947-70E740481C1C}">
+                <a14:useLocalDpi xmlns:a14="http://schemas.microsoft.com/office/drawing/2010/main" val="0"/>
+              </a:ext>
+            </a:extLst>
+          </a:blip>
+          <a:stretch>
+            <a:fillRect/>
+          </a:stretch>
+        </p:blipFill>
+        <p:spPr>
+          <a:xfrm>
+            <a:off x="1918794" y="2852353"/>
+            <a:ext cx="3806503" cy="2537669"/>
+          </a:xfrm>
+          <a:prstGeom prst="rect">
+            <a:avLst/>
+          </a:prstGeom>
+        </p:spPr>
+      </p:pic>
+      <p:pic>
+        <p:nvPicPr>
+          <p:cNvPr id="11" name="Picture 10"/>
+          <p:cNvPicPr>
+            <a:picLocks noChangeAspect="1"/>
+          </p:cNvPicPr>
+          <p:nvPr/>
+        </p:nvPicPr>
+        <p:blipFill>
+          <a:blip r:embed="rId4">
+            <a:extLst>
+              <a:ext uri="{28A0092B-C50C-407E-A947-70E740481C1C}">
+                <a14:useLocalDpi xmlns:a14="http://schemas.microsoft.com/office/drawing/2010/main" val="0"/>
+              </a:ext>
+            </a:extLst>
+          </a:blip>
+          <a:stretch>
+            <a:fillRect/>
+          </a:stretch>
+        </p:blipFill>
+        <p:spPr>
+          <a:xfrm>
+            <a:off x="4169783" y="314684"/>
+            <a:ext cx="3806505" cy="2537669"/>
+          </a:xfrm>
+          <a:prstGeom prst="rect">
+            <a:avLst/>
+          </a:prstGeom>
+        </p:spPr>
+      </p:pic>
+      <p:pic>
+        <p:nvPicPr>
+          <p:cNvPr id="10" name="Picture 9"/>
+          <p:cNvPicPr>
+            <a:picLocks noChangeAspect="1"/>
+          </p:cNvPicPr>
+          <p:nvPr/>
+        </p:nvPicPr>
+        <p:blipFill>
+          <a:blip r:embed="rId5">
+            <a:extLst>
+              <a:ext uri="{28A0092B-C50C-407E-A947-70E740481C1C}">
+                <a14:useLocalDpi xmlns:a14="http://schemas.microsoft.com/office/drawing/2010/main" val="0"/>
+              </a:ext>
+            </a:extLst>
+          </a:blip>
+          <a:stretch>
+            <a:fillRect/>
+          </a:stretch>
+        </p:blipFill>
+        <p:spPr>
+          <a:xfrm>
+            <a:off x="7689398" y="314683"/>
+            <a:ext cx="3806505" cy="2537670"/>
+          </a:xfrm>
+          <a:prstGeom prst="rect">
+            <a:avLst/>
+          </a:prstGeom>
+        </p:spPr>
+      </p:pic>
+      <p:pic>
+        <p:nvPicPr>
+          <p:cNvPr id="13" name="Picture 12"/>
+          <p:cNvPicPr>
+            <a:picLocks noChangeAspect="1"/>
+          </p:cNvPicPr>
+          <p:nvPr/>
+        </p:nvPicPr>
+        <p:blipFill>
+          <a:blip r:embed="rId2">
+            <a:extLst>
+              <a:ext uri="{28A0092B-C50C-407E-A947-70E740481C1C}">
+                <a14:useLocalDpi xmlns:a14="http://schemas.microsoft.com/office/drawing/2010/main" val="0"/>
+              </a:ext>
+            </a:extLst>
+          </a:blip>
+          <a:stretch>
+            <a:fillRect/>
+          </a:stretch>
+        </p:blipFill>
+        <p:spPr>
+          <a:xfrm>
+            <a:off x="5438411" y="2852354"/>
+            <a:ext cx="3806503" cy="2537668"/>
+          </a:xfrm>
+          <a:prstGeom prst="rect">
+            <a:avLst/>
+          </a:prstGeom>
+        </p:spPr>
+      </p:pic>
+    </p:spTree>
+    <p:extLst>
+      <p:ext uri="{BB962C8B-B14F-4D97-AF65-F5344CB8AC3E}">
+        <p14:creationId xmlns:p14="http://schemas.microsoft.com/office/powerpoint/2010/main" val="10443187"/>
+      </p:ext>
+    </p:extLst>
+  </p:cSld>
+  <p:clrMapOvr>
+    <a:masterClrMapping/>
+  </p:clrMapOvr>
+</p:sld>
+</file>
+
 <file path=ppt/theme/theme1.xml><?xml version="1.0" encoding="utf-8"?>
 <a:theme xmlns:a="http://schemas.openxmlformats.org/drawingml/2006/main" name="Office Theme">
   <a:themeElements>
